--- a/ClariomS_Analysis_Presentation.pptx
+++ b/ClariomS_Analysis_Presentation.pptx
@@ -6,10 +6,28 @@
   </p:sldMasterIdLst>
   <p:sldIdLst>
     <p:sldId id="256" r:id="rId2"/>
-    <p:sldId id="257" r:id="rId3"/>
-    <p:sldId id="258" r:id="rId4"/>
+    <p:sldId id="258" r:id="rId3"/>
+    <p:sldId id="257" r:id="rId4"/>
     <p:sldId id="260" r:id="rId5"/>
     <p:sldId id="259" r:id="rId6"/>
+    <p:sldId id="261" r:id="rId7"/>
+    <p:sldId id="267" r:id="rId8"/>
+    <p:sldId id="274" r:id="rId9"/>
+    <p:sldId id="262" r:id="rId10"/>
+    <p:sldId id="266" r:id="rId11"/>
+    <p:sldId id="268" r:id="rId12"/>
+    <p:sldId id="270" r:id="rId13"/>
+    <p:sldId id="271" r:id="rId14"/>
+    <p:sldId id="269" r:id="rId15"/>
+    <p:sldId id="277" r:id="rId16"/>
+    <p:sldId id="278" r:id="rId17"/>
+    <p:sldId id="275" r:id="rId18"/>
+    <p:sldId id="265" r:id="rId19"/>
+    <p:sldId id="273" r:id="rId20"/>
+    <p:sldId id="276" r:id="rId21"/>
+    <p:sldId id="263" r:id="rId22"/>
+    <p:sldId id="264" r:id="rId23"/>
+    <p:sldId id="279" r:id="rId24"/>
   </p:sldIdLst>
   <p:sldSz cx="12192000" cy="6858000"/>
   <p:notesSz cx="6858000" cy="9144000"/>
@@ -108,6 +126,11 @@
       </a:defRPr>
     </a:lvl9pPr>
   </p:defaultTextStyle>
+  <p:extLst>
+    <p:ext uri="{EFAFB233-063F-42B5-8137-9DF3F51BA10A}">
+      <p15:sldGuideLst xmlns:p15="http://schemas.microsoft.com/office/powerpoint/2012/main"/>
+    </p:ext>
+  </p:extLst>
 </p:presentation>
 </file>
 
@@ -258,7 +281,7 @@
           <a:p>
             <a:fld id="{B4457F92-8179-4A38-8EDC-6D7B3A5D81BE}" type="datetimeFigureOut">
               <a:rPr lang="en-US" smtClean="0"/>
-              <a:t>1/19/2019</a:t>
+              <a:t>2/1/2019</a:t>
             </a:fld>
             <a:endParaRPr lang="en-US"/>
           </a:p>
@@ -456,7 +479,7 @@
           <a:p>
             <a:fld id="{B4457F92-8179-4A38-8EDC-6D7B3A5D81BE}" type="datetimeFigureOut">
               <a:rPr lang="en-US" smtClean="0"/>
-              <a:t>1/19/2019</a:t>
+              <a:t>2/1/2019</a:t>
             </a:fld>
             <a:endParaRPr lang="en-US"/>
           </a:p>
@@ -664,7 +687,7 @@
           <a:p>
             <a:fld id="{B4457F92-8179-4A38-8EDC-6D7B3A5D81BE}" type="datetimeFigureOut">
               <a:rPr lang="en-US" smtClean="0"/>
-              <a:t>1/19/2019</a:t>
+              <a:t>2/1/2019</a:t>
             </a:fld>
             <a:endParaRPr lang="en-US"/>
           </a:p>
@@ -862,7 +885,7 @@
           <a:p>
             <a:fld id="{B4457F92-8179-4A38-8EDC-6D7B3A5D81BE}" type="datetimeFigureOut">
               <a:rPr lang="en-US" smtClean="0"/>
-              <a:t>1/19/2019</a:t>
+              <a:t>2/1/2019</a:t>
             </a:fld>
             <a:endParaRPr lang="en-US"/>
           </a:p>
@@ -1137,7 +1160,7 @@
           <a:p>
             <a:fld id="{B4457F92-8179-4A38-8EDC-6D7B3A5D81BE}" type="datetimeFigureOut">
               <a:rPr lang="en-US" smtClean="0"/>
-              <a:t>1/19/2019</a:t>
+              <a:t>2/1/2019</a:t>
             </a:fld>
             <a:endParaRPr lang="en-US"/>
           </a:p>
@@ -1402,7 +1425,7 @@
           <a:p>
             <a:fld id="{B4457F92-8179-4A38-8EDC-6D7B3A5D81BE}" type="datetimeFigureOut">
               <a:rPr lang="en-US" smtClean="0"/>
-              <a:t>1/19/2019</a:t>
+              <a:t>2/1/2019</a:t>
             </a:fld>
             <a:endParaRPr lang="en-US"/>
           </a:p>
@@ -1814,7 +1837,7 @@
           <a:p>
             <a:fld id="{B4457F92-8179-4A38-8EDC-6D7B3A5D81BE}" type="datetimeFigureOut">
               <a:rPr lang="en-US" smtClean="0"/>
-              <a:t>1/19/2019</a:t>
+              <a:t>2/1/2019</a:t>
             </a:fld>
             <a:endParaRPr lang="en-US"/>
           </a:p>
@@ -1955,7 +1978,7 @@
           <a:p>
             <a:fld id="{B4457F92-8179-4A38-8EDC-6D7B3A5D81BE}" type="datetimeFigureOut">
               <a:rPr lang="en-US" smtClean="0"/>
-              <a:t>1/19/2019</a:t>
+              <a:t>2/1/2019</a:t>
             </a:fld>
             <a:endParaRPr lang="en-US"/>
           </a:p>
@@ -2068,7 +2091,7 @@
           <a:p>
             <a:fld id="{B4457F92-8179-4A38-8EDC-6D7B3A5D81BE}" type="datetimeFigureOut">
               <a:rPr lang="en-US" smtClean="0"/>
-              <a:t>1/19/2019</a:t>
+              <a:t>2/1/2019</a:t>
             </a:fld>
             <a:endParaRPr lang="en-US"/>
           </a:p>
@@ -2379,7 +2402,7 @@
           <a:p>
             <a:fld id="{B4457F92-8179-4A38-8EDC-6D7B3A5D81BE}" type="datetimeFigureOut">
               <a:rPr lang="en-US" smtClean="0"/>
-              <a:t>1/19/2019</a:t>
+              <a:t>2/1/2019</a:t>
             </a:fld>
             <a:endParaRPr lang="en-US"/>
           </a:p>
@@ -2667,7 +2690,7 @@
           <a:p>
             <a:fld id="{B4457F92-8179-4A38-8EDC-6D7B3A5D81BE}" type="datetimeFigureOut">
               <a:rPr lang="en-US" smtClean="0"/>
-              <a:t>1/19/2019</a:t>
+              <a:t>2/1/2019</a:t>
             </a:fld>
             <a:endParaRPr lang="en-US"/>
           </a:p>
@@ -2908,7 +2931,7 @@
           <a:p>
             <a:fld id="{B4457F92-8179-4A38-8EDC-6D7B3A5D81BE}" type="datetimeFigureOut">
               <a:rPr lang="en-US" smtClean="0"/>
-              <a:t>1/19/2019</a:t>
+              <a:t>2/1/2019</a:t>
             </a:fld>
             <a:endParaRPr lang="en-US"/>
           </a:p>
@@ -3387,15 +3410,7 @@
           <a:p>
             <a:r>
               <a:rPr lang="en-US" dirty="0"/>
-              <a:t>January 19</a:t>
-            </a:r>
-            <a:r>
-              <a:rPr lang="en-US" baseline="30000" dirty="0"/>
-              <a:t>th</a:t>
-            </a:r>
-            <a:r>
-              <a:rPr lang="en-US" dirty="0"/>
-              <a:t> 2019</a:t>
+              <a:t>February 1, 2019</a:t>
             </a:r>
           </a:p>
         </p:txBody>
@@ -3404,6 +3419,5204 @@
     <p:extLst>
       <p:ext uri="{BB962C8B-B14F-4D97-AF65-F5344CB8AC3E}">
         <p14:creationId xmlns:p14="http://schemas.microsoft.com/office/powerpoint/2010/main" val="1223026924"/>
+      </p:ext>
+    </p:extLst>
+  </p:cSld>
+  <p:clrMapOvr>
+    <a:masterClrMapping/>
+  </p:clrMapOvr>
+</p:sld>
+</file>
+
+<file path=ppt/slides/slide10.xml><?xml version="1.0" encoding="utf-8"?>
+<p:sld xmlns:a="http://schemas.openxmlformats.org/drawingml/2006/main" xmlns:r="http://schemas.openxmlformats.org/officeDocument/2006/relationships" xmlns:p="http://schemas.openxmlformats.org/presentationml/2006/main">
+  <p:cSld>
+    <p:spTree>
+      <p:nvGrpSpPr>
+        <p:cNvPr id="1" name=""/>
+        <p:cNvGrpSpPr/>
+        <p:nvPr/>
+      </p:nvGrpSpPr>
+      <p:grpSpPr>
+        <a:xfrm>
+          <a:off x="0" y="0"/>
+          <a:ext cx="0" cy="0"/>
+          <a:chOff x="0" y="0"/>
+          <a:chExt cx="0" cy="0"/>
+        </a:xfrm>
+      </p:grpSpPr>
+      <p:sp>
+        <p:nvSpPr>
+          <p:cNvPr id="2" name="Title 1">
+            <a:extLst>
+              <a:ext uri="{FF2B5EF4-FFF2-40B4-BE49-F238E27FC236}">
+                <a16:creationId xmlns:a16="http://schemas.microsoft.com/office/drawing/2014/main" id="{5B8D6869-FB7E-45B1-AAB5-D7EA45E9F514}"/>
+              </a:ext>
+            </a:extLst>
+          </p:cNvPr>
+          <p:cNvSpPr>
+            <a:spLocks noGrp="1"/>
+          </p:cNvSpPr>
+          <p:nvPr>
+            <p:ph type="title"/>
+          </p:nvPr>
+        </p:nvSpPr>
+        <p:spPr>
+          <a:xfrm>
+            <a:off x="381740" y="365125"/>
+            <a:ext cx="11810260" cy="1325563"/>
+          </a:xfrm>
+        </p:spPr>
+        <p:txBody>
+          <a:bodyPr>
+            <a:normAutofit/>
+          </a:bodyPr>
+          <a:lstStyle/>
+          <a:p>
+            <a:r>
+              <a:rPr lang="en-US" sz="4200" dirty="0"/>
+              <a:t>Largely region-specific effects of LPS + </a:t>
+            </a:r>
+            <a:r>
+              <a:rPr lang="en-US" sz="4200" dirty="0" err="1"/>
+              <a:t>pyridostigmin</a:t>
+            </a:r>
+            <a:endParaRPr lang="en-US" sz="4200" dirty="0"/>
+          </a:p>
+        </p:txBody>
+      </p:sp>
+      <p:sp>
+        <p:nvSpPr>
+          <p:cNvPr id="3" name="Content Placeholder 2">
+            <a:extLst>
+              <a:ext uri="{FF2B5EF4-FFF2-40B4-BE49-F238E27FC236}">
+                <a16:creationId xmlns:a16="http://schemas.microsoft.com/office/drawing/2014/main" id="{A327EA86-FE88-43F9-991C-984B826E2D96}"/>
+              </a:ext>
+            </a:extLst>
+          </p:cNvPr>
+          <p:cNvSpPr>
+            <a:spLocks noGrp="1"/>
+          </p:cNvSpPr>
+          <p:nvPr>
+            <p:ph idx="1"/>
+          </p:nvPr>
+        </p:nvSpPr>
+        <p:spPr>
+          <a:xfrm>
+            <a:off x="612560" y="1509204"/>
+            <a:ext cx="5007005" cy="1894120"/>
+          </a:xfrm>
+        </p:spPr>
+        <p:txBody>
+          <a:bodyPr>
+            <a:normAutofit fontScale="92500" lnSpcReduction="10000"/>
+          </a:bodyPr>
+          <a:lstStyle/>
+          <a:p>
+            <a:r>
+              <a:rPr lang="en-US" dirty="0"/>
+              <a:t>Most effects of injury model were only significant in LA (334 transcript clusters).</a:t>
+            </a:r>
+          </a:p>
+          <a:p>
+            <a:r>
+              <a:rPr lang="en-US" dirty="0"/>
+              <a:t>A few were shared in both brain regions (3 transcript clusters)</a:t>
+            </a:r>
+          </a:p>
+          <a:p>
+            <a:endParaRPr lang="en-US" dirty="0"/>
+          </a:p>
+        </p:txBody>
+      </p:sp>
+      <p:pic>
+        <p:nvPicPr>
+          <p:cNvPr id="4" name="Picture 3">
+            <a:extLst>
+              <a:ext uri="{FF2B5EF4-FFF2-40B4-BE49-F238E27FC236}">
+                <a16:creationId xmlns:a16="http://schemas.microsoft.com/office/drawing/2014/main" id="{DDC012B0-2F88-4D61-97AE-650F76020B96}"/>
+              </a:ext>
+            </a:extLst>
+          </p:cNvPr>
+          <p:cNvPicPr>
+            <a:picLocks noChangeAspect="1"/>
+          </p:cNvPicPr>
+          <p:nvPr/>
+        </p:nvPicPr>
+        <p:blipFill>
+          <a:blip r:embed="rId2"/>
+          <a:stretch>
+            <a:fillRect/>
+          </a:stretch>
+        </p:blipFill>
+        <p:spPr>
+          <a:xfrm>
+            <a:off x="1411550" y="3280959"/>
+            <a:ext cx="3581478" cy="3577041"/>
+          </a:xfrm>
+          <a:prstGeom prst="rect">
+            <a:avLst/>
+          </a:prstGeom>
+        </p:spPr>
+      </p:pic>
+      <p:sp>
+        <p:nvSpPr>
+          <p:cNvPr id="5" name="Content Placeholder 2">
+            <a:extLst>
+              <a:ext uri="{FF2B5EF4-FFF2-40B4-BE49-F238E27FC236}">
+                <a16:creationId xmlns:a16="http://schemas.microsoft.com/office/drawing/2014/main" id="{32E77020-BFE6-4058-AB67-D7402E803EED}"/>
+              </a:ext>
+            </a:extLst>
+          </p:cNvPr>
+          <p:cNvSpPr txBox="1">
+            <a:spLocks/>
+          </p:cNvSpPr>
+          <p:nvPr/>
+        </p:nvSpPr>
+        <p:spPr>
+          <a:xfrm>
+            <a:off x="1236959" y="3280959"/>
+            <a:ext cx="2969578" cy="603281"/>
+          </a:xfrm>
+          <a:prstGeom prst="rect">
+            <a:avLst/>
+          </a:prstGeom>
+          <a:solidFill>
+            <a:schemeClr val="bg1"/>
+          </a:solidFill>
+        </p:spPr>
+        <p:txBody>
+          <a:bodyPr vert="horz" lIns="91440" tIns="45720" rIns="91440" bIns="45720" rtlCol="0">
+            <a:noAutofit/>
+          </a:bodyPr>
+          <a:lstStyle>
+            <a:lvl1pPr marL="228600" indent="-228600" algn="l" defTabSz="914400" rtl="0" eaLnBrk="1" latinLnBrk="0" hangingPunct="1">
+              <a:lnSpc>
+                <a:spcPct val="90000"/>
+              </a:lnSpc>
+              <a:spcBef>
+                <a:spcPts val="1000"/>
+              </a:spcBef>
+              <a:buFont typeface="Arial" panose="020B0604020202020204" pitchFamily="34" charset="0"/>
+              <a:buChar char="•"/>
+              <a:defRPr sz="2800" kern="1200">
+                <a:solidFill>
+                  <a:schemeClr val="tx1"/>
+                </a:solidFill>
+                <a:latin typeface="+mn-lt"/>
+                <a:ea typeface="+mn-ea"/>
+                <a:cs typeface="+mn-cs"/>
+              </a:defRPr>
+            </a:lvl1pPr>
+            <a:lvl2pPr marL="685800" indent="-228600" algn="l" defTabSz="914400" rtl="0" eaLnBrk="1" latinLnBrk="0" hangingPunct="1">
+              <a:lnSpc>
+                <a:spcPct val="90000"/>
+              </a:lnSpc>
+              <a:spcBef>
+                <a:spcPts val="500"/>
+              </a:spcBef>
+              <a:buFont typeface="Arial" panose="020B0604020202020204" pitchFamily="34" charset="0"/>
+              <a:buChar char="•"/>
+              <a:defRPr sz="2400" kern="1200">
+                <a:solidFill>
+                  <a:schemeClr val="tx1"/>
+                </a:solidFill>
+                <a:latin typeface="+mn-lt"/>
+                <a:ea typeface="+mn-ea"/>
+                <a:cs typeface="+mn-cs"/>
+              </a:defRPr>
+            </a:lvl2pPr>
+            <a:lvl3pPr marL="1143000" indent="-228600" algn="l" defTabSz="914400" rtl="0" eaLnBrk="1" latinLnBrk="0" hangingPunct="1">
+              <a:lnSpc>
+                <a:spcPct val="90000"/>
+              </a:lnSpc>
+              <a:spcBef>
+                <a:spcPts val="500"/>
+              </a:spcBef>
+              <a:buFont typeface="Arial" panose="020B0604020202020204" pitchFamily="34" charset="0"/>
+              <a:buChar char="•"/>
+              <a:defRPr sz="2000" kern="1200">
+                <a:solidFill>
+                  <a:schemeClr val="tx1"/>
+                </a:solidFill>
+                <a:latin typeface="+mn-lt"/>
+                <a:ea typeface="+mn-ea"/>
+                <a:cs typeface="+mn-cs"/>
+              </a:defRPr>
+            </a:lvl3pPr>
+            <a:lvl4pPr marL="1600200" indent="-228600" algn="l" defTabSz="914400" rtl="0" eaLnBrk="1" latinLnBrk="0" hangingPunct="1">
+              <a:lnSpc>
+                <a:spcPct val="90000"/>
+              </a:lnSpc>
+              <a:spcBef>
+                <a:spcPts val="500"/>
+              </a:spcBef>
+              <a:buFont typeface="Arial" panose="020B0604020202020204" pitchFamily="34" charset="0"/>
+              <a:buChar char="•"/>
+              <a:defRPr sz="1800" kern="1200">
+                <a:solidFill>
+                  <a:schemeClr val="tx1"/>
+                </a:solidFill>
+                <a:latin typeface="+mn-lt"/>
+                <a:ea typeface="+mn-ea"/>
+                <a:cs typeface="+mn-cs"/>
+              </a:defRPr>
+            </a:lvl4pPr>
+            <a:lvl5pPr marL="2057400" indent="-228600" algn="l" defTabSz="914400" rtl="0" eaLnBrk="1" latinLnBrk="0" hangingPunct="1">
+              <a:lnSpc>
+                <a:spcPct val="90000"/>
+              </a:lnSpc>
+              <a:spcBef>
+                <a:spcPts val="500"/>
+              </a:spcBef>
+              <a:buFont typeface="Arial" panose="020B0604020202020204" pitchFamily="34" charset="0"/>
+              <a:buChar char="•"/>
+              <a:defRPr sz="1800" kern="1200">
+                <a:solidFill>
+                  <a:schemeClr val="tx1"/>
+                </a:solidFill>
+                <a:latin typeface="+mn-lt"/>
+                <a:ea typeface="+mn-ea"/>
+                <a:cs typeface="+mn-cs"/>
+              </a:defRPr>
+            </a:lvl5pPr>
+            <a:lvl6pPr marL="2514600" indent="-228600" algn="l" defTabSz="914400" rtl="0" eaLnBrk="1" latinLnBrk="0" hangingPunct="1">
+              <a:lnSpc>
+                <a:spcPct val="90000"/>
+              </a:lnSpc>
+              <a:spcBef>
+                <a:spcPts val="500"/>
+              </a:spcBef>
+              <a:buFont typeface="Arial" panose="020B0604020202020204" pitchFamily="34" charset="0"/>
+              <a:buChar char="•"/>
+              <a:defRPr sz="1800" kern="1200">
+                <a:solidFill>
+                  <a:schemeClr val="tx1"/>
+                </a:solidFill>
+                <a:latin typeface="+mn-lt"/>
+                <a:ea typeface="+mn-ea"/>
+                <a:cs typeface="+mn-cs"/>
+              </a:defRPr>
+            </a:lvl6pPr>
+            <a:lvl7pPr marL="2971800" indent="-228600" algn="l" defTabSz="914400" rtl="0" eaLnBrk="1" latinLnBrk="0" hangingPunct="1">
+              <a:lnSpc>
+                <a:spcPct val="90000"/>
+              </a:lnSpc>
+              <a:spcBef>
+                <a:spcPts val="500"/>
+              </a:spcBef>
+              <a:buFont typeface="Arial" panose="020B0604020202020204" pitchFamily="34" charset="0"/>
+              <a:buChar char="•"/>
+              <a:defRPr sz="1800" kern="1200">
+                <a:solidFill>
+                  <a:schemeClr val="tx1"/>
+                </a:solidFill>
+                <a:latin typeface="+mn-lt"/>
+                <a:ea typeface="+mn-ea"/>
+                <a:cs typeface="+mn-cs"/>
+              </a:defRPr>
+            </a:lvl7pPr>
+            <a:lvl8pPr marL="3429000" indent="-228600" algn="l" defTabSz="914400" rtl="0" eaLnBrk="1" latinLnBrk="0" hangingPunct="1">
+              <a:lnSpc>
+                <a:spcPct val="90000"/>
+              </a:lnSpc>
+              <a:spcBef>
+                <a:spcPts val="500"/>
+              </a:spcBef>
+              <a:buFont typeface="Arial" panose="020B0604020202020204" pitchFamily="34" charset="0"/>
+              <a:buChar char="•"/>
+              <a:defRPr sz="1800" kern="1200">
+                <a:solidFill>
+                  <a:schemeClr val="tx1"/>
+                </a:solidFill>
+                <a:latin typeface="+mn-lt"/>
+                <a:ea typeface="+mn-ea"/>
+                <a:cs typeface="+mn-cs"/>
+              </a:defRPr>
+            </a:lvl8pPr>
+            <a:lvl9pPr marL="3886200" indent="-228600" algn="l" defTabSz="914400" rtl="0" eaLnBrk="1" latinLnBrk="0" hangingPunct="1">
+              <a:lnSpc>
+                <a:spcPct val="90000"/>
+              </a:lnSpc>
+              <a:spcBef>
+                <a:spcPts val="500"/>
+              </a:spcBef>
+              <a:buFont typeface="Arial" panose="020B0604020202020204" pitchFamily="34" charset="0"/>
+              <a:buChar char="•"/>
+              <a:defRPr sz="1800" kern="1200">
+                <a:solidFill>
+                  <a:schemeClr val="tx1"/>
+                </a:solidFill>
+                <a:latin typeface="+mn-lt"/>
+                <a:ea typeface="+mn-ea"/>
+                <a:cs typeface="+mn-cs"/>
+              </a:defRPr>
+            </a:lvl9pPr>
+          </a:lstStyle>
+          <a:p>
+            <a:pPr marL="0" indent="0">
+              <a:buFont typeface="Arial" panose="020B0604020202020204" pitchFamily="34" charset="0"/>
+              <a:buNone/>
+            </a:pPr>
+            <a:r>
+              <a:rPr lang="en-US" sz="3000" b="1" dirty="0"/>
+              <a:t>Control vs. injury</a:t>
+            </a:r>
+          </a:p>
+        </p:txBody>
+      </p:sp>
+      <p:pic>
+        <p:nvPicPr>
+          <p:cNvPr id="6" name="Picture 5">
+            <a:extLst>
+              <a:ext uri="{FF2B5EF4-FFF2-40B4-BE49-F238E27FC236}">
+                <a16:creationId xmlns:a16="http://schemas.microsoft.com/office/drawing/2014/main" id="{9CAF28E2-0195-419B-B54E-60C53203FE69}"/>
+              </a:ext>
+            </a:extLst>
+          </p:cNvPr>
+          <p:cNvPicPr>
+            <a:picLocks noChangeAspect="1"/>
+          </p:cNvPicPr>
+          <p:nvPr/>
+        </p:nvPicPr>
+        <p:blipFill>
+          <a:blip r:embed="rId3"/>
+          <a:stretch>
+            <a:fillRect/>
+          </a:stretch>
+        </p:blipFill>
+        <p:spPr>
+          <a:xfrm>
+            <a:off x="5504157" y="1591435"/>
+            <a:ext cx="6544322" cy="5065623"/>
+          </a:xfrm>
+          <a:prstGeom prst="rect">
+            <a:avLst/>
+          </a:prstGeom>
+        </p:spPr>
+      </p:pic>
+    </p:spTree>
+    <p:extLst>
+      <p:ext uri="{BB962C8B-B14F-4D97-AF65-F5344CB8AC3E}">
+        <p14:creationId xmlns:p14="http://schemas.microsoft.com/office/powerpoint/2010/main" val="1230002077"/>
+      </p:ext>
+    </p:extLst>
+  </p:cSld>
+  <p:clrMapOvr>
+    <a:masterClrMapping/>
+  </p:clrMapOvr>
+</p:sld>
+</file>
+
+<file path=ppt/slides/slide11.xml><?xml version="1.0" encoding="utf-8"?>
+<p:sld xmlns:a="http://schemas.openxmlformats.org/drawingml/2006/main" xmlns:r="http://schemas.openxmlformats.org/officeDocument/2006/relationships" xmlns:p="http://schemas.openxmlformats.org/presentationml/2006/main">
+  <p:cSld>
+    <p:spTree>
+      <p:nvGrpSpPr>
+        <p:cNvPr id="1" name=""/>
+        <p:cNvGrpSpPr/>
+        <p:nvPr/>
+      </p:nvGrpSpPr>
+      <p:grpSpPr>
+        <a:xfrm>
+          <a:off x="0" y="0"/>
+          <a:ext cx="0" cy="0"/>
+          <a:chOff x="0" y="0"/>
+          <a:chExt cx="0" cy="0"/>
+        </a:xfrm>
+      </p:grpSpPr>
+      <p:sp>
+        <p:nvSpPr>
+          <p:cNvPr id="2" name="Title 1">
+            <a:extLst>
+              <a:ext uri="{FF2B5EF4-FFF2-40B4-BE49-F238E27FC236}">
+                <a16:creationId xmlns:a16="http://schemas.microsoft.com/office/drawing/2014/main" id="{B7B2EF9D-4EA9-48F5-A652-28A327AE5B35}"/>
+              </a:ext>
+            </a:extLst>
+          </p:cNvPr>
+          <p:cNvSpPr>
+            <a:spLocks noGrp="1"/>
+          </p:cNvSpPr>
+          <p:nvPr>
+            <p:ph type="title"/>
+          </p:nvPr>
+        </p:nvSpPr>
+        <p:spPr>
+          <a:xfrm>
+            <a:off x="838199" y="365125"/>
+            <a:ext cx="10960223" cy="1325563"/>
+          </a:xfrm>
+        </p:spPr>
+        <p:txBody>
+          <a:bodyPr/>
+          <a:lstStyle/>
+          <a:p>
+            <a:r>
+              <a:rPr lang="en-US" dirty="0"/>
+              <a:t>More differential expression in lateral amygdala</a:t>
+            </a:r>
+          </a:p>
+        </p:txBody>
+      </p:sp>
+      <p:sp>
+        <p:nvSpPr>
+          <p:cNvPr id="3" name="Content Placeholder 2">
+            <a:extLst>
+              <a:ext uri="{FF2B5EF4-FFF2-40B4-BE49-F238E27FC236}">
+                <a16:creationId xmlns:a16="http://schemas.microsoft.com/office/drawing/2014/main" id="{EA415E67-3C96-41E1-8523-6667C30446F5}"/>
+              </a:ext>
+            </a:extLst>
+          </p:cNvPr>
+          <p:cNvSpPr>
+            <a:spLocks noGrp="1"/>
+          </p:cNvSpPr>
+          <p:nvPr>
+            <p:ph idx="1"/>
+          </p:nvPr>
+        </p:nvSpPr>
+        <p:spPr>
+          <a:xfrm>
+            <a:off x="8143785" y="1989354"/>
+            <a:ext cx="3547368" cy="505272"/>
+          </a:xfrm>
+        </p:spPr>
+        <p:txBody>
+          <a:bodyPr>
+            <a:normAutofit/>
+          </a:bodyPr>
+          <a:lstStyle/>
+          <a:p>
+            <a:pPr marL="0" indent="0">
+              <a:buNone/>
+            </a:pPr>
+            <a:r>
+              <a:rPr lang="en-US" dirty="0"/>
+              <a:t>Lateral amygdala</a:t>
+            </a:r>
+          </a:p>
+        </p:txBody>
+      </p:sp>
+      <p:pic>
+        <p:nvPicPr>
+          <p:cNvPr id="4" name="Picture 3">
+            <a:extLst>
+              <a:ext uri="{FF2B5EF4-FFF2-40B4-BE49-F238E27FC236}">
+                <a16:creationId xmlns:a16="http://schemas.microsoft.com/office/drawing/2014/main" id="{059CC5DD-3AA4-4671-8D64-A1DF9E695477}"/>
+              </a:ext>
+            </a:extLst>
+          </p:cNvPr>
+          <p:cNvPicPr>
+            <a:picLocks noChangeAspect="1"/>
+          </p:cNvPicPr>
+          <p:nvPr/>
+        </p:nvPicPr>
+        <p:blipFill>
+          <a:blip r:embed="rId2"/>
+          <a:stretch>
+            <a:fillRect/>
+          </a:stretch>
+        </p:blipFill>
+        <p:spPr>
+          <a:xfrm>
+            <a:off x="7563775" y="2595898"/>
+            <a:ext cx="4127378" cy="4103269"/>
+          </a:xfrm>
+          <a:prstGeom prst="rect">
+            <a:avLst/>
+          </a:prstGeom>
+        </p:spPr>
+      </p:pic>
+      <p:sp>
+        <p:nvSpPr>
+          <p:cNvPr id="5" name="Content Placeholder 2">
+            <a:extLst>
+              <a:ext uri="{FF2B5EF4-FFF2-40B4-BE49-F238E27FC236}">
+                <a16:creationId xmlns:a16="http://schemas.microsoft.com/office/drawing/2014/main" id="{00FF7BE0-8DC9-4C33-BD1E-BAD155A70ED7}"/>
+              </a:ext>
+            </a:extLst>
+          </p:cNvPr>
+          <p:cNvSpPr txBox="1">
+            <a:spLocks/>
+          </p:cNvSpPr>
+          <p:nvPr/>
+        </p:nvSpPr>
+        <p:spPr>
+          <a:xfrm>
+            <a:off x="6096000" y="2595898"/>
+            <a:ext cx="1973802" cy="505272"/>
+          </a:xfrm>
+          <a:prstGeom prst="rect">
+            <a:avLst/>
+          </a:prstGeom>
+          <a:solidFill>
+            <a:schemeClr val="bg1"/>
+          </a:solidFill>
+        </p:spPr>
+        <p:txBody>
+          <a:bodyPr vert="horz" lIns="91440" tIns="45720" rIns="91440" bIns="45720" rtlCol="0">
+            <a:normAutofit/>
+          </a:bodyPr>
+          <a:lstStyle>
+            <a:lvl1pPr marL="228600" indent="-228600" algn="l" defTabSz="914400" rtl="0" eaLnBrk="1" latinLnBrk="0" hangingPunct="1">
+              <a:lnSpc>
+                <a:spcPct val="90000"/>
+              </a:lnSpc>
+              <a:spcBef>
+                <a:spcPts val="1000"/>
+              </a:spcBef>
+              <a:buFont typeface="Arial" panose="020B0604020202020204" pitchFamily="34" charset="0"/>
+              <a:buChar char="•"/>
+              <a:defRPr sz="2800" kern="1200">
+                <a:solidFill>
+                  <a:schemeClr val="tx1"/>
+                </a:solidFill>
+                <a:latin typeface="+mn-lt"/>
+                <a:ea typeface="+mn-ea"/>
+                <a:cs typeface="+mn-cs"/>
+              </a:defRPr>
+            </a:lvl1pPr>
+            <a:lvl2pPr marL="685800" indent="-228600" algn="l" defTabSz="914400" rtl="0" eaLnBrk="1" latinLnBrk="0" hangingPunct="1">
+              <a:lnSpc>
+                <a:spcPct val="90000"/>
+              </a:lnSpc>
+              <a:spcBef>
+                <a:spcPts val="500"/>
+              </a:spcBef>
+              <a:buFont typeface="Arial" panose="020B0604020202020204" pitchFamily="34" charset="0"/>
+              <a:buChar char="•"/>
+              <a:defRPr sz="2400" kern="1200">
+                <a:solidFill>
+                  <a:schemeClr val="tx1"/>
+                </a:solidFill>
+                <a:latin typeface="+mn-lt"/>
+                <a:ea typeface="+mn-ea"/>
+                <a:cs typeface="+mn-cs"/>
+              </a:defRPr>
+            </a:lvl2pPr>
+            <a:lvl3pPr marL="1143000" indent="-228600" algn="l" defTabSz="914400" rtl="0" eaLnBrk="1" latinLnBrk="0" hangingPunct="1">
+              <a:lnSpc>
+                <a:spcPct val="90000"/>
+              </a:lnSpc>
+              <a:spcBef>
+                <a:spcPts val="500"/>
+              </a:spcBef>
+              <a:buFont typeface="Arial" panose="020B0604020202020204" pitchFamily="34" charset="0"/>
+              <a:buChar char="•"/>
+              <a:defRPr sz="2000" kern="1200">
+                <a:solidFill>
+                  <a:schemeClr val="tx1"/>
+                </a:solidFill>
+                <a:latin typeface="+mn-lt"/>
+                <a:ea typeface="+mn-ea"/>
+                <a:cs typeface="+mn-cs"/>
+              </a:defRPr>
+            </a:lvl3pPr>
+            <a:lvl4pPr marL="1600200" indent="-228600" algn="l" defTabSz="914400" rtl="0" eaLnBrk="1" latinLnBrk="0" hangingPunct="1">
+              <a:lnSpc>
+                <a:spcPct val="90000"/>
+              </a:lnSpc>
+              <a:spcBef>
+                <a:spcPts val="500"/>
+              </a:spcBef>
+              <a:buFont typeface="Arial" panose="020B0604020202020204" pitchFamily="34" charset="0"/>
+              <a:buChar char="•"/>
+              <a:defRPr sz="1800" kern="1200">
+                <a:solidFill>
+                  <a:schemeClr val="tx1"/>
+                </a:solidFill>
+                <a:latin typeface="+mn-lt"/>
+                <a:ea typeface="+mn-ea"/>
+                <a:cs typeface="+mn-cs"/>
+              </a:defRPr>
+            </a:lvl4pPr>
+            <a:lvl5pPr marL="2057400" indent="-228600" algn="l" defTabSz="914400" rtl="0" eaLnBrk="1" latinLnBrk="0" hangingPunct="1">
+              <a:lnSpc>
+                <a:spcPct val="90000"/>
+              </a:lnSpc>
+              <a:spcBef>
+                <a:spcPts val="500"/>
+              </a:spcBef>
+              <a:buFont typeface="Arial" panose="020B0604020202020204" pitchFamily="34" charset="0"/>
+              <a:buChar char="•"/>
+              <a:defRPr sz="1800" kern="1200">
+                <a:solidFill>
+                  <a:schemeClr val="tx1"/>
+                </a:solidFill>
+                <a:latin typeface="+mn-lt"/>
+                <a:ea typeface="+mn-ea"/>
+                <a:cs typeface="+mn-cs"/>
+              </a:defRPr>
+            </a:lvl5pPr>
+            <a:lvl6pPr marL="2514600" indent="-228600" algn="l" defTabSz="914400" rtl="0" eaLnBrk="1" latinLnBrk="0" hangingPunct="1">
+              <a:lnSpc>
+                <a:spcPct val="90000"/>
+              </a:lnSpc>
+              <a:spcBef>
+                <a:spcPts val="500"/>
+              </a:spcBef>
+              <a:buFont typeface="Arial" panose="020B0604020202020204" pitchFamily="34" charset="0"/>
+              <a:buChar char="•"/>
+              <a:defRPr sz="1800" kern="1200">
+                <a:solidFill>
+                  <a:schemeClr val="tx1"/>
+                </a:solidFill>
+                <a:latin typeface="+mn-lt"/>
+                <a:ea typeface="+mn-ea"/>
+                <a:cs typeface="+mn-cs"/>
+              </a:defRPr>
+            </a:lvl6pPr>
+            <a:lvl7pPr marL="2971800" indent="-228600" algn="l" defTabSz="914400" rtl="0" eaLnBrk="1" latinLnBrk="0" hangingPunct="1">
+              <a:lnSpc>
+                <a:spcPct val="90000"/>
+              </a:lnSpc>
+              <a:spcBef>
+                <a:spcPts val="500"/>
+              </a:spcBef>
+              <a:buFont typeface="Arial" panose="020B0604020202020204" pitchFamily="34" charset="0"/>
+              <a:buChar char="•"/>
+              <a:defRPr sz="1800" kern="1200">
+                <a:solidFill>
+                  <a:schemeClr val="tx1"/>
+                </a:solidFill>
+                <a:latin typeface="+mn-lt"/>
+                <a:ea typeface="+mn-ea"/>
+                <a:cs typeface="+mn-cs"/>
+              </a:defRPr>
+            </a:lvl7pPr>
+            <a:lvl8pPr marL="3429000" indent="-228600" algn="l" defTabSz="914400" rtl="0" eaLnBrk="1" latinLnBrk="0" hangingPunct="1">
+              <a:lnSpc>
+                <a:spcPct val="90000"/>
+              </a:lnSpc>
+              <a:spcBef>
+                <a:spcPts val="500"/>
+              </a:spcBef>
+              <a:buFont typeface="Arial" panose="020B0604020202020204" pitchFamily="34" charset="0"/>
+              <a:buChar char="•"/>
+              <a:defRPr sz="1800" kern="1200">
+                <a:solidFill>
+                  <a:schemeClr val="tx1"/>
+                </a:solidFill>
+                <a:latin typeface="+mn-lt"/>
+                <a:ea typeface="+mn-ea"/>
+                <a:cs typeface="+mn-cs"/>
+              </a:defRPr>
+            </a:lvl8pPr>
+            <a:lvl9pPr marL="3886200" indent="-228600" algn="l" defTabSz="914400" rtl="0" eaLnBrk="1" latinLnBrk="0" hangingPunct="1">
+              <a:lnSpc>
+                <a:spcPct val="90000"/>
+              </a:lnSpc>
+              <a:spcBef>
+                <a:spcPts val="500"/>
+              </a:spcBef>
+              <a:buFont typeface="Arial" panose="020B0604020202020204" pitchFamily="34" charset="0"/>
+              <a:buChar char="•"/>
+              <a:defRPr sz="1800" kern="1200">
+                <a:solidFill>
+                  <a:schemeClr val="tx1"/>
+                </a:solidFill>
+                <a:latin typeface="+mn-lt"/>
+                <a:ea typeface="+mn-ea"/>
+                <a:cs typeface="+mn-cs"/>
+              </a:defRPr>
+            </a:lvl9pPr>
+          </a:lstStyle>
+          <a:p>
+            <a:pPr marL="0" indent="0">
+              <a:buFont typeface="Arial" panose="020B0604020202020204" pitchFamily="34" charset="0"/>
+              <a:buNone/>
+            </a:pPr>
+            <a:r>
+              <a:rPr lang="en-US" sz="2000" dirty="0"/>
+              <a:t>Control vs. injury</a:t>
+            </a:r>
+          </a:p>
+        </p:txBody>
+      </p:sp>
+      <p:sp>
+        <p:nvSpPr>
+          <p:cNvPr id="6" name="Content Placeholder 2">
+            <a:extLst>
+              <a:ext uri="{FF2B5EF4-FFF2-40B4-BE49-F238E27FC236}">
+                <a16:creationId xmlns:a16="http://schemas.microsoft.com/office/drawing/2014/main" id="{3BF5823B-9570-4E24-8A51-FF5CC3725DDE}"/>
+              </a:ext>
+            </a:extLst>
+          </p:cNvPr>
+          <p:cNvSpPr txBox="1">
+            <a:spLocks/>
+          </p:cNvSpPr>
+          <p:nvPr/>
+        </p:nvSpPr>
+        <p:spPr>
+          <a:xfrm>
+            <a:off x="8716393" y="6295167"/>
+            <a:ext cx="1973802" cy="404000"/>
+          </a:xfrm>
+          <a:prstGeom prst="rect">
+            <a:avLst/>
+          </a:prstGeom>
+          <a:solidFill>
+            <a:schemeClr val="bg1"/>
+          </a:solidFill>
+        </p:spPr>
+        <p:txBody>
+          <a:bodyPr vert="horz" lIns="91440" tIns="45720" rIns="91440" bIns="45720" rtlCol="0">
+            <a:normAutofit fontScale="85000" lnSpcReduction="10000"/>
+          </a:bodyPr>
+          <a:lstStyle>
+            <a:lvl1pPr marL="228600" indent="-228600" algn="l" defTabSz="914400" rtl="0" eaLnBrk="1" latinLnBrk="0" hangingPunct="1">
+              <a:lnSpc>
+                <a:spcPct val="90000"/>
+              </a:lnSpc>
+              <a:spcBef>
+                <a:spcPts val="1000"/>
+              </a:spcBef>
+              <a:buFont typeface="Arial" panose="020B0604020202020204" pitchFamily="34" charset="0"/>
+              <a:buChar char="•"/>
+              <a:defRPr sz="2800" kern="1200">
+                <a:solidFill>
+                  <a:schemeClr val="tx1"/>
+                </a:solidFill>
+                <a:latin typeface="+mn-lt"/>
+                <a:ea typeface="+mn-ea"/>
+                <a:cs typeface="+mn-cs"/>
+              </a:defRPr>
+            </a:lvl1pPr>
+            <a:lvl2pPr marL="685800" indent="-228600" algn="l" defTabSz="914400" rtl="0" eaLnBrk="1" latinLnBrk="0" hangingPunct="1">
+              <a:lnSpc>
+                <a:spcPct val="90000"/>
+              </a:lnSpc>
+              <a:spcBef>
+                <a:spcPts val="500"/>
+              </a:spcBef>
+              <a:buFont typeface="Arial" panose="020B0604020202020204" pitchFamily="34" charset="0"/>
+              <a:buChar char="•"/>
+              <a:defRPr sz="2400" kern="1200">
+                <a:solidFill>
+                  <a:schemeClr val="tx1"/>
+                </a:solidFill>
+                <a:latin typeface="+mn-lt"/>
+                <a:ea typeface="+mn-ea"/>
+                <a:cs typeface="+mn-cs"/>
+              </a:defRPr>
+            </a:lvl2pPr>
+            <a:lvl3pPr marL="1143000" indent="-228600" algn="l" defTabSz="914400" rtl="0" eaLnBrk="1" latinLnBrk="0" hangingPunct="1">
+              <a:lnSpc>
+                <a:spcPct val="90000"/>
+              </a:lnSpc>
+              <a:spcBef>
+                <a:spcPts val="500"/>
+              </a:spcBef>
+              <a:buFont typeface="Arial" panose="020B0604020202020204" pitchFamily="34" charset="0"/>
+              <a:buChar char="•"/>
+              <a:defRPr sz="2000" kern="1200">
+                <a:solidFill>
+                  <a:schemeClr val="tx1"/>
+                </a:solidFill>
+                <a:latin typeface="+mn-lt"/>
+                <a:ea typeface="+mn-ea"/>
+                <a:cs typeface="+mn-cs"/>
+              </a:defRPr>
+            </a:lvl3pPr>
+            <a:lvl4pPr marL="1600200" indent="-228600" algn="l" defTabSz="914400" rtl="0" eaLnBrk="1" latinLnBrk="0" hangingPunct="1">
+              <a:lnSpc>
+                <a:spcPct val="90000"/>
+              </a:lnSpc>
+              <a:spcBef>
+                <a:spcPts val="500"/>
+              </a:spcBef>
+              <a:buFont typeface="Arial" panose="020B0604020202020204" pitchFamily="34" charset="0"/>
+              <a:buChar char="•"/>
+              <a:defRPr sz="1800" kern="1200">
+                <a:solidFill>
+                  <a:schemeClr val="tx1"/>
+                </a:solidFill>
+                <a:latin typeface="+mn-lt"/>
+                <a:ea typeface="+mn-ea"/>
+                <a:cs typeface="+mn-cs"/>
+              </a:defRPr>
+            </a:lvl4pPr>
+            <a:lvl5pPr marL="2057400" indent="-228600" algn="l" defTabSz="914400" rtl="0" eaLnBrk="1" latinLnBrk="0" hangingPunct="1">
+              <a:lnSpc>
+                <a:spcPct val="90000"/>
+              </a:lnSpc>
+              <a:spcBef>
+                <a:spcPts val="500"/>
+              </a:spcBef>
+              <a:buFont typeface="Arial" panose="020B0604020202020204" pitchFamily="34" charset="0"/>
+              <a:buChar char="•"/>
+              <a:defRPr sz="1800" kern="1200">
+                <a:solidFill>
+                  <a:schemeClr val="tx1"/>
+                </a:solidFill>
+                <a:latin typeface="+mn-lt"/>
+                <a:ea typeface="+mn-ea"/>
+                <a:cs typeface="+mn-cs"/>
+              </a:defRPr>
+            </a:lvl5pPr>
+            <a:lvl6pPr marL="2514600" indent="-228600" algn="l" defTabSz="914400" rtl="0" eaLnBrk="1" latinLnBrk="0" hangingPunct="1">
+              <a:lnSpc>
+                <a:spcPct val="90000"/>
+              </a:lnSpc>
+              <a:spcBef>
+                <a:spcPts val="500"/>
+              </a:spcBef>
+              <a:buFont typeface="Arial" panose="020B0604020202020204" pitchFamily="34" charset="0"/>
+              <a:buChar char="•"/>
+              <a:defRPr sz="1800" kern="1200">
+                <a:solidFill>
+                  <a:schemeClr val="tx1"/>
+                </a:solidFill>
+                <a:latin typeface="+mn-lt"/>
+                <a:ea typeface="+mn-ea"/>
+                <a:cs typeface="+mn-cs"/>
+              </a:defRPr>
+            </a:lvl6pPr>
+            <a:lvl7pPr marL="2971800" indent="-228600" algn="l" defTabSz="914400" rtl="0" eaLnBrk="1" latinLnBrk="0" hangingPunct="1">
+              <a:lnSpc>
+                <a:spcPct val="90000"/>
+              </a:lnSpc>
+              <a:spcBef>
+                <a:spcPts val="500"/>
+              </a:spcBef>
+              <a:buFont typeface="Arial" panose="020B0604020202020204" pitchFamily="34" charset="0"/>
+              <a:buChar char="•"/>
+              <a:defRPr sz="1800" kern="1200">
+                <a:solidFill>
+                  <a:schemeClr val="tx1"/>
+                </a:solidFill>
+                <a:latin typeface="+mn-lt"/>
+                <a:ea typeface="+mn-ea"/>
+                <a:cs typeface="+mn-cs"/>
+              </a:defRPr>
+            </a:lvl7pPr>
+            <a:lvl8pPr marL="3429000" indent="-228600" algn="l" defTabSz="914400" rtl="0" eaLnBrk="1" latinLnBrk="0" hangingPunct="1">
+              <a:lnSpc>
+                <a:spcPct val="90000"/>
+              </a:lnSpc>
+              <a:spcBef>
+                <a:spcPts val="500"/>
+              </a:spcBef>
+              <a:buFont typeface="Arial" panose="020B0604020202020204" pitchFamily="34" charset="0"/>
+              <a:buChar char="•"/>
+              <a:defRPr sz="1800" kern="1200">
+                <a:solidFill>
+                  <a:schemeClr val="tx1"/>
+                </a:solidFill>
+                <a:latin typeface="+mn-lt"/>
+                <a:ea typeface="+mn-ea"/>
+                <a:cs typeface="+mn-cs"/>
+              </a:defRPr>
+            </a:lvl8pPr>
+            <a:lvl9pPr marL="3886200" indent="-228600" algn="l" defTabSz="914400" rtl="0" eaLnBrk="1" latinLnBrk="0" hangingPunct="1">
+              <a:lnSpc>
+                <a:spcPct val="90000"/>
+              </a:lnSpc>
+              <a:spcBef>
+                <a:spcPts val="500"/>
+              </a:spcBef>
+              <a:buFont typeface="Arial" panose="020B0604020202020204" pitchFamily="34" charset="0"/>
+              <a:buChar char="•"/>
+              <a:defRPr sz="1800" kern="1200">
+                <a:solidFill>
+                  <a:schemeClr val="tx1"/>
+                </a:solidFill>
+                <a:latin typeface="+mn-lt"/>
+                <a:ea typeface="+mn-ea"/>
+                <a:cs typeface="+mn-cs"/>
+              </a:defRPr>
+            </a:lvl9pPr>
+          </a:lstStyle>
+          <a:p>
+            <a:pPr marL="0" indent="0">
+              <a:buFont typeface="Arial" panose="020B0604020202020204" pitchFamily="34" charset="0"/>
+              <a:buNone/>
+            </a:pPr>
+            <a:r>
+              <a:rPr lang="en-US" sz="2000" dirty="0"/>
+              <a:t>Injury vs. injury + </a:t>
+            </a:r>
+            <a:r>
+              <a:rPr lang="en-US" sz="2000" dirty="0" err="1"/>
+              <a:t>trt</a:t>
+            </a:r>
+            <a:endParaRPr lang="en-US" sz="2000" dirty="0"/>
+          </a:p>
+        </p:txBody>
+      </p:sp>
+      <p:pic>
+        <p:nvPicPr>
+          <p:cNvPr id="8" name="Picture 7">
+            <a:extLst>
+              <a:ext uri="{FF2B5EF4-FFF2-40B4-BE49-F238E27FC236}">
+                <a16:creationId xmlns:a16="http://schemas.microsoft.com/office/drawing/2014/main" id="{85F9F598-D090-42F3-9F97-A270924C7171}"/>
+              </a:ext>
+            </a:extLst>
+          </p:cNvPr>
+          <p:cNvPicPr>
+            <a:picLocks noChangeAspect="1"/>
+          </p:cNvPicPr>
+          <p:nvPr/>
+        </p:nvPicPr>
+        <p:blipFill>
+          <a:blip r:embed="rId3"/>
+          <a:stretch>
+            <a:fillRect/>
+          </a:stretch>
+        </p:blipFill>
+        <p:spPr>
+          <a:xfrm>
+            <a:off x="1082296" y="2241990"/>
+            <a:ext cx="4237142" cy="4177891"/>
+          </a:xfrm>
+          <a:prstGeom prst="rect">
+            <a:avLst/>
+          </a:prstGeom>
+        </p:spPr>
+      </p:pic>
+      <p:sp>
+        <p:nvSpPr>
+          <p:cNvPr id="9" name="Content Placeholder 2">
+            <a:extLst>
+              <a:ext uri="{FF2B5EF4-FFF2-40B4-BE49-F238E27FC236}">
+                <a16:creationId xmlns:a16="http://schemas.microsoft.com/office/drawing/2014/main" id="{6C4A4B04-034C-41A4-902B-CEB50CF16276}"/>
+              </a:ext>
+            </a:extLst>
+          </p:cNvPr>
+          <p:cNvSpPr txBox="1">
+            <a:spLocks/>
+          </p:cNvSpPr>
+          <p:nvPr/>
+        </p:nvSpPr>
+        <p:spPr>
+          <a:xfrm>
+            <a:off x="734744" y="2153494"/>
+            <a:ext cx="1973802" cy="505272"/>
+          </a:xfrm>
+          <a:prstGeom prst="rect">
+            <a:avLst/>
+          </a:prstGeom>
+          <a:solidFill>
+            <a:schemeClr val="bg1"/>
+          </a:solidFill>
+        </p:spPr>
+        <p:txBody>
+          <a:bodyPr vert="horz" lIns="91440" tIns="45720" rIns="91440" bIns="45720" rtlCol="0">
+            <a:normAutofit/>
+          </a:bodyPr>
+          <a:lstStyle>
+            <a:lvl1pPr marL="228600" indent="-228600" algn="l" defTabSz="914400" rtl="0" eaLnBrk="1" latinLnBrk="0" hangingPunct="1">
+              <a:lnSpc>
+                <a:spcPct val="90000"/>
+              </a:lnSpc>
+              <a:spcBef>
+                <a:spcPts val="1000"/>
+              </a:spcBef>
+              <a:buFont typeface="Arial" panose="020B0604020202020204" pitchFamily="34" charset="0"/>
+              <a:buChar char="•"/>
+              <a:defRPr sz="2800" kern="1200">
+                <a:solidFill>
+                  <a:schemeClr val="tx1"/>
+                </a:solidFill>
+                <a:latin typeface="+mn-lt"/>
+                <a:ea typeface="+mn-ea"/>
+                <a:cs typeface="+mn-cs"/>
+              </a:defRPr>
+            </a:lvl1pPr>
+            <a:lvl2pPr marL="685800" indent="-228600" algn="l" defTabSz="914400" rtl="0" eaLnBrk="1" latinLnBrk="0" hangingPunct="1">
+              <a:lnSpc>
+                <a:spcPct val="90000"/>
+              </a:lnSpc>
+              <a:spcBef>
+                <a:spcPts val="500"/>
+              </a:spcBef>
+              <a:buFont typeface="Arial" panose="020B0604020202020204" pitchFamily="34" charset="0"/>
+              <a:buChar char="•"/>
+              <a:defRPr sz="2400" kern="1200">
+                <a:solidFill>
+                  <a:schemeClr val="tx1"/>
+                </a:solidFill>
+                <a:latin typeface="+mn-lt"/>
+                <a:ea typeface="+mn-ea"/>
+                <a:cs typeface="+mn-cs"/>
+              </a:defRPr>
+            </a:lvl2pPr>
+            <a:lvl3pPr marL="1143000" indent="-228600" algn="l" defTabSz="914400" rtl="0" eaLnBrk="1" latinLnBrk="0" hangingPunct="1">
+              <a:lnSpc>
+                <a:spcPct val="90000"/>
+              </a:lnSpc>
+              <a:spcBef>
+                <a:spcPts val="500"/>
+              </a:spcBef>
+              <a:buFont typeface="Arial" panose="020B0604020202020204" pitchFamily="34" charset="0"/>
+              <a:buChar char="•"/>
+              <a:defRPr sz="2000" kern="1200">
+                <a:solidFill>
+                  <a:schemeClr val="tx1"/>
+                </a:solidFill>
+                <a:latin typeface="+mn-lt"/>
+                <a:ea typeface="+mn-ea"/>
+                <a:cs typeface="+mn-cs"/>
+              </a:defRPr>
+            </a:lvl3pPr>
+            <a:lvl4pPr marL="1600200" indent="-228600" algn="l" defTabSz="914400" rtl="0" eaLnBrk="1" latinLnBrk="0" hangingPunct="1">
+              <a:lnSpc>
+                <a:spcPct val="90000"/>
+              </a:lnSpc>
+              <a:spcBef>
+                <a:spcPts val="500"/>
+              </a:spcBef>
+              <a:buFont typeface="Arial" panose="020B0604020202020204" pitchFamily="34" charset="0"/>
+              <a:buChar char="•"/>
+              <a:defRPr sz="1800" kern="1200">
+                <a:solidFill>
+                  <a:schemeClr val="tx1"/>
+                </a:solidFill>
+                <a:latin typeface="+mn-lt"/>
+                <a:ea typeface="+mn-ea"/>
+                <a:cs typeface="+mn-cs"/>
+              </a:defRPr>
+            </a:lvl4pPr>
+            <a:lvl5pPr marL="2057400" indent="-228600" algn="l" defTabSz="914400" rtl="0" eaLnBrk="1" latinLnBrk="0" hangingPunct="1">
+              <a:lnSpc>
+                <a:spcPct val="90000"/>
+              </a:lnSpc>
+              <a:spcBef>
+                <a:spcPts val="500"/>
+              </a:spcBef>
+              <a:buFont typeface="Arial" panose="020B0604020202020204" pitchFamily="34" charset="0"/>
+              <a:buChar char="•"/>
+              <a:defRPr sz="1800" kern="1200">
+                <a:solidFill>
+                  <a:schemeClr val="tx1"/>
+                </a:solidFill>
+                <a:latin typeface="+mn-lt"/>
+                <a:ea typeface="+mn-ea"/>
+                <a:cs typeface="+mn-cs"/>
+              </a:defRPr>
+            </a:lvl5pPr>
+            <a:lvl6pPr marL="2514600" indent="-228600" algn="l" defTabSz="914400" rtl="0" eaLnBrk="1" latinLnBrk="0" hangingPunct="1">
+              <a:lnSpc>
+                <a:spcPct val="90000"/>
+              </a:lnSpc>
+              <a:spcBef>
+                <a:spcPts val="500"/>
+              </a:spcBef>
+              <a:buFont typeface="Arial" panose="020B0604020202020204" pitchFamily="34" charset="0"/>
+              <a:buChar char="•"/>
+              <a:defRPr sz="1800" kern="1200">
+                <a:solidFill>
+                  <a:schemeClr val="tx1"/>
+                </a:solidFill>
+                <a:latin typeface="+mn-lt"/>
+                <a:ea typeface="+mn-ea"/>
+                <a:cs typeface="+mn-cs"/>
+              </a:defRPr>
+            </a:lvl6pPr>
+            <a:lvl7pPr marL="2971800" indent="-228600" algn="l" defTabSz="914400" rtl="0" eaLnBrk="1" latinLnBrk="0" hangingPunct="1">
+              <a:lnSpc>
+                <a:spcPct val="90000"/>
+              </a:lnSpc>
+              <a:spcBef>
+                <a:spcPts val="500"/>
+              </a:spcBef>
+              <a:buFont typeface="Arial" panose="020B0604020202020204" pitchFamily="34" charset="0"/>
+              <a:buChar char="•"/>
+              <a:defRPr sz="1800" kern="1200">
+                <a:solidFill>
+                  <a:schemeClr val="tx1"/>
+                </a:solidFill>
+                <a:latin typeface="+mn-lt"/>
+                <a:ea typeface="+mn-ea"/>
+                <a:cs typeface="+mn-cs"/>
+              </a:defRPr>
+            </a:lvl7pPr>
+            <a:lvl8pPr marL="3429000" indent="-228600" algn="l" defTabSz="914400" rtl="0" eaLnBrk="1" latinLnBrk="0" hangingPunct="1">
+              <a:lnSpc>
+                <a:spcPct val="90000"/>
+              </a:lnSpc>
+              <a:spcBef>
+                <a:spcPts val="500"/>
+              </a:spcBef>
+              <a:buFont typeface="Arial" panose="020B0604020202020204" pitchFamily="34" charset="0"/>
+              <a:buChar char="•"/>
+              <a:defRPr sz="1800" kern="1200">
+                <a:solidFill>
+                  <a:schemeClr val="tx1"/>
+                </a:solidFill>
+                <a:latin typeface="+mn-lt"/>
+                <a:ea typeface="+mn-ea"/>
+                <a:cs typeface="+mn-cs"/>
+              </a:defRPr>
+            </a:lvl8pPr>
+            <a:lvl9pPr marL="3886200" indent="-228600" algn="l" defTabSz="914400" rtl="0" eaLnBrk="1" latinLnBrk="0" hangingPunct="1">
+              <a:lnSpc>
+                <a:spcPct val="90000"/>
+              </a:lnSpc>
+              <a:spcBef>
+                <a:spcPts val="500"/>
+              </a:spcBef>
+              <a:buFont typeface="Arial" panose="020B0604020202020204" pitchFamily="34" charset="0"/>
+              <a:buChar char="•"/>
+              <a:defRPr sz="1800" kern="1200">
+                <a:solidFill>
+                  <a:schemeClr val="tx1"/>
+                </a:solidFill>
+                <a:latin typeface="+mn-lt"/>
+                <a:ea typeface="+mn-ea"/>
+                <a:cs typeface="+mn-cs"/>
+              </a:defRPr>
+            </a:lvl9pPr>
+          </a:lstStyle>
+          <a:p>
+            <a:pPr marL="0" indent="0">
+              <a:buFont typeface="Arial" panose="020B0604020202020204" pitchFamily="34" charset="0"/>
+              <a:buNone/>
+            </a:pPr>
+            <a:r>
+              <a:rPr lang="en-US" sz="2000" dirty="0"/>
+              <a:t>Control vs. injury</a:t>
+            </a:r>
+          </a:p>
+        </p:txBody>
+      </p:sp>
+      <p:sp>
+        <p:nvSpPr>
+          <p:cNvPr id="7" name="Content Placeholder 2">
+            <a:extLst>
+              <a:ext uri="{FF2B5EF4-FFF2-40B4-BE49-F238E27FC236}">
+                <a16:creationId xmlns:a16="http://schemas.microsoft.com/office/drawing/2014/main" id="{997130F2-D482-4CB6-8CFB-3EF8B5D50148}"/>
+              </a:ext>
+            </a:extLst>
+          </p:cNvPr>
+          <p:cNvSpPr txBox="1">
+            <a:spLocks/>
+          </p:cNvSpPr>
+          <p:nvPr/>
+        </p:nvSpPr>
+        <p:spPr>
+          <a:xfrm>
+            <a:off x="4628226" y="2292626"/>
+            <a:ext cx="2071455" cy="404000"/>
+          </a:xfrm>
+          <a:prstGeom prst="rect">
+            <a:avLst/>
+          </a:prstGeom>
+          <a:solidFill>
+            <a:schemeClr val="bg1"/>
+          </a:solidFill>
+        </p:spPr>
+        <p:txBody>
+          <a:bodyPr vert="horz" lIns="91440" tIns="45720" rIns="91440" bIns="45720" rtlCol="0">
+            <a:normAutofit fontScale="70000" lnSpcReduction="20000"/>
+          </a:bodyPr>
+          <a:lstStyle>
+            <a:lvl1pPr marL="228600" indent="-228600" algn="l" defTabSz="914400" rtl="0" eaLnBrk="1" latinLnBrk="0" hangingPunct="1">
+              <a:lnSpc>
+                <a:spcPct val="90000"/>
+              </a:lnSpc>
+              <a:spcBef>
+                <a:spcPts val="1000"/>
+              </a:spcBef>
+              <a:buFont typeface="Arial" panose="020B0604020202020204" pitchFamily="34" charset="0"/>
+              <a:buChar char="•"/>
+              <a:defRPr sz="2800" kern="1200">
+                <a:solidFill>
+                  <a:schemeClr val="tx1"/>
+                </a:solidFill>
+                <a:latin typeface="+mn-lt"/>
+                <a:ea typeface="+mn-ea"/>
+                <a:cs typeface="+mn-cs"/>
+              </a:defRPr>
+            </a:lvl1pPr>
+            <a:lvl2pPr marL="685800" indent="-228600" algn="l" defTabSz="914400" rtl="0" eaLnBrk="1" latinLnBrk="0" hangingPunct="1">
+              <a:lnSpc>
+                <a:spcPct val="90000"/>
+              </a:lnSpc>
+              <a:spcBef>
+                <a:spcPts val="500"/>
+              </a:spcBef>
+              <a:buFont typeface="Arial" panose="020B0604020202020204" pitchFamily="34" charset="0"/>
+              <a:buChar char="•"/>
+              <a:defRPr sz="2400" kern="1200">
+                <a:solidFill>
+                  <a:schemeClr val="tx1"/>
+                </a:solidFill>
+                <a:latin typeface="+mn-lt"/>
+                <a:ea typeface="+mn-ea"/>
+                <a:cs typeface="+mn-cs"/>
+              </a:defRPr>
+            </a:lvl2pPr>
+            <a:lvl3pPr marL="1143000" indent="-228600" algn="l" defTabSz="914400" rtl="0" eaLnBrk="1" latinLnBrk="0" hangingPunct="1">
+              <a:lnSpc>
+                <a:spcPct val="90000"/>
+              </a:lnSpc>
+              <a:spcBef>
+                <a:spcPts val="500"/>
+              </a:spcBef>
+              <a:buFont typeface="Arial" panose="020B0604020202020204" pitchFamily="34" charset="0"/>
+              <a:buChar char="•"/>
+              <a:defRPr sz="2000" kern="1200">
+                <a:solidFill>
+                  <a:schemeClr val="tx1"/>
+                </a:solidFill>
+                <a:latin typeface="+mn-lt"/>
+                <a:ea typeface="+mn-ea"/>
+                <a:cs typeface="+mn-cs"/>
+              </a:defRPr>
+            </a:lvl3pPr>
+            <a:lvl4pPr marL="1600200" indent="-228600" algn="l" defTabSz="914400" rtl="0" eaLnBrk="1" latinLnBrk="0" hangingPunct="1">
+              <a:lnSpc>
+                <a:spcPct val="90000"/>
+              </a:lnSpc>
+              <a:spcBef>
+                <a:spcPts val="500"/>
+              </a:spcBef>
+              <a:buFont typeface="Arial" panose="020B0604020202020204" pitchFamily="34" charset="0"/>
+              <a:buChar char="•"/>
+              <a:defRPr sz="1800" kern="1200">
+                <a:solidFill>
+                  <a:schemeClr val="tx1"/>
+                </a:solidFill>
+                <a:latin typeface="+mn-lt"/>
+                <a:ea typeface="+mn-ea"/>
+                <a:cs typeface="+mn-cs"/>
+              </a:defRPr>
+            </a:lvl4pPr>
+            <a:lvl5pPr marL="2057400" indent="-228600" algn="l" defTabSz="914400" rtl="0" eaLnBrk="1" latinLnBrk="0" hangingPunct="1">
+              <a:lnSpc>
+                <a:spcPct val="90000"/>
+              </a:lnSpc>
+              <a:spcBef>
+                <a:spcPts val="500"/>
+              </a:spcBef>
+              <a:buFont typeface="Arial" panose="020B0604020202020204" pitchFamily="34" charset="0"/>
+              <a:buChar char="•"/>
+              <a:defRPr sz="1800" kern="1200">
+                <a:solidFill>
+                  <a:schemeClr val="tx1"/>
+                </a:solidFill>
+                <a:latin typeface="+mn-lt"/>
+                <a:ea typeface="+mn-ea"/>
+                <a:cs typeface="+mn-cs"/>
+              </a:defRPr>
+            </a:lvl5pPr>
+            <a:lvl6pPr marL="2514600" indent="-228600" algn="l" defTabSz="914400" rtl="0" eaLnBrk="1" latinLnBrk="0" hangingPunct="1">
+              <a:lnSpc>
+                <a:spcPct val="90000"/>
+              </a:lnSpc>
+              <a:spcBef>
+                <a:spcPts val="500"/>
+              </a:spcBef>
+              <a:buFont typeface="Arial" panose="020B0604020202020204" pitchFamily="34" charset="0"/>
+              <a:buChar char="•"/>
+              <a:defRPr sz="1800" kern="1200">
+                <a:solidFill>
+                  <a:schemeClr val="tx1"/>
+                </a:solidFill>
+                <a:latin typeface="+mn-lt"/>
+                <a:ea typeface="+mn-ea"/>
+                <a:cs typeface="+mn-cs"/>
+              </a:defRPr>
+            </a:lvl6pPr>
+            <a:lvl7pPr marL="2971800" indent="-228600" algn="l" defTabSz="914400" rtl="0" eaLnBrk="1" latinLnBrk="0" hangingPunct="1">
+              <a:lnSpc>
+                <a:spcPct val="90000"/>
+              </a:lnSpc>
+              <a:spcBef>
+                <a:spcPts val="500"/>
+              </a:spcBef>
+              <a:buFont typeface="Arial" panose="020B0604020202020204" pitchFamily="34" charset="0"/>
+              <a:buChar char="•"/>
+              <a:defRPr sz="1800" kern="1200">
+                <a:solidFill>
+                  <a:schemeClr val="tx1"/>
+                </a:solidFill>
+                <a:latin typeface="+mn-lt"/>
+                <a:ea typeface="+mn-ea"/>
+                <a:cs typeface="+mn-cs"/>
+              </a:defRPr>
+            </a:lvl7pPr>
+            <a:lvl8pPr marL="3429000" indent="-228600" algn="l" defTabSz="914400" rtl="0" eaLnBrk="1" latinLnBrk="0" hangingPunct="1">
+              <a:lnSpc>
+                <a:spcPct val="90000"/>
+              </a:lnSpc>
+              <a:spcBef>
+                <a:spcPts val="500"/>
+              </a:spcBef>
+              <a:buFont typeface="Arial" panose="020B0604020202020204" pitchFamily="34" charset="0"/>
+              <a:buChar char="•"/>
+              <a:defRPr sz="1800" kern="1200">
+                <a:solidFill>
+                  <a:schemeClr val="tx1"/>
+                </a:solidFill>
+                <a:latin typeface="+mn-lt"/>
+                <a:ea typeface="+mn-ea"/>
+                <a:cs typeface="+mn-cs"/>
+              </a:defRPr>
+            </a:lvl8pPr>
+            <a:lvl9pPr marL="3886200" indent="-228600" algn="l" defTabSz="914400" rtl="0" eaLnBrk="1" latinLnBrk="0" hangingPunct="1">
+              <a:lnSpc>
+                <a:spcPct val="90000"/>
+              </a:lnSpc>
+              <a:spcBef>
+                <a:spcPts val="500"/>
+              </a:spcBef>
+              <a:buFont typeface="Arial" panose="020B0604020202020204" pitchFamily="34" charset="0"/>
+              <a:buChar char="•"/>
+              <a:defRPr sz="1800" kern="1200">
+                <a:solidFill>
+                  <a:schemeClr val="tx1"/>
+                </a:solidFill>
+                <a:latin typeface="+mn-lt"/>
+                <a:ea typeface="+mn-ea"/>
+                <a:cs typeface="+mn-cs"/>
+              </a:defRPr>
+            </a:lvl9pPr>
+          </a:lstStyle>
+          <a:p>
+            <a:pPr marL="0" indent="0">
+              <a:buFont typeface="Arial" panose="020B0604020202020204" pitchFamily="34" charset="0"/>
+              <a:buNone/>
+            </a:pPr>
+            <a:r>
+              <a:rPr lang="en-US" sz="2000" dirty="0"/>
+              <a:t>Control vs. injury + treatment</a:t>
+            </a:r>
+          </a:p>
+        </p:txBody>
+      </p:sp>
+      <p:sp>
+        <p:nvSpPr>
+          <p:cNvPr id="10" name="Content Placeholder 2">
+            <a:extLst>
+              <a:ext uri="{FF2B5EF4-FFF2-40B4-BE49-F238E27FC236}">
+                <a16:creationId xmlns:a16="http://schemas.microsoft.com/office/drawing/2014/main" id="{B181F04D-083A-4C97-AE8E-5BB04D765590}"/>
+              </a:ext>
+            </a:extLst>
+          </p:cNvPr>
+          <p:cNvSpPr txBox="1">
+            <a:spLocks/>
+          </p:cNvSpPr>
+          <p:nvPr/>
+        </p:nvSpPr>
+        <p:spPr>
+          <a:xfrm>
+            <a:off x="10245611" y="2566799"/>
+            <a:ext cx="2071455" cy="404000"/>
+          </a:xfrm>
+          <a:prstGeom prst="rect">
+            <a:avLst/>
+          </a:prstGeom>
+          <a:solidFill>
+            <a:schemeClr val="bg1"/>
+          </a:solidFill>
+        </p:spPr>
+        <p:txBody>
+          <a:bodyPr vert="horz" lIns="91440" tIns="45720" rIns="91440" bIns="45720" rtlCol="0">
+            <a:normAutofit fontScale="70000" lnSpcReduction="20000"/>
+          </a:bodyPr>
+          <a:lstStyle>
+            <a:lvl1pPr marL="228600" indent="-228600" algn="l" defTabSz="914400" rtl="0" eaLnBrk="1" latinLnBrk="0" hangingPunct="1">
+              <a:lnSpc>
+                <a:spcPct val="90000"/>
+              </a:lnSpc>
+              <a:spcBef>
+                <a:spcPts val="1000"/>
+              </a:spcBef>
+              <a:buFont typeface="Arial" panose="020B0604020202020204" pitchFamily="34" charset="0"/>
+              <a:buChar char="•"/>
+              <a:defRPr sz="2800" kern="1200">
+                <a:solidFill>
+                  <a:schemeClr val="tx1"/>
+                </a:solidFill>
+                <a:latin typeface="+mn-lt"/>
+                <a:ea typeface="+mn-ea"/>
+                <a:cs typeface="+mn-cs"/>
+              </a:defRPr>
+            </a:lvl1pPr>
+            <a:lvl2pPr marL="685800" indent="-228600" algn="l" defTabSz="914400" rtl="0" eaLnBrk="1" latinLnBrk="0" hangingPunct="1">
+              <a:lnSpc>
+                <a:spcPct val="90000"/>
+              </a:lnSpc>
+              <a:spcBef>
+                <a:spcPts val="500"/>
+              </a:spcBef>
+              <a:buFont typeface="Arial" panose="020B0604020202020204" pitchFamily="34" charset="0"/>
+              <a:buChar char="•"/>
+              <a:defRPr sz="2400" kern="1200">
+                <a:solidFill>
+                  <a:schemeClr val="tx1"/>
+                </a:solidFill>
+                <a:latin typeface="+mn-lt"/>
+                <a:ea typeface="+mn-ea"/>
+                <a:cs typeface="+mn-cs"/>
+              </a:defRPr>
+            </a:lvl2pPr>
+            <a:lvl3pPr marL="1143000" indent="-228600" algn="l" defTabSz="914400" rtl="0" eaLnBrk="1" latinLnBrk="0" hangingPunct="1">
+              <a:lnSpc>
+                <a:spcPct val="90000"/>
+              </a:lnSpc>
+              <a:spcBef>
+                <a:spcPts val="500"/>
+              </a:spcBef>
+              <a:buFont typeface="Arial" panose="020B0604020202020204" pitchFamily="34" charset="0"/>
+              <a:buChar char="•"/>
+              <a:defRPr sz="2000" kern="1200">
+                <a:solidFill>
+                  <a:schemeClr val="tx1"/>
+                </a:solidFill>
+                <a:latin typeface="+mn-lt"/>
+                <a:ea typeface="+mn-ea"/>
+                <a:cs typeface="+mn-cs"/>
+              </a:defRPr>
+            </a:lvl3pPr>
+            <a:lvl4pPr marL="1600200" indent="-228600" algn="l" defTabSz="914400" rtl="0" eaLnBrk="1" latinLnBrk="0" hangingPunct="1">
+              <a:lnSpc>
+                <a:spcPct val="90000"/>
+              </a:lnSpc>
+              <a:spcBef>
+                <a:spcPts val="500"/>
+              </a:spcBef>
+              <a:buFont typeface="Arial" panose="020B0604020202020204" pitchFamily="34" charset="0"/>
+              <a:buChar char="•"/>
+              <a:defRPr sz="1800" kern="1200">
+                <a:solidFill>
+                  <a:schemeClr val="tx1"/>
+                </a:solidFill>
+                <a:latin typeface="+mn-lt"/>
+                <a:ea typeface="+mn-ea"/>
+                <a:cs typeface="+mn-cs"/>
+              </a:defRPr>
+            </a:lvl4pPr>
+            <a:lvl5pPr marL="2057400" indent="-228600" algn="l" defTabSz="914400" rtl="0" eaLnBrk="1" latinLnBrk="0" hangingPunct="1">
+              <a:lnSpc>
+                <a:spcPct val="90000"/>
+              </a:lnSpc>
+              <a:spcBef>
+                <a:spcPts val="500"/>
+              </a:spcBef>
+              <a:buFont typeface="Arial" panose="020B0604020202020204" pitchFamily="34" charset="0"/>
+              <a:buChar char="•"/>
+              <a:defRPr sz="1800" kern="1200">
+                <a:solidFill>
+                  <a:schemeClr val="tx1"/>
+                </a:solidFill>
+                <a:latin typeface="+mn-lt"/>
+                <a:ea typeface="+mn-ea"/>
+                <a:cs typeface="+mn-cs"/>
+              </a:defRPr>
+            </a:lvl5pPr>
+            <a:lvl6pPr marL="2514600" indent="-228600" algn="l" defTabSz="914400" rtl="0" eaLnBrk="1" latinLnBrk="0" hangingPunct="1">
+              <a:lnSpc>
+                <a:spcPct val="90000"/>
+              </a:lnSpc>
+              <a:spcBef>
+                <a:spcPts val="500"/>
+              </a:spcBef>
+              <a:buFont typeface="Arial" panose="020B0604020202020204" pitchFamily="34" charset="0"/>
+              <a:buChar char="•"/>
+              <a:defRPr sz="1800" kern="1200">
+                <a:solidFill>
+                  <a:schemeClr val="tx1"/>
+                </a:solidFill>
+                <a:latin typeface="+mn-lt"/>
+                <a:ea typeface="+mn-ea"/>
+                <a:cs typeface="+mn-cs"/>
+              </a:defRPr>
+            </a:lvl6pPr>
+            <a:lvl7pPr marL="2971800" indent="-228600" algn="l" defTabSz="914400" rtl="0" eaLnBrk="1" latinLnBrk="0" hangingPunct="1">
+              <a:lnSpc>
+                <a:spcPct val="90000"/>
+              </a:lnSpc>
+              <a:spcBef>
+                <a:spcPts val="500"/>
+              </a:spcBef>
+              <a:buFont typeface="Arial" panose="020B0604020202020204" pitchFamily="34" charset="0"/>
+              <a:buChar char="•"/>
+              <a:defRPr sz="1800" kern="1200">
+                <a:solidFill>
+                  <a:schemeClr val="tx1"/>
+                </a:solidFill>
+                <a:latin typeface="+mn-lt"/>
+                <a:ea typeface="+mn-ea"/>
+                <a:cs typeface="+mn-cs"/>
+              </a:defRPr>
+            </a:lvl7pPr>
+            <a:lvl8pPr marL="3429000" indent="-228600" algn="l" defTabSz="914400" rtl="0" eaLnBrk="1" latinLnBrk="0" hangingPunct="1">
+              <a:lnSpc>
+                <a:spcPct val="90000"/>
+              </a:lnSpc>
+              <a:spcBef>
+                <a:spcPts val="500"/>
+              </a:spcBef>
+              <a:buFont typeface="Arial" panose="020B0604020202020204" pitchFamily="34" charset="0"/>
+              <a:buChar char="•"/>
+              <a:defRPr sz="1800" kern="1200">
+                <a:solidFill>
+                  <a:schemeClr val="tx1"/>
+                </a:solidFill>
+                <a:latin typeface="+mn-lt"/>
+                <a:ea typeface="+mn-ea"/>
+                <a:cs typeface="+mn-cs"/>
+              </a:defRPr>
+            </a:lvl8pPr>
+            <a:lvl9pPr marL="3886200" indent="-228600" algn="l" defTabSz="914400" rtl="0" eaLnBrk="1" latinLnBrk="0" hangingPunct="1">
+              <a:lnSpc>
+                <a:spcPct val="90000"/>
+              </a:lnSpc>
+              <a:spcBef>
+                <a:spcPts val="500"/>
+              </a:spcBef>
+              <a:buFont typeface="Arial" panose="020B0604020202020204" pitchFamily="34" charset="0"/>
+              <a:buChar char="•"/>
+              <a:defRPr sz="1800" kern="1200">
+                <a:solidFill>
+                  <a:schemeClr val="tx1"/>
+                </a:solidFill>
+                <a:latin typeface="+mn-lt"/>
+                <a:ea typeface="+mn-ea"/>
+                <a:cs typeface="+mn-cs"/>
+              </a:defRPr>
+            </a:lvl9pPr>
+          </a:lstStyle>
+          <a:p>
+            <a:pPr marL="0" indent="0">
+              <a:buFont typeface="Arial" panose="020B0604020202020204" pitchFamily="34" charset="0"/>
+              <a:buNone/>
+            </a:pPr>
+            <a:r>
+              <a:rPr lang="en-US" sz="2000" dirty="0"/>
+              <a:t>Control vs. injury + treatment</a:t>
+            </a:r>
+          </a:p>
+        </p:txBody>
+      </p:sp>
+      <p:sp>
+        <p:nvSpPr>
+          <p:cNvPr id="12" name="Content Placeholder 2">
+            <a:extLst>
+              <a:ext uri="{FF2B5EF4-FFF2-40B4-BE49-F238E27FC236}">
+                <a16:creationId xmlns:a16="http://schemas.microsoft.com/office/drawing/2014/main" id="{5A12227B-8BF6-4ECF-8DDF-497A0C68E3F3}"/>
+              </a:ext>
+            </a:extLst>
+          </p:cNvPr>
+          <p:cNvSpPr txBox="1">
+            <a:spLocks/>
+          </p:cNvSpPr>
+          <p:nvPr/>
+        </p:nvSpPr>
+        <p:spPr>
+          <a:xfrm>
+            <a:off x="2556769" y="6104377"/>
+            <a:ext cx="1973802" cy="404000"/>
+          </a:xfrm>
+          <a:prstGeom prst="rect">
+            <a:avLst/>
+          </a:prstGeom>
+          <a:solidFill>
+            <a:schemeClr val="bg1"/>
+          </a:solidFill>
+        </p:spPr>
+        <p:txBody>
+          <a:bodyPr vert="horz" lIns="91440" tIns="45720" rIns="91440" bIns="45720" rtlCol="0">
+            <a:normAutofit fontScale="85000" lnSpcReduction="10000"/>
+          </a:bodyPr>
+          <a:lstStyle>
+            <a:lvl1pPr marL="228600" indent="-228600" algn="l" defTabSz="914400" rtl="0" eaLnBrk="1" latinLnBrk="0" hangingPunct="1">
+              <a:lnSpc>
+                <a:spcPct val="90000"/>
+              </a:lnSpc>
+              <a:spcBef>
+                <a:spcPts val="1000"/>
+              </a:spcBef>
+              <a:buFont typeface="Arial" panose="020B0604020202020204" pitchFamily="34" charset="0"/>
+              <a:buChar char="•"/>
+              <a:defRPr sz="2800" kern="1200">
+                <a:solidFill>
+                  <a:schemeClr val="tx1"/>
+                </a:solidFill>
+                <a:latin typeface="+mn-lt"/>
+                <a:ea typeface="+mn-ea"/>
+                <a:cs typeface="+mn-cs"/>
+              </a:defRPr>
+            </a:lvl1pPr>
+            <a:lvl2pPr marL="685800" indent="-228600" algn="l" defTabSz="914400" rtl="0" eaLnBrk="1" latinLnBrk="0" hangingPunct="1">
+              <a:lnSpc>
+                <a:spcPct val="90000"/>
+              </a:lnSpc>
+              <a:spcBef>
+                <a:spcPts val="500"/>
+              </a:spcBef>
+              <a:buFont typeface="Arial" panose="020B0604020202020204" pitchFamily="34" charset="0"/>
+              <a:buChar char="•"/>
+              <a:defRPr sz="2400" kern="1200">
+                <a:solidFill>
+                  <a:schemeClr val="tx1"/>
+                </a:solidFill>
+                <a:latin typeface="+mn-lt"/>
+                <a:ea typeface="+mn-ea"/>
+                <a:cs typeface="+mn-cs"/>
+              </a:defRPr>
+            </a:lvl2pPr>
+            <a:lvl3pPr marL="1143000" indent="-228600" algn="l" defTabSz="914400" rtl="0" eaLnBrk="1" latinLnBrk="0" hangingPunct="1">
+              <a:lnSpc>
+                <a:spcPct val="90000"/>
+              </a:lnSpc>
+              <a:spcBef>
+                <a:spcPts val="500"/>
+              </a:spcBef>
+              <a:buFont typeface="Arial" panose="020B0604020202020204" pitchFamily="34" charset="0"/>
+              <a:buChar char="•"/>
+              <a:defRPr sz="2000" kern="1200">
+                <a:solidFill>
+                  <a:schemeClr val="tx1"/>
+                </a:solidFill>
+                <a:latin typeface="+mn-lt"/>
+                <a:ea typeface="+mn-ea"/>
+                <a:cs typeface="+mn-cs"/>
+              </a:defRPr>
+            </a:lvl3pPr>
+            <a:lvl4pPr marL="1600200" indent="-228600" algn="l" defTabSz="914400" rtl="0" eaLnBrk="1" latinLnBrk="0" hangingPunct="1">
+              <a:lnSpc>
+                <a:spcPct val="90000"/>
+              </a:lnSpc>
+              <a:spcBef>
+                <a:spcPts val="500"/>
+              </a:spcBef>
+              <a:buFont typeface="Arial" panose="020B0604020202020204" pitchFamily="34" charset="0"/>
+              <a:buChar char="•"/>
+              <a:defRPr sz="1800" kern="1200">
+                <a:solidFill>
+                  <a:schemeClr val="tx1"/>
+                </a:solidFill>
+                <a:latin typeface="+mn-lt"/>
+                <a:ea typeface="+mn-ea"/>
+                <a:cs typeface="+mn-cs"/>
+              </a:defRPr>
+            </a:lvl4pPr>
+            <a:lvl5pPr marL="2057400" indent="-228600" algn="l" defTabSz="914400" rtl="0" eaLnBrk="1" latinLnBrk="0" hangingPunct="1">
+              <a:lnSpc>
+                <a:spcPct val="90000"/>
+              </a:lnSpc>
+              <a:spcBef>
+                <a:spcPts val="500"/>
+              </a:spcBef>
+              <a:buFont typeface="Arial" panose="020B0604020202020204" pitchFamily="34" charset="0"/>
+              <a:buChar char="•"/>
+              <a:defRPr sz="1800" kern="1200">
+                <a:solidFill>
+                  <a:schemeClr val="tx1"/>
+                </a:solidFill>
+                <a:latin typeface="+mn-lt"/>
+                <a:ea typeface="+mn-ea"/>
+                <a:cs typeface="+mn-cs"/>
+              </a:defRPr>
+            </a:lvl5pPr>
+            <a:lvl6pPr marL="2514600" indent="-228600" algn="l" defTabSz="914400" rtl="0" eaLnBrk="1" latinLnBrk="0" hangingPunct="1">
+              <a:lnSpc>
+                <a:spcPct val="90000"/>
+              </a:lnSpc>
+              <a:spcBef>
+                <a:spcPts val="500"/>
+              </a:spcBef>
+              <a:buFont typeface="Arial" panose="020B0604020202020204" pitchFamily="34" charset="0"/>
+              <a:buChar char="•"/>
+              <a:defRPr sz="1800" kern="1200">
+                <a:solidFill>
+                  <a:schemeClr val="tx1"/>
+                </a:solidFill>
+                <a:latin typeface="+mn-lt"/>
+                <a:ea typeface="+mn-ea"/>
+                <a:cs typeface="+mn-cs"/>
+              </a:defRPr>
+            </a:lvl6pPr>
+            <a:lvl7pPr marL="2971800" indent="-228600" algn="l" defTabSz="914400" rtl="0" eaLnBrk="1" latinLnBrk="0" hangingPunct="1">
+              <a:lnSpc>
+                <a:spcPct val="90000"/>
+              </a:lnSpc>
+              <a:spcBef>
+                <a:spcPts val="500"/>
+              </a:spcBef>
+              <a:buFont typeface="Arial" panose="020B0604020202020204" pitchFamily="34" charset="0"/>
+              <a:buChar char="•"/>
+              <a:defRPr sz="1800" kern="1200">
+                <a:solidFill>
+                  <a:schemeClr val="tx1"/>
+                </a:solidFill>
+                <a:latin typeface="+mn-lt"/>
+                <a:ea typeface="+mn-ea"/>
+                <a:cs typeface="+mn-cs"/>
+              </a:defRPr>
+            </a:lvl7pPr>
+            <a:lvl8pPr marL="3429000" indent="-228600" algn="l" defTabSz="914400" rtl="0" eaLnBrk="1" latinLnBrk="0" hangingPunct="1">
+              <a:lnSpc>
+                <a:spcPct val="90000"/>
+              </a:lnSpc>
+              <a:spcBef>
+                <a:spcPts val="500"/>
+              </a:spcBef>
+              <a:buFont typeface="Arial" panose="020B0604020202020204" pitchFamily="34" charset="0"/>
+              <a:buChar char="•"/>
+              <a:defRPr sz="1800" kern="1200">
+                <a:solidFill>
+                  <a:schemeClr val="tx1"/>
+                </a:solidFill>
+                <a:latin typeface="+mn-lt"/>
+                <a:ea typeface="+mn-ea"/>
+                <a:cs typeface="+mn-cs"/>
+              </a:defRPr>
+            </a:lvl8pPr>
+            <a:lvl9pPr marL="3886200" indent="-228600" algn="l" defTabSz="914400" rtl="0" eaLnBrk="1" latinLnBrk="0" hangingPunct="1">
+              <a:lnSpc>
+                <a:spcPct val="90000"/>
+              </a:lnSpc>
+              <a:spcBef>
+                <a:spcPts val="500"/>
+              </a:spcBef>
+              <a:buFont typeface="Arial" panose="020B0604020202020204" pitchFamily="34" charset="0"/>
+              <a:buChar char="•"/>
+              <a:defRPr sz="1800" kern="1200">
+                <a:solidFill>
+                  <a:schemeClr val="tx1"/>
+                </a:solidFill>
+                <a:latin typeface="+mn-lt"/>
+                <a:ea typeface="+mn-ea"/>
+                <a:cs typeface="+mn-cs"/>
+              </a:defRPr>
+            </a:lvl9pPr>
+          </a:lstStyle>
+          <a:p>
+            <a:pPr marL="0" indent="0">
+              <a:buFont typeface="Arial" panose="020B0604020202020204" pitchFamily="34" charset="0"/>
+              <a:buNone/>
+            </a:pPr>
+            <a:r>
+              <a:rPr lang="en-US" sz="2000" dirty="0"/>
+              <a:t>Injury vs. injury + </a:t>
+            </a:r>
+            <a:r>
+              <a:rPr lang="en-US" sz="2000" dirty="0" err="1"/>
+              <a:t>trt</a:t>
+            </a:r>
+            <a:endParaRPr lang="en-US" sz="2000" dirty="0"/>
+          </a:p>
+        </p:txBody>
+      </p:sp>
+      <p:sp>
+        <p:nvSpPr>
+          <p:cNvPr id="13" name="Content Placeholder 2">
+            <a:extLst>
+              <a:ext uri="{FF2B5EF4-FFF2-40B4-BE49-F238E27FC236}">
+                <a16:creationId xmlns:a16="http://schemas.microsoft.com/office/drawing/2014/main" id="{ABC28FC7-D40B-470B-BF07-4C668D0FD4C3}"/>
+              </a:ext>
+            </a:extLst>
+          </p:cNvPr>
+          <p:cNvSpPr txBox="1">
+            <a:spLocks/>
+          </p:cNvSpPr>
+          <p:nvPr/>
+        </p:nvSpPr>
+        <p:spPr>
+          <a:xfrm>
+            <a:off x="2103641" y="1587385"/>
+            <a:ext cx="3547368" cy="505272"/>
+          </a:xfrm>
+          <a:prstGeom prst="rect">
+            <a:avLst/>
+          </a:prstGeom>
+        </p:spPr>
+        <p:txBody>
+          <a:bodyPr vert="horz" lIns="91440" tIns="45720" rIns="91440" bIns="45720" rtlCol="0">
+            <a:normAutofit/>
+          </a:bodyPr>
+          <a:lstStyle>
+            <a:lvl1pPr marL="228600" indent="-228600" algn="l" defTabSz="914400" rtl="0" eaLnBrk="1" latinLnBrk="0" hangingPunct="1">
+              <a:lnSpc>
+                <a:spcPct val="90000"/>
+              </a:lnSpc>
+              <a:spcBef>
+                <a:spcPts val="1000"/>
+              </a:spcBef>
+              <a:buFont typeface="Arial" panose="020B0604020202020204" pitchFamily="34" charset="0"/>
+              <a:buChar char="•"/>
+              <a:defRPr sz="2800" kern="1200">
+                <a:solidFill>
+                  <a:schemeClr val="tx1"/>
+                </a:solidFill>
+                <a:latin typeface="+mn-lt"/>
+                <a:ea typeface="+mn-ea"/>
+                <a:cs typeface="+mn-cs"/>
+              </a:defRPr>
+            </a:lvl1pPr>
+            <a:lvl2pPr marL="685800" indent="-228600" algn="l" defTabSz="914400" rtl="0" eaLnBrk="1" latinLnBrk="0" hangingPunct="1">
+              <a:lnSpc>
+                <a:spcPct val="90000"/>
+              </a:lnSpc>
+              <a:spcBef>
+                <a:spcPts val="500"/>
+              </a:spcBef>
+              <a:buFont typeface="Arial" panose="020B0604020202020204" pitchFamily="34" charset="0"/>
+              <a:buChar char="•"/>
+              <a:defRPr sz="2400" kern="1200">
+                <a:solidFill>
+                  <a:schemeClr val="tx1"/>
+                </a:solidFill>
+                <a:latin typeface="+mn-lt"/>
+                <a:ea typeface="+mn-ea"/>
+                <a:cs typeface="+mn-cs"/>
+              </a:defRPr>
+            </a:lvl2pPr>
+            <a:lvl3pPr marL="1143000" indent="-228600" algn="l" defTabSz="914400" rtl="0" eaLnBrk="1" latinLnBrk="0" hangingPunct="1">
+              <a:lnSpc>
+                <a:spcPct val="90000"/>
+              </a:lnSpc>
+              <a:spcBef>
+                <a:spcPts val="500"/>
+              </a:spcBef>
+              <a:buFont typeface="Arial" panose="020B0604020202020204" pitchFamily="34" charset="0"/>
+              <a:buChar char="•"/>
+              <a:defRPr sz="2000" kern="1200">
+                <a:solidFill>
+                  <a:schemeClr val="tx1"/>
+                </a:solidFill>
+                <a:latin typeface="+mn-lt"/>
+                <a:ea typeface="+mn-ea"/>
+                <a:cs typeface="+mn-cs"/>
+              </a:defRPr>
+            </a:lvl3pPr>
+            <a:lvl4pPr marL="1600200" indent="-228600" algn="l" defTabSz="914400" rtl="0" eaLnBrk="1" latinLnBrk="0" hangingPunct="1">
+              <a:lnSpc>
+                <a:spcPct val="90000"/>
+              </a:lnSpc>
+              <a:spcBef>
+                <a:spcPts val="500"/>
+              </a:spcBef>
+              <a:buFont typeface="Arial" panose="020B0604020202020204" pitchFamily="34" charset="0"/>
+              <a:buChar char="•"/>
+              <a:defRPr sz="1800" kern="1200">
+                <a:solidFill>
+                  <a:schemeClr val="tx1"/>
+                </a:solidFill>
+                <a:latin typeface="+mn-lt"/>
+                <a:ea typeface="+mn-ea"/>
+                <a:cs typeface="+mn-cs"/>
+              </a:defRPr>
+            </a:lvl4pPr>
+            <a:lvl5pPr marL="2057400" indent="-228600" algn="l" defTabSz="914400" rtl="0" eaLnBrk="1" latinLnBrk="0" hangingPunct="1">
+              <a:lnSpc>
+                <a:spcPct val="90000"/>
+              </a:lnSpc>
+              <a:spcBef>
+                <a:spcPts val="500"/>
+              </a:spcBef>
+              <a:buFont typeface="Arial" panose="020B0604020202020204" pitchFamily="34" charset="0"/>
+              <a:buChar char="•"/>
+              <a:defRPr sz="1800" kern="1200">
+                <a:solidFill>
+                  <a:schemeClr val="tx1"/>
+                </a:solidFill>
+                <a:latin typeface="+mn-lt"/>
+                <a:ea typeface="+mn-ea"/>
+                <a:cs typeface="+mn-cs"/>
+              </a:defRPr>
+            </a:lvl5pPr>
+            <a:lvl6pPr marL="2514600" indent="-228600" algn="l" defTabSz="914400" rtl="0" eaLnBrk="1" latinLnBrk="0" hangingPunct="1">
+              <a:lnSpc>
+                <a:spcPct val="90000"/>
+              </a:lnSpc>
+              <a:spcBef>
+                <a:spcPts val="500"/>
+              </a:spcBef>
+              <a:buFont typeface="Arial" panose="020B0604020202020204" pitchFamily="34" charset="0"/>
+              <a:buChar char="•"/>
+              <a:defRPr sz="1800" kern="1200">
+                <a:solidFill>
+                  <a:schemeClr val="tx1"/>
+                </a:solidFill>
+                <a:latin typeface="+mn-lt"/>
+                <a:ea typeface="+mn-ea"/>
+                <a:cs typeface="+mn-cs"/>
+              </a:defRPr>
+            </a:lvl6pPr>
+            <a:lvl7pPr marL="2971800" indent="-228600" algn="l" defTabSz="914400" rtl="0" eaLnBrk="1" latinLnBrk="0" hangingPunct="1">
+              <a:lnSpc>
+                <a:spcPct val="90000"/>
+              </a:lnSpc>
+              <a:spcBef>
+                <a:spcPts val="500"/>
+              </a:spcBef>
+              <a:buFont typeface="Arial" panose="020B0604020202020204" pitchFamily="34" charset="0"/>
+              <a:buChar char="•"/>
+              <a:defRPr sz="1800" kern="1200">
+                <a:solidFill>
+                  <a:schemeClr val="tx1"/>
+                </a:solidFill>
+                <a:latin typeface="+mn-lt"/>
+                <a:ea typeface="+mn-ea"/>
+                <a:cs typeface="+mn-cs"/>
+              </a:defRPr>
+            </a:lvl7pPr>
+            <a:lvl8pPr marL="3429000" indent="-228600" algn="l" defTabSz="914400" rtl="0" eaLnBrk="1" latinLnBrk="0" hangingPunct="1">
+              <a:lnSpc>
+                <a:spcPct val="90000"/>
+              </a:lnSpc>
+              <a:spcBef>
+                <a:spcPts val="500"/>
+              </a:spcBef>
+              <a:buFont typeface="Arial" panose="020B0604020202020204" pitchFamily="34" charset="0"/>
+              <a:buChar char="•"/>
+              <a:defRPr sz="1800" kern="1200">
+                <a:solidFill>
+                  <a:schemeClr val="tx1"/>
+                </a:solidFill>
+                <a:latin typeface="+mn-lt"/>
+                <a:ea typeface="+mn-ea"/>
+                <a:cs typeface="+mn-cs"/>
+              </a:defRPr>
+            </a:lvl8pPr>
+            <a:lvl9pPr marL="3886200" indent="-228600" algn="l" defTabSz="914400" rtl="0" eaLnBrk="1" latinLnBrk="0" hangingPunct="1">
+              <a:lnSpc>
+                <a:spcPct val="90000"/>
+              </a:lnSpc>
+              <a:spcBef>
+                <a:spcPts val="500"/>
+              </a:spcBef>
+              <a:buFont typeface="Arial" panose="020B0604020202020204" pitchFamily="34" charset="0"/>
+              <a:buChar char="•"/>
+              <a:defRPr sz="1800" kern="1200">
+                <a:solidFill>
+                  <a:schemeClr val="tx1"/>
+                </a:solidFill>
+                <a:latin typeface="+mn-lt"/>
+                <a:ea typeface="+mn-ea"/>
+                <a:cs typeface="+mn-cs"/>
+              </a:defRPr>
+            </a:lvl9pPr>
+          </a:lstStyle>
+          <a:p>
+            <a:pPr marL="0" indent="0">
+              <a:buFont typeface="Arial" panose="020B0604020202020204" pitchFamily="34" charset="0"/>
+              <a:buNone/>
+            </a:pPr>
+            <a:r>
+              <a:rPr lang="en-US" dirty="0"/>
+              <a:t>Frontal cortex</a:t>
+            </a:r>
+          </a:p>
+        </p:txBody>
+      </p:sp>
+      <p:sp>
+        <p:nvSpPr>
+          <p:cNvPr id="14" name="Content Placeholder 2">
+            <a:extLst>
+              <a:ext uri="{FF2B5EF4-FFF2-40B4-BE49-F238E27FC236}">
+                <a16:creationId xmlns:a16="http://schemas.microsoft.com/office/drawing/2014/main" id="{F51E9B34-72BF-427C-9BF2-94BF812F9A15}"/>
+              </a:ext>
+            </a:extLst>
+          </p:cNvPr>
+          <p:cNvSpPr txBox="1">
+            <a:spLocks/>
+          </p:cNvSpPr>
+          <p:nvPr/>
+        </p:nvSpPr>
+        <p:spPr>
+          <a:xfrm>
+            <a:off x="4922418" y="4827700"/>
+            <a:ext cx="3289427" cy="885830"/>
+          </a:xfrm>
+          <a:prstGeom prst="rect">
+            <a:avLst/>
+          </a:prstGeom>
+        </p:spPr>
+        <p:txBody>
+          <a:bodyPr vert="horz" lIns="91440" tIns="45720" rIns="91440" bIns="45720" rtlCol="0">
+            <a:normAutofit fontScale="85000" lnSpcReduction="10000"/>
+          </a:bodyPr>
+          <a:lstStyle>
+            <a:lvl1pPr marL="228600" indent="-228600" algn="l" defTabSz="914400" rtl="0" eaLnBrk="1" latinLnBrk="0" hangingPunct="1">
+              <a:lnSpc>
+                <a:spcPct val="90000"/>
+              </a:lnSpc>
+              <a:spcBef>
+                <a:spcPts val="1000"/>
+              </a:spcBef>
+              <a:buFont typeface="Arial" panose="020B0604020202020204" pitchFamily="34" charset="0"/>
+              <a:buChar char="•"/>
+              <a:defRPr sz="2800" kern="1200">
+                <a:solidFill>
+                  <a:schemeClr val="tx1"/>
+                </a:solidFill>
+                <a:latin typeface="+mn-lt"/>
+                <a:ea typeface="+mn-ea"/>
+                <a:cs typeface="+mn-cs"/>
+              </a:defRPr>
+            </a:lvl1pPr>
+            <a:lvl2pPr marL="685800" indent="-228600" algn="l" defTabSz="914400" rtl="0" eaLnBrk="1" latinLnBrk="0" hangingPunct="1">
+              <a:lnSpc>
+                <a:spcPct val="90000"/>
+              </a:lnSpc>
+              <a:spcBef>
+                <a:spcPts val="500"/>
+              </a:spcBef>
+              <a:buFont typeface="Arial" panose="020B0604020202020204" pitchFamily="34" charset="0"/>
+              <a:buChar char="•"/>
+              <a:defRPr sz="2400" kern="1200">
+                <a:solidFill>
+                  <a:schemeClr val="tx1"/>
+                </a:solidFill>
+                <a:latin typeface="+mn-lt"/>
+                <a:ea typeface="+mn-ea"/>
+                <a:cs typeface="+mn-cs"/>
+              </a:defRPr>
+            </a:lvl2pPr>
+            <a:lvl3pPr marL="1143000" indent="-228600" algn="l" defTabSz="914400" rtl="0" eaLnBrk="1" latinLnBrk="0" hangingPunct="1">
+              <a:lnSpc>
+                <a:spcPct val="90000"/>
+              </a:lnSpc>
+              <a:spcBef>
+                <a:spcPts val="500"/>
+              </a:spcBef>
+              <a:buFont typeface="Arial" panose="020B0604020202020204" pitchFamily="34" charset="0"/>
+              <a:buChar char="•"/>
+              <a:defRPr sz="2000" kern="1200">
+                <a:solidFill>
+                  <a:schemeClr val="tx1"/>
+                </a:solidFill>
+                <a:latin typeface="+mn-lt"/>
+                <a:ea typeface="+mn-ea"/>
+                <a:cs typeface="+mn-cs"/>
+              </a:defRPr>
+            </a:lvl3pPr>
+            <a:lvl4pPr marL="1600200" indent="-228600" algn="l" defTabSz="914400" rtl="0" eaLnBrk="1" latinLnBrk="0" hangingPunct="1">
+              <a:lnSpc>
+                <a:spcPct val="90000"/>
+              </a:lnSpc>
+              <a:spcBef>
+                <a:spcPts val="500"/>
+              </a:spcBef>
+              <a:buFont typeface="Arial" panose="020B0604020202020204" pitchFamily="34" charset="0"/>
+              <a:buChar char="•"/>
+              <a:defRPr sz="1800" kern="1200">
+                <a:solidFill>
+                  <a:schemeClr val="tx1"/>
+                </a:solidFill>
+                <a:latin typeface="+mn-lt"/>
+                <a:ea typeface="+mn-ea"/>
+                <a:cs typeface="+mn-cs"/>
+              </a:defRPr>
+            </a:lvl4pPr>
+            <a:lvl5pPr marL="2057400" indent="-228600" algn="l" defTabSz="914400" rtl="0" eaLnBrk="1" latinLnBrk="0" hangingPunct="1">
+              <a:lnSpc>
+                <a:spcPct val="90000"/>
+              </a:lnSpc>
+              <a:spcBef>
+                <a:spcPts val="500"/>
+              </a:spcBef>
+              <a:buFont typeface="Arial" panose="020B0604020202020204" pitchFamily="34" charset="0"/>
+              <a:buChar char="•"/>
+              <a:defRPr sz="1800" kern="1200">
+                <a:solidFill>
+                  <a:schemeClr val="tx1"/>
+                </a:solidFill>
+                <a:latin typeface="+mn-lt"/>
+                <a:ea typeface="+mn-ea"/>
+                <a:cs typeface="+mn-cs"/>
+              </a:defRPr>
+            </a:lvl5pPr>
+            <a:lvl6pPr marL="2514600" indent="-228600" algn="l" defTabSz="914400" rtl="0" eaLnBrk="1" latinLnBrk="0" hangingPunct="1">
+              <a:lnSpc>
+                <a:spcPct val="90000"/>
+              </a:lnSpc>
+              <a:spcBef>
+                <a:spcPts val="500"/>
+              </a:spcBef>
+              <a:buFont typeface="Arial" panose="020B0604020202020204" pitchFamily="34" charset="0"/>
+              <a:buChar char="•"/>
+              <a:defRPr sz="1800" kern="1200">
+                <a:solidFill>
+                  <a:schemeClr val="tx1"/>
+                </a:solidFill>
+                <a:latin typeface="+mn-lt"/>
+                <a:ea typeface="+mn-ea"/>
+                <a:cs typeface="+mn-cs"/>
+              </a:defRPr>
+            </a:lvl6pPr>
+            <a:lvl7pPr marL="2971800" indent="-228600" algn="l" defTabSz="914400" rtl="0" eaLnBrk="1" latinLnBrk="0" hangingPunct="1">
+              <a:lnSpc>
+                <a:spcPct val="90000"/>
+              </a:lnSpc>
+              <a:spcBef>
+                <a:spcPts val="500"/>
+              </a:spcBef>
+              <a:buFont typeface="Arial" panose="020B0604020202020204" pitchFamily="34" charset="0"/>
+              <a:buChar char="•"/>
+              <a:defRPr sz="1800" kern="1200">
+                <a:solidFill>
+                  <a:schemeClr val="tx1"/>
+                </a:solidFill>
+                <a:latin typeface="+mn-lt"/>
+                <a:ea typeface="+mn-ea"/>
+                <a:cs typeface="+mn-cs"/>
+              </a:defRPr>
+            </a:lvl7pPr>
+            <a:lvl8pPr marL="3429000" indent="-228600" algn="l" defTabSz="914400" rtl="0" eaLnBrk="1" latinLnBrk="0" hangingPunct="1">
+              <a:lnSpc>
+                <a:spcPct val="90000"/>
+              </a:lnSpc>
+              <a:spcBef>
+                <a:spcPts val="500"/>
+              </a:spcBef>
+              <a:buFont typeface="Arial" panose="020B0604020202020204" pitchFamily="34" charset="0"/>
+              <a:buChar char="•"/>
+              <a:defRPr sz="1800" kern="1200">
+                <a:solidFill>
+                  <a:schemeClr val="tx1"/>
+                </a:solidFill>
+                <a:latin typeface="+mn-lt"/>
+                <a:ea typeface="+mn-ea"/>
+                <a:cs typeface="+mn-cs"/>
+              </a:defRPr>
+            </a:lvl8pPr>
+            <a:lvl9pPr marL="3886200" indent="-228600" algn="l" defTabSz="914400" rtl="0" eaLnBrk="1" latinLnBrk="0" hangingPunct="1">
+              <a:lnSpc>
+                <a:spcPct val="90000"/>
+              </a:lnSpc>
+              <a:spcBef>
+                <a:spcPts val="500"/>
+              </a:spcBef>
+              <a:buFont typeface="Arial" panose="020B0604020202020204" pitchFamily="34" charset="0"/>
+              <a:buChar char="•"/>
+              <a:defRPr sz="1800" kern="1200">
+                <a:solidFill>
+                  <a:schemeClr val="tx1"/>
+                </a:solidFill>
+                <a:latin typeface="+mn-lt"/>
+                <a:ea typeface="+mn-ea"/>
+                <a:cs typeface="+mn-cs"/>
+              </a:defRPr>
+            </a:lvl9pPr>
+          </a:lstStyle>
+          <a:p>
+            <a:pPr marL="0" indent="0">
+              <a:buFont typeface="Arial" panose="020B0604020202020204" pitchFamily="34" charset="0"/>
+              <a:buNone/>
+            </a:pPr>
+            <a:r>
+              <a:rPr lang="en-US" sz="3000" b="1" dirty="0"/>
+              <a:t>Differential expression = FDR&lt;10%</a:t>
+            </a:r>
+          </a:p>
+        </p:txBody>
+      </p:sp>
+    </p:spTree>
+    <p:extLst>
+      <p:ext uri="{BB962C8B-B14F-4D97-AF65-F5344CB8AC3E}">
+        <p14:creationId xmlns:p14="http://schemas.microsoft.com/office/powerpoint/2010/main" val="3441747415"/>
+      </p:ext>
+    </p:extLst>
+  </p:cSld>
+  <p:clrMapOvr>
+    <a:masterClrMapping/>
+  </p:clrMapOvr>
+</p:sld>
+</file>
+
+<file path=ppt/slides/slide12.xml><?xml version="1.0" encoding="utf-8"?>
+<p:sld xmlns:a="http://schemas.openxmlformats.org/drawingml/2006/main" xmlns:r="http://schemas.openxmlformats.org/officeDocument/2006/relationships" xmlns:p="http://schemas.openxmlformats.org/presentationml/2006/main">
+  <p:cSld>
+    <p:spTree>
+      <p:nvGrpSpPr>
+        <p:cNvPr id="1" name=""/>
+        <p:cNvGrpSpPr/>
+        <p:nvPr/>
+      </p:nvGrpSpPr>
+      <p:grpSpPr>
+        <a:xfrm>
+          <a:off x="0" y="0"/>
+          <a:ext cx="0" cy="0"/>
+          <a:chOff x="0" y="0"/>
+          <a:chExt cx="0" cy="0"/>
+        </a:xfrm>
+      </p:grpSpPr>
+      <p:sp>
+        <p:nvSpPr>
+          <p:cNvPr id="2" name="Title 1">
+            <a:extLst>
+              <a:ext uri="{FF2B5EF4-FFF2-40B4-BE49-F238E27FC236}">
+                <a16:creationId xmlns:a16="http://schemas.microsoft.com/office/drawing/2014/main" id="{0D365D92-AE4A-4C02-9D1D-5F9424349BEA}"/>
+              </a:ext>
+            </a:extLst>
+          </p:cNvPr>
+          <p:cNvSpPr>
+            <a:spLocks noGrp="1"/>
+          </p:cNvSpPr>
+          <p:nvPr>
+            <p:ph type="title"/>
+          </p:nvPr>
+        </p:nvSpPr>
+        <p:spPr/>
+        <p:txBody>
+          <a:bodyPr/>
+          <a:lstStyle/>
+          <a:p>
+            <a:r>
+              <a:rPr lang="en-US" dirty="0"/>
+              <a:t>Prioritizing genes affected by Gulf War Illness</a:t>
+            </a:r>
+          </a:p>
+        </p:txBody>
+      </p:sp>
+      <p:sp>
+        <p:nvSpPr>
+          <p:cNvPr id="3" name="Content Placeholder 2">
+            <a:extLst>
+              <a:ext uri="{FF2B5EF4-FFF2-40B4-BE49-F238E27FC236}">
+                <a16:creationId xmlns:a16="http://schemas.microsoft.com/office/drawing/2014/main" id="{FD56D109-DC1C-4241-84F9-73F91F7CEBC2}"/>
+              </a:ext>
+            </a:extLst>
+          </p:cNvPr>
+          <p:cNvSpPr>
+            <a:spLocks noGrp="1"/>
+          </p:cNvSpPr>
+          <p:nvPr>
+            <p:ph idx="1"/>
+          </p:nvPr>
+        </p:nvSpPr>
+        <p:spPr>
+          <a:xfrm>
+            <a:off x="322556" y="1825624"/>
+            <a:ext cx="4925913" cy="4734973"/>
+          </a:xfrm>
+        </p:spPr>
+        <p:txBody>
+          <a:bodyPr/>
+          <a:lstStyle/>
+          <a:p>
+            <a:r>
+              <a:rPr lang="en-US" b="1" dirty="0"/>
+              <a:t>Large differences in expression</a:t>
+            </a:r>
+            <a:r>
+              <a:rPr lang="en-US" dirty="0"/>
+              <a:t> in </a:t>
+            </a:r>
+            <a:r>
+              <a:rPr lang="en-US" b="1" dirty="0"/>
+              <a:t>BOTH brain regions</a:t>
+            </a:r>
+          </a:p>
+          <a:p>
+            <a:r>
+              <a:rPr lang="en-US" dirty="0"/>
+              <a:t>Ignored genes with highly region-specific effects</a:t>
+            </a:r>
+          </a:p>
+          <a:p>
+            <a:r>
+              <a:rPr lang="en-US" b="1" dirty="0" err="1"/>
+              <a:t>Fosb</a:t>
+            </a:r>
+            <a:r>
+              <a:rPr lang="en-US" b="1" dirty="0"/>
+              <a:t> </a:t>
+            </a:r>
+            <a:r>
+              <a:rPr lang="en-US" dirty="0"/>
+              <a:t>is the most promising gene</a:t>
+            </a:r>
+          </a:p>
+          <a:p>
+            <a:pPr marL="0" indent="0">
+              <a:buNone/>
+            </a:pPr>
+            <a:endParaRPr lang="en-US" b="1" dirty="0"/>
+          </a:p>
+        </p:txBody>
+      </p:sp>
+      <p:pic>
+        <p:nvPicPr>
+          <p:cNvPr id="4" name="Picture 3">
+            <a:extLst>
+              <a:ext uri="{FF2B5EF4-FFF2-40B4-BE49-F238E27FC236}">
+                <a16:creationId xmlns:a16="http://schemas.microsoft.com/office/drawing/2014/main" id="{A6783A72-F4FB-47A3-AF18-03AD536AE1B4}"/>
+              </a:ext>
+            </a:extLst>
+          </p:cNvPr>
+          <p:cNvPicPr>
+            <a:picLocks noChangeAspect="1"/>
+          </p:cNvPicPr>
+          <p:nvPr/>
+        </p:nvPicPr>
+        <p:blipFill>
+          <a:blip r:embed="rId2"/>
+          <a:stretch>
+            <a:fillRect/>
+          </a:stretch>
+        </p:blipFill>
+        <p:spPr>
+          <a:xfrm>
+            <a:off x="5248469" y="1579538"/>
+            <a:ext cx="6620975" cy="5130873"/>
+          </a:xfrm>
+          <a:prstGeom prst="rect">
+            <a:avLst/>
+          </a:prstGeom>
+        </p:spPr>
+      </p:pic>
+      <p:sp>
+        <p:nvSpPr>
+          <p:cNvPr id="5" name="Rectangle 4">
+            <a:extLst>
+              <a:ext uri="{FF2B5EF4-FFF2-40B4-BE49-F238E27FC236}">
+                <a16:creationId xmlns:a16="http://schemas.microsoft.com/office/drawing/2014/main" id="{645B0CBB-3CAD-4A81-B473-E20DBD9DF3F9}"/>
+              </a:ext>
+            </a:extLst>
+          </p:cNvPr>
+          <p:cNvSpPr/>
+          <p:nvPr/>
+        </p:nvSpPr>
+        <p:spPr>
+          <a:xfrm>
+            <a:off x="322556" y="5846544"/>
+            <a:ext cx="6096000" cy="646331"/>
+          </a:xfrm>
+          <a:prstGeom prst="rect">
+            <a:avLst/>
+          </a:prstGeom>
+        </p:spPr>
+        <p:txBody>
+          <a:bodyPr>
+            <a:spAutoFit/>
+          </a:bodyPr>
+          <a:lstStyle/>
+          <a:p>
+            <a:r>
+              <a:rPr lang="en-US" b="1" dirty="0"/>
+              <a:t>Criteria:</a:t>
+            </a:r>
+            <a:r>
+              <a:rPr lang="en-US" dirty="0"/>
+              <a:t> FDR&lt;10%, Injury LFC magnitude &gt; 1.5 in BOTH brain regions</a:t>
+            </a:r>
+          </a:p>
+        </p:txBody>
+      </p:sp>
+    </p:spTree>
+    <p:extLst>
+      <p:ext uri="{BB962C8B-B14F-4D97-AF65-F5344CB8AC3E}">
+        <p14:creationId xmlns:p14="http://schemas.microsoft.com/office/powerpoint/2010/main" val="2001343949"/>
+      </p:ext>
+    </p:extLst>
+  </p:cSld>
+  <p:clrMapOvr>
+    <a:masterClrMapping/>
+  </p:clrMapOvr>
+</p:sld>
+</file>
+
+<file path=ppt/slides/slide13.xml><?xml version="1.0" encoding="utf-8"?>
+<p:sld xmlns:a="http://schemas.openxmlformats.org/drawingml/2006/main" xmlns:r="http://schemas.openxmlformats.org/officeDocument/2006/relationships" xmlns:p="http://schemas.openxmlformats.org/presentationml/2006/main">
+  <p:cSld>
+    <p:spTree>
+      <p:nvGrpSpPr>
+        <p:cNvPr id="1" name=""/>
+        <p:cNvGrpSpPr/>
+        <p:nvPr/>
+      </p:nvGrpSpPr>
+      <p:grpSpPr>
+        <a:xfrm>
+          <a:off x="0" y="0"/>
+          <a:ext cx="0" cy="0"/>
+          <a:chOff x="0" y="0"/>
+          <a:chExt cx="0" cy="0"/>
+        </a:xfrm>
+      </p:grpSpPr>
+      <p:sp>
+        <p:nvSpPr>
+          <p:cNvPr id="2" name="Title 1">
+            <a:extLst>
+              <a:ext uri="{FF2B5EF4-FFF2-40B4-BE49-F238E27FC236}">
+                <a16:creationId xmlns:a16="http://schemas.microsoft.com/office/drawing/2014/main" id="{449D0FDA-3025-469B-A004-C822261DE0E2}"/>
+              </a:ext>
+            </a:extLst>
+          </p:cNvPr>
+          <p:cNvSpPr>
+            <a:spLocks noGrp="1"/>
+          </p:cNvSpPr>
+          <p:nvPr>
+            <p:ph type="title"/>
+          </p:nvPr>
+        </p:nvSpPr>
+        <p:spPr/>
+        <p:txBody>
+          <a:bodyPr/>
+          <a:lstStyle/>
+          <a:p>
+            <a:r>
+              <a:rPr lang="en-US" dirty="0"/>
+              <a:t>Example promising genes from control vs. injury</a:t>
+            </a:r>
+          </a:p>
+        </p:txBody>
+      </p:sp>
+      <p:sp>
+        <p:nvSpPr>
+          <p:cNvPr id="3" name="Content Placeholder 2">
+            <a:extLst>
+              <a:ext uri="{FF2B5EF4-FFF2-40B4-BE49-F238E27FC236}">
+                <a16:creationId xmlns:a16="http://schemas.microsoft.com/office/drawing/2014/main" id="{8A494378-C2AF-4E2D-86A0-871571EFC0C1}"/>
+              </a:ext>
+            </a:extLst>
+          </p:cNvPr>
+          <p:cNvSpPr>
+            <a:spLocks noGrp="1"/>
+          </p:cNvSpPr>
+          <p:nvPr>
+            <p:ph idx="1"/>
+          </p:nvPr>
+        </p:nvSpPr>
+        <p:spPr/>
+        <p:txBody>
+          <a:bodyPr/>
+          <a:lstStyle/>
+          <a:p>
+            <a:endParaRPr lang="en-US"/>
+          </a:p>
+        </p:txBody>
+      </p:sp>
+      <p:pic>
+        <p:nvPicPr>
+          <p:cNvPr id="5" name="Picture 4">
+            <a:extLst>
+              <a:ext uri="{FF2B5EF4-FFF2-40B4-BE49-F238E27FC236}">
+                <a16:creationId xmlns:a16="http://schemas.microsoft.com/office/drawing/2014/main" id="{B35EEA69-EB8D-4AD7-AB7D-526FBE420FAF}"/>
+              </a:ext>
+            </a:extLst>
+          </p:cNvPr>
+          <p:cNvPicPr>
+            <a:picLocks noChangeAspect="1"/>
+          </p:cNvPicPr>
+          <p:nvPr/>
+        </p:nvPicPr>
+        <p:blipFill>
+          <a:blip r:embed="rId2"/>
+          <a:stretch>
+            <a:fillRect/>
+          </a:stretch>
+        </p:blipFill>
+        <p:spPr>
+          <a:xfrm>
+            <a:off x="6096000" y="1844406"/>
+            <a:ext cx="6002326" cy="4982201"/>
+          </a:xfrm>
+          <a:prstGeom prst="rect">
+            <a:avLst/>
+          </a:prstGeom>
+        </p:spPr>
+      </p:pic>
+      <p:pic>
+        <p:nvPicPr>
+          <p:cNvPr id="7" name="Picture 6">
+            <a:extLst>
+              <a:ext uri="{FF2B5EF4-FFF2-40B4-BE49-F238E27FC236}">
+                <a16:creationId xmlns:a16="http://schemas.microsoft.com/office/drawing/2014/main" id="{3A222E01-4E73-4EBD-A961-B1468780FFC8}"/>
+              </a:ext>
+            </a:extLst>
+          </p:cNvPr>
+          <p:cNvPicPr>
+            <a:picLocks noChangeAspect="1"/>
+          </p:cNvPicPr>
+          <p:nvPr/>
+        </p:nvPicPr>
+        <p:blipFill>
+          <a:blip r:embed="rId3"/>
+          <a:stretch>
+            <a:fillRect/>
+          </a:stretch>
+        </p:blipFill>
+        <p:spPr>
+          <a:xfrm>
+            <a:off x="116849" y="1690688"/>
+            <a:ext cx="5979151" cy="5028601"/>
+          </a:xfrm>
+          <a:prstGeom prst="rect">
+            <a:avLst/>
+          </a:prstGeom>
+        </p:spPr>
+      </p:pic>
+    </p:spTree>
+    <p:extLst>
+      <p:ext uri="{BB962C8B-B14F-4D97-AF65-F5344CB8AC3E}">
+        <p14:creationId xmlns:p14="http://schemas.microsoft.com/office/powerpoint/2010/main" val="95462817"/>
+      </p:ext>
+    </p:extLst>
+  </p:cSld>
+  <p:clrMapOvr>
+    <a:masterClrMapping/>
+  </p:clrMapOvr>
+</p:sld>
+</file>
+
+<file path=ppt/slides/slide14.xml><?xml version="1.0" encoding="utf-8"?>
+<p:sld xmlns:a="http://schemas.openxmlformats.org/drawingml/2006/main" xmlns:r="http://schemas.openxmlformats.org/officeDocument/2006/relationships" xmlns:p="http://schemas.openxmlformats.org/presentationml/2006/main">
+  <p:cSld>
+    <p:spTree>
+      <p:nvGrpSpPr>
+        <p:cNvPr id="1" name=""/>
+        <p:cNvGrpSpPr/>
+        <p:nvPr/>
+      </p:nvGrpSpPr>
+      <p:grpSpPr>
+        <a:xfrm>
+          <a:off x="0" y="0"/>
+          <a:ext cx="0" cy="0"/>
+          <a:chOff x="0" y="0"/>
+          <a:chExt cx="0" cy="0"/>
+        </a:xfrm>
+      </p:grpSpPr>
+      <p:sp>
+        <p:nvSpPr>
+          <p:cNvPr id="2" name="Title 1">
+            <a:extLst>
+              <a:ext uri="{FF2B5EF4-FFF2-40B4-BE49-F238E27FC236}">
+                <a16:creationId xmlns:a16="http://schemas.microsoft.com/office/drawing/2014/main" id="{3DC61E34-7D25-4575-A4B6-6F00757C0459}"/>
+              </a:ext>
+            </a:extLst>
+          </p:cNvPr>
+          <p:cNvSpPr>
+            <a:spLocks noGrp="1"/>
+          </p:cNvSpPr>
+          <p:nvPr>
+            <p:ph type="title"/>
+          </p:nvPr>
+        </p:nvSpPr>
+        <p:spPr/>
+        <p:txBody>
+          <a:bodyPr/>
+          <a:lstStyle/>
+          <a:p>
+            <a:r>
+              <a:rPr lang="en-US" dirty="0"/>
+              <a:t>Gene ontology analysis</a:t>
+            </a:r>
+          </a:p>
+        </p:txBody>
+      </p:sp>
+      <p:sp>
+        <p:nvSpPr>
+          <p:cNvPr id="3" name="Content Placeholder 2">
+            <a:extLst>
+              <a:ext uri="{FF2B5EF4-FFF2-40B4-BE49-F238E27FC236}">
+                <a16:creationId xmlns:a16="http://schemas.microsoft.com/office/drawing/2014/main" id="{481DA3B2-0C13-44E4-952A-C1688DEE5511}"/>
+              </a:ext>
+            </a:extLst>
+          </p:cNvPr>
+          <p:cNvSpPr>
+            <a:spLocks noGrp="1"/>
+          </p:cNvSpPr>
+          <p:nvPr>
+            <p:ph idx="1"/>
+          </p:nvPr>
+        </p:nvSpPr>
+        <p:spPr/>
+        <p:txBody>
+          <a:bodyPr/>
+          <a:lstStyle/>
+          <a:p>
+            <a:r>
+              <a:rPr lang="en-US" dirty="0"/>
+              <a:t>A method for assessing pathway level differences</a:t>
+            </a:r>
+          </a:p>
+          <a:p>
+            <a:pPr lvl="1"/>
+            <a:r>
+              <a:rPr lang="en-US" dirty="0"/>
+              <a:t>Several different ontologies created by various scientific groups</a:t>
+            </a:r>
+          </a:p>
+          <a:p>
+            <a:pPr lvl="1"/>
+            <a:r>
+              <a:rPr lang="en-US" dirty="0"/>
+              <a:t>Essentially a hypergeometric test for overrepresentation of DE genes</a:t>
+            </a:r>
+          </a:p>
+          <a:p>
+            <a:pPr lvl="2"/>
+            <a:r>
+              <a:rPr lang="en-US" dirty="0"/>
+              <a:t>Classical example: pulling colored marbles out of a bag</a:t>
+            </a:r>
+          </a:p>
+          <a:p>
+            <a:r>
+              <a:rPr lang="en-US" dirty="0"/>
+              <a:t>P-value threshold of 5 x 10</a:t>
+            </a:r>
+            <a:r>
+              <a:rPr lang="en-US" baseline="30000" dirty="0"/>
+              <a:t>-3</a:t>
+            </a:r>
+            <a:endParaRPr lang="en-US" dirty="0"/>
+          </a:p>
+          <a:p>
+            <a:pPr lvl="1"/>
+            <a:r>
+              <a:rPr lang="en-US" dirty="0"/>
+              <a:t>Many interesting enrichments in FC, few in LA</a:t>
+            </a:r>
+          </a:p>
+          <a:p>
+            <a:pPr lvl="1"/>
+            <a:r>
+              <a:rPr lang="en-US" dirty="0"/>
+              <a:t>May need different thresholds for each brain-region</a:t>
+            </a:r>
+          </a:p>
+          <a:p>
+            <a:pPr lvl="1"/>
+            <a:endParaRPr lang="en-US" dirty="0"/>
+          </a:p>
+          <a:p>
+            <a:pPr lvl="2"/>
+            <a:endParaRPr lang="en-US" dirty="0"/>
+          </a:p>
+          <a:p>
+            <a:pPr lvl="2"/>
+            <a:endParaRPr lang="en-US" dirty="0"/>
+          </a:p>
+        </p:txBody>
+      </p:sp>
+    </p:spTree>
+    <p:extLst>
+      <p:ext uri="{BB962C8B-B14F-4D97-AF65-F5344CB8AC3E}">
+        <p14:creationId xmlns:p14="http://schemas.microsoft.com/office/powerpoint/2010/main" val="2754156138"/>
+      </p:ext>
+    </p:extLst>
+  </p:cSld>
+  <p:clrMapOvr>
+    <a:masterClrMapping/>
+  </p:clrMapOvr>
+</p:sld>
+</file>
+
+<file path=ppt/slides/slide15.xml><?xml version="1.0" encoding="utf-8"?>
+<p:sld xmlns:a="http://schemas.openxmlformats.org/drawingml/2006/main" xmlns:r="http://schemas.openxmlformats.org/officeDocument/2006/relationships" xmlns:p="http://schemas.openxmlformats.org/presentationml/2006/main">
+  <p:cSld>
+    <p:spTree>
+      <p:nvGrpSpPr>
+        <p:cNvPr id="1" name=""/>
+        <p:cNvGrpSpPr/>
+        <p:nvPr/>
+      </p:nvGrpSpPr>
+      <p:grpSpPr>
+        <a:xfrm>
+          <a:off x="0" y="0"/>
+          <a:ext cx="0" cy="0"/>
+          <a:chOff x="0" y="0"/>
+          <a:chExt cx="0" cy="0"/>
+        </a:xfrm>
+      </p:grpSpPr>
+      <p:sp>
+        <p:nvSpPr>
+          <p:cNvPr id="2" name="Title 1">
+            <a:extLst>
+              <a:ext uri="{FF2B5EF4-FFF2-40B4-BE49-F238E27FC236}">
+                <a16:creationId xmlns:a16="http://schemas.microsoft.com/office/drawing/2014/main" id="{C29B0F5D-05F2-48E9-B24D-79A16827450E}"/>
+              </a:ext>
+            </a:extLst>
+          </p:cNvPr>
+          <p:cNvSpPr>
+            <a:spLocks noGrp="1"/>
+          </p:cNvSpPr>
+          <p:nvPr>
+            <p:ph type="title"/>
+          </p:nvPr>
+        </p:nvSpPr>
+        <p:spPr>
+          <a:xfrm>
+            <a:off x="749423" y="0"/>
+            <a:ext cx="10515600" cy="1325563"/>
+          </a:xfrm>
+        </p:spPr>
+        <p:txBody>
+          <a:bodyPr/>
+          <a:lstStyle/>
+          <a:p>
+            <a:r>
+              <a:rPr lang="en-US" b="1" dirty="0"/>
+              <a:t>Subset</a:t>
+            </a:r>
+            <a:r>
+              <a:rPr lang="en-US" dirty="0"/>
+              <a:t> of GO Biological Processes Results (FC)</a:t>
+            </a:r>
+          </a:p>
+        </p:txBody>
+      </p:sp>
+      <p:graphicFrame>
+        <p:nvGraphicFramePr>
+          <p:cNvPr id="10" name="Content Placeholder 9">
+            <a:extLst>
+              <a:ext uri="{FF2B5EF4-FFF2-40B4-BE49-F238E27FC236}">
+                <a16:creationId xmlns:a16="http://schemas.microsoft.com/office/drawing/2014/main" id="{50FECF85-367D-4ADB-8E15-E54A5FF15085}"/>
+              </a:ext>
+            </a:extLst>
+          </p:cNvPr>
+          <p:cNvGraphicFramePr>
+            <a:graphicFrameLocks noGrp="1"/>
+          </p:cNvGraphicFramePr>
+          <p:nvPr>
+            <p:ph idx="1"/>
+          </p:nvPr>
+        </p:nvGraphicFramePr>
+        <p:xfrm>
+          <a:off x="126506" y="1677239"/>
+          <a:ext cx="11761434" cy="4679644"/>
+        </p:xfrm>
+        <a:graphic>
+          <a:graphicData uri="http://schemas.openxmlformats.org/drawingml/2006/table">
+            <a:tbl>
+              <a:tblPr firstRow="1">
+                <a:tableStyleId>{5C22544A-7EE6-4342-B048-85BDC9FD1C3A}</a:tableStyleId>
+              </a:tblPr>
+              <a:tblGrid>
+                <a:gridCol w="1960239">
+                  <a:extLst>
+                    <a:ext uri="{9D8B030D-6E8A-4147-A177-3AD203B41FA5}">
+                      <a16:colId xmlns:a16="http://schemas.microsoft.com/office/drawing/2014/main" val="2798402753"/>
+                    </a:ext>
+                  </a:extLst>
+                </a:gridCol>
+                <a:gridCol w="2254436">
+                  <a:extLst>
+                    <a:ext uri="{9D8B030D-6E8A-4147-A177-3AD203B41FA5}">
+                      <a16:colId xmlns:a16="http://schemas.microsoft.com/office/drawing/2014/main" val="1730023837"/>
+                    </a:ext>
+                  </a:extLst>
+                </a:gridCol>
+                <a:gridCol w="1666042">
+                  <a:extLst>
+                    <a:ext uri="{9D8B030D-6E8A-4147-A177-3AD203B41FA5}">
+                      <a16:colId xmlns:a16="http://schemas.microsoft.com/office/drawing/2014/main" val="1908775712"/>
+                    </a:ext>
+                  </a:extLst>
+                </a:gridCol>
+                <a:gridCol w="1960239">
+                  <a:extLst>
+                    <a:ext uri="{9D8B030D-6E8A-4147-A177-3AD203B41FA5}">
+                      <a16:colId xmlns:a16="http://schemas.microsoft.com/office/drawing/2014/main" val="2681372822"/>
+                    </a:ext>
+                  </a:extLst>
+                </a:gridCol>
+                <a:gridCol w="1960239">
+                  <a:extLst>
+                    <a:ext uri="{9D8B030D-6E8A-4147-A177-3AD203B41FA5}">
+                      <a16:colId xmlns:a16="http://schemas.microsoft.com/office/drawing/2014/main" val="600502969"/>
+                    </a:ext>
+                  </a:extLst>
+                </a:gridCol>
+                <a:gridCol w="1960239">
+                  <a:extLst>
+                    <a:ext uri="{9D8B030D-6E8A-4147-A177-3AD203B41FA5}">
+                      <a16:colId xmlns:a16="http://schemas.microsoft.com/office/drawing/2014/main" val="3672467597"/>
+                    </a:ext>
+                  </a:extLst>
+                </a:gridCol>
+              </a:tblGrid>
+              <a:tr h="222070">
+                <a:tc>
+                  <a:txBody>
+                    <a:bodyPr/>
+                    <a:lstStyle/>
+                    <a:p>
+                      <a:pPr algn="l" fontAlgn="b"/>
+                      <a:r>
+                        <a:rPr lang="en-US" sz="2000" b="1" u="none" strike="noStrike" dirty="0">
+                          <a:effectLst/>
+                        </a:rPr>
+                        <a:t>ID</a:t>
+                      </a:r>
+                      <a:endParaRPr lang="en-US" sz="2000" b="1" i="0" u="none" strike="noStrike" dirty="0">
+                        <a:solidFill>
+                          <a:srgbClr val="000000"/>
+                        </a:solidFill>
+                        <a:effectLst/>
+                        <a:latin typeface="Calibri" panose="020F0502020204030204" pitchFamily="34" charset="0"/>
+                      </a:endParaRPr>
+                    </a:p>
+                  </a:txBody>
+                  <a:tcPr marL="503" marR="503" marT="503" marB="0" anchor="b"/>
+                </a:tc>
+                <a:tc>
+                  <a:txBody>
+                    <a:bodyPr/>
+                    <a:lstStyle/>
+                    <a:p>
+                      <a:pPr algn="l" fontAlgn="b"/>
+                      <a:r>
+                        <a:rPr lang="en-US" sz="2000" b="1" u="none" strike="noStrike">
+                          <a:effectLst/>
+                        </a:rPr>
+                        <a:t>Description</a:t>
+                      </a:r>
+                      <a:endParaRPr lang="en-US" sz="2000" b="1" i="0" u="none" strike="noStrike">
+                        <a:solidFill>
+                          <a:srgbClr val="000000"/>
+                        </a:solidFill>
+                        <a:effectLst/>
+                        <a:latin typeface="Calibri" panose="020F0502020204030204" pitchFamily="34" charset="0"/>
+                      </a:endParaRPr>
+                    </a:p>
+                  </a:txBody>
+                  <a:tcPr marL="503" marR="503" marT="503" marB="0" anchor="b"/>
+                </a:tc>
+                <a:tc>
+                  <a:txBody>
+                    <a:bodyPr/>
+                    <a:lstStyle/>
+                    <a:p>
+                      <a:pPr algn="l" fontAlgn="b"/>
+                      <a:r>
+                        <a:rPr lang="en-US" sz="2000" b="1" u="none" strike="noStrike">
+                          <a:effectLst/>
+                        </a:rPr>
+                        <a:t>pvalue</a:t>
+                      </a:r>
+                      <a:endParaRPr lang="en-US" sz="2000" b="1" i="0" u="none" strike="noStrike">
+                        <a:solidFill>
+                          <a:srgbClr val="000000"/>
+                        </a:solidFill>
+                        <a:effectLst/>
+                        <a:latin typeface="Calibri" panose="020F0502020204030204" pitchFamily="34" charset="0"/>
+                      </a:endParaRPr>
+                    </a:p>
+                  </a:txBody>
+                  <a:tcPr marL="503" marR="503" marT="503" marB="0" anchor="b"/>
+                </a:tc>
+                <a:tc>
+                  <a:txBody>
+                    <a:bodyPr/>
+                    <a:lstStyle/>
+                    <a:p>
+                      <a:pPr algn="l" fontAlgn="b"/>
+                      <a:r>
+                        <a:rPr lang="en-US" sz="2000" b="1" u="none" strike="noStrike">
+                          <a:effectLst/>
+                        </a:rPr>
+                        <a:t>p.adjust</a:t>
+                      </a:r>
+                      <a:endParaRPr lang="en-US" sz="2000" b="1" i="0" u="none" strike="noStrike">
+                        <a:solidFill>
+                          <a:srgbClr val="000000"/>
+                        </a:solidFill>
+                        <a:effectLst/>
+                        <a:latin typeface="Calibri" panose="020F0502020204030204" pitchFamily="34" charset="0"/>
+                      </a:endParaRPr>
+                    </a:p>
+                  </a:txBody>
+                  <a:tcPr marL="503" marR="503" marT="503" marB="0" anchor="b"/>
+                </a:tc>
+                <a:tc>
+                  <a:txBody>
+                    <a:bodyPr/>
+                    <a:lstStyle/>
+                    <a:p>
+                      <a:pPr algn="l" fontAlgn="b"/>
+                      <a:r>
+                        <a:rPr lang="en-US" sz="2000" b="1" u="none" strike="noStrike">
+                          <a:effectLst/>
+                        </a:rPr>
+                        <a:t>qvalue</a:t>
+                      </a:r>
+                      <a:endParaRPr lang="en-US" sz="2000" b="1" i="0" u="none" strike="noStrike">
+                        <a:solidFill>
+                          <a:srgbClr val="000000"/>
+                        </a:solidFill>
+                        <a:effectLst/>
+                        <a:latin typeface="Calibri" panose="020F0502020204030204" pitchFamily="34" charset="0"/>
+                      </a:endParaRPr>
+                    </a:p>
+                  </a:txBody>
+                  <a:tcPr marL="503" marR="503" marT="503" marB="0" anchor="b"/>
+                </a:tc>
+                <a:tc>
+                  <a:txBody>
+                    <a:bodyPr/>
+                    <a:lstStyle/>
+                    <a:p>
+                      <a:pPr algn="l" fontAlgn="b"/>
+                      <a:r>
+                        <a:rPr lang="en-US" sz="2000" b="1" u="none" strike="noStrike" dirty="0">
+                          <a:effectLst/>
+                        </a:rPr>
+                        <a:t>Count</a:t>
+                      </a:r>
+                      <a:endParaRPr lang="en-US" sz="2000" b="1" i="0" u="none" strike="noStrike" dirty="0">
+                        <a:solidFill>
+                          <a:srgbClr val="000000"/>
+                        </a:solidFill>
+                        <a:effectLst/>
+                        <a:latin typeface="Calibri" panose="020F0502020204030204" pitchFamily="34" charset="0"/>
+                      </a:endParaRPr>
+                    </a:p>
+                  </a:txBody>
+                  <a:tcPr marL="503" marR="503" marT="503" marB="0" anchor="b"/>
+                </a:tc>
+                <a:extLst>
+                  <a:ext uri="{0D108BD9-81ED-4DB2-BD59-A6C34878D82A}">
+                    <a16:rowId xmlns:a16="http://schemas.microsoft.com/office/drawing/2014/main" val="1273260217"/>
+                  </a:ext>
+                </a:extLst>
+              </a:tr>
+              <a:tr h="839573">
+                <a:tc>
+                  <a:txBody>
+                    <a:bodyPr/>
+                    <a:lstStyle/>
+                    <a:p>
+                      <a:pPr algn="l" fontAlgn="b"/>
+                      <a:r>
+                        <a:rPr lang="en-US" sz="2000" u="none" strike="noStrike">
+                          <a:effectLst/>
+                        </a:rPr>
+                        <a:t>GO:0046683</a:t>
+                      </a:r>
+                      <a:endParaRPr lang="en-US" sz="2000" b="0" i="0" u="none" strike="noStrike">
+                        <a:solidFill>
+                          <a:srgbClr val="000000"/>
+                        </a:solidFill>
+                        <a:effectLst/>
+                        <a:latin typeface="Calibri" panose="020F0502020204030204" pitchFamily="34" charset="0"/>
+                      </a:endParaRPr>
+                    </a:p>
+                  </a:txBody>
+                  <a:tcPr marL="503" marR="503" marT="503" marB="0" anchor="b"/>
+                </a:tc>
+                <a:tc>
+                  <a:txBody>
+                    <a:bodyPr/>
+                    <a:lstStyle/>
+                    <a:p>
+                      <a:pPr algn="l" fontAlgn="b"/>
+                      <a:r>
+                        <a:rPr lang="en-US" sz="2000" b="1" u="none" strike="noStrike" dirty="0">
+                          <a:effectLst/>
+                        </a:rPr>
+                        <a:t>response to organophosphorus</a:t>
+                      </a:r>
+                      <a:endParaRPr lang="en-US" sz="2000" b="1" i="0" u="none" strike="noStrike" dirty="0">
+                        <a:solidFill>
+                          <a:srgbClr val="000000"/>
+                        </a:solidFill>
+                        <a:effectLst/>
+                        <a:latin typeface="Calibri" panose="020F0502020204030204" pitchFamily="34" charset="0"/>
+                      </a:endParaRPr>
+                    </a:p>
+                  </a:txBody>
+                  <a:tcPr marL="503" marR="503" marT="503" marB="0" anchor="b"/>
+                </a:tc>
+                <a:tc>
+                  <a:txBody>
+                    <a:bodyPr/>
+                    <a:lstStyle/>
+                    <a:p>
+                      <a:pPr algn="r" fontAlgn="b"/>
+                      <a:r>
+                        <a:rPr lang="en-US" sz="2000" u="none" strike="noStrike">
+                          <a:effectLst/>
+                        </a:rPr>
+                        <a:t>4.91E-08</a:t>
+                      </a:r>
+                      <a:endParaRPr lang="en-US" sz="2000" b="0" i="0" u="none" strike="noStrike">
+                        <a:solidFill>
+                          <a:srgbClr val="000000"/>
+                        </a:solidFill>
+                        <a:effectLst/>
+                        <a:latin typeface="Calibri" panose="020F0502020204030204" pitchFamily="34" charset="0"/>
+                      </a:endParaRPr>
+                    </a:p>
+                  </a:txBody>
+                  <a:tcPr marL="503" marR="503" marT="503" marB="0" anchor="b"/>
+                </a:tc>
+                <a:tc>
+                  <a:txBody>
+                    <a:bodyPr/>
+                    <a:lstStyle/>
+                    <a:p>
+                      <a:pPr algn="r" fontAlgn="b"/>
+                      <a:r>
+                        <a:rPr lang="en-US" sz="2000" u="none" strike="noStrike">
+                          <a:effectLst/>
+                        </a:rPr>
+                        <a:t>0.000162</a:t>
+                      </a:r>
+                      <a:endParaRPr lang="en-US" sz="2000" b="0" i="0" u="none" strike="noStrike">
+                        <a:solidFill>
+                          <a:srgbClr val="000000"/>
+                        </a:solidFill>
+                        <a:effectLst/>
+                        <a:latin typeface="Calibri" panose="020F0502020204030204" pitchFamily="34" charset="0"/>
+                      </a:endParaRPr>
+                    </a:p>
+                  </a:txBody>
+                  <a:tcPr marL="503" marR="503" marT="503" marB="0" anchor="b"/>
+                </a:tc>
+                <a:tc>
+                  <a:txBody>
+                    <a:bodyPr/>
+                    <a:lstStyle/>
+                    <a:p>
+                      <a:pPr algn="r" fontAlgn="b"/>
+                      <a:r>
+                        <a:rPr lang="en-US" sz="2000" u="none" strike="noStrike">
+                          <a:effectLst/>
+                        </a:rPr>
+                        <a:t>0.000136</a:t>
+                      </a:r>
+                      <a:endParaRPr lang="en-US" sz="2000" b="0" i="0" u="none" strike="noStrike">
+                        <a:solidFill>
+                          <a:srgbClr val="000000"/>
+                        </a:solidFill>
+                        <a:effectLst/>
+                        <a:latin typeface="Calibri" panose="020F0502020204030204" pitchFamily="34" charset="0"/>
+                      </a:endParaRPr>
+                    </a:p>
+                  </a:txBody>
+                  <a:tcPr marL="503" marR="503" marT="503" marB="0" anchor="b"/>
+                </a:tc>
+                <a:tc>
+                  <a:txBody>
+                    <a:bodyPr/>
+                    <a:lstStyle/>
+                    <a:p>
+                      <a:pPr algn="r" fontAlgn="b"/>
+                      <a:r>
+                        <a:rPr lang="en-US" sz="2000" u="none" strike="noStrike" dirty="0">
+                          <a:effectLst/>
+                        </a:rPr>
+                        <a:t>14</a:t>
+                      </a:r>
+                      <a:endParaRPr lang="en-US" sz="2000" b="0" i="0" u="none" strike="noStrike" dirty="0">
+                        <a:solidFill>
+                          <a:srgbClr val="000000"/>
+                        </a:solidFill>
+                        <a:effectLst/>
+                        <a:latin typeface="Calibri" panose="020F0502020204030204" pitchFamily="34" charset="0"/>
+                      </a:endParaRPr>
+                    </a:p>
+                  </a:txBody>
+                  <a:tcPr marL="503" marR="503" marT="503" marB="0" anchor="b"/>
+                </a:tc>
+                <a:extLst>
+                  <a:ext uri="{0D108BD9-81ED-4DB2-BD59-A6C34878D82A}">
+                    <a16:rowId xmlns:a16="http://schemas.microsoft.com/office/drawing/2014/main" val="4129408251"/>
+                  </a:ext>
+                </a:extLst>
+              </a:tr>
+              <a:tr h="671769">
+                <a:tc>
+                  <a:txBody>
+                    <a:bodyPr/>
+                    <a:lstStyle/>
+                    <a:p>
+                      <a:pPr algn="l" fontAlgn="b"/>
+                      <a:r>
+                        <a:rPr lang="en-US" sz="2000" u="none" strike="noStrike" dirty="0">
+                          <a:effectLst/>
+                        </a:rPr>
+                        <a:t>GO:0051591</a:t>
+                      </a:r>
+                      <a:endParaRPr lang="en-US" sz="2000" b="0" i="0" u="none" strike="noStrike" dirty="0">
+                        <a:solidFill>
+                          <a:srgbClr val="000000"/>
+                        </a:solidFill>
+                        <a:effectLst/>
+                        <a:latin typeface="Calibri" panose="020F0502020204030204" pitchFamily="34" charset="0"/>
+                      </a:endParaRPr>
+                    </a:p>
+                  </a:txBody>
+                  <a:tcPr marL="503" marR="503" marT="503" marB="0" anchor="b"/>
+                </a:tc>
+                <a:tc>
+                  <a:txBody>
+                    <a:bodyPr/>
+                    <a:lstStyle/>
+                    <a:p>
+                      <a:pPr algn="l" fontAlgn="b"/>
+                      <a:r>
+                        <a:rPr lang="en-US" sz="2000" u="none" strike="noStrike" dirty="0">
+                          <a:effectLst/>
+                        </a:rPr>
+                        <a:t>response to cAMP</a:t>
+                      </a:r>
+                      <a:endParaRPr lang="en-US" sz="2000" b="0" i="0" u="none" strike="noStrike" dirty="0">
+                        <a:solidFill>
+                          <a:srgbClr val="000000"/>
+                        </a:solidFill>
+                        <a:effectLst/>
+                        <a:latin typeface="Calibri" panose="020F0502020204030204" pitchFamily="34" charset="0"/>
+                      </a:endParaRPr>
+                    </a:p>
+                  </a:txBody>
+                  <a:tcPr marL="503" marR="503" marT="503" marB="0" anchor="b"/>
+                </a:tc>
+                <a:tc>
+                  <a:txBody>
+                    <a:bodyPr/>
+                    <a:lstStyle/>
+                    <a:p>
+                      <a:pPr algn="r" fontAlgn="b"/>
+                      <a:r>
+                        <a:rPr lang="en-US" sz="2000" u="none" strike="noStrike">
+                          <a:effectLst/>
+                        </a:rPr>
+                        <a:t>1.9E-07</a:t>
+                      </a:r>
+                      <a:endParaRPr lang="en-US" sz="2000" b="0" i="0" u="none" strike="noStrike">
+                        <a:solidFill>
+                          <a:srgbClr val="000000"/>
+                        </a:solidFill>
+                        <a:effectLst/>
+                        <a:latin typeface="Calibri" panose="020F0502020204030204" pitchFamily="34" charset="0"/>
+                      </a:endParaRPr>
+                    </a:p>
+                  </a:txBody>
+                  <a:tcPr marL="503" marR="503" marT="503" marB="0" anchor="b"/>
+                </a:tc>
+                <a:tc>
+                  <a:txBody>
+                    <a:bodyPr/>
+                    <a:lstStyle/>
+                    <a:p>
+                      <a:pPr algn="r" fontAlgn="b"/>
+                      <a:r>
+                        <a:rPr lang="en-US" sz="2000" u="none" strike="noStrike">
+                          <a:effectLst/>
+                        </a:rPr>
+                        <a:t>0.000314</a:t>
+                      </a:r>
+                      <a:endParaRPr lang="en-US" sz="2000" b="0" i="0" u="none" strike="noStrike">
+                        <a:solidFill>
+                          <a:srgbClr val="000000"/>
+                        </a:solidFill>
+                        <a:effectLst/>
+                        <a:latin typeface="Calibri" panose="020F0502020204030204" pitchFamily="34" charset="0"/>
+                      </a:endParaRPr>
+                    </a:p>
+                  </a:txBody>
+                  <a:tcPr marL="503" marR="503" marT="503" marB="0" anchor="b"/>
+                </a:tc>
+                <a:tc>
+                  <a:txBody>
+                    <a:bodyPr/>
+                    <a:lstStyle/>
+                    <a:p>
+                      <a:pPr algn="r" fontAlgn="b"/>
+                      <a:r>
+                        <a:rPr lang="en-US" sz="2000" u="none" strike="noStrike">
+                          <a:effectLst/>
+                        </a:rPr>
+                        <a:t>0.000263</a:t>
+                      </a:r>
+                      <a:endParaRPr lang="en-US" sz="2000" b="0" i="0" u="none" strike="noStrike">
+                        <a:solidFill>
+                          <a:srgbClr val="000000"/>
+                        </a:solidFill>
+                        <a:effectLst/>
+                        <a:latin typeface="Calibri" panose="020F0502020204030204" pitchFamily="34" charset="0"/>
+                      </a:endParaRPr>
+                    </a:p>
+                  </a:txBody>
+                  <a:tcPr marL="503" marR="503" marT="503" marB="0" anchor="b"/>
+                </a:tc>
+                <a:tc>
+                  <a:txBody>
+                    <a:bodyPr/>
+                    <a:lstStyle/>
+                    <a:p>
+                      <a:pPr algn="r" fontAlgn="b"/>
+                      <a:r>
+                        <a:rPr lang="en-US" sz="2000" u="none" strike="noStrike" dirty="0">
+                          <a:effectLst/>
+                        </a:rPr>
+                        <a:t>12</a:t>
+                      </a:r>
+                      <a:endParaRPr lang="en-US" sz="2000" b="0" i="0" u="none" strike="noStrike" dirty="0">
+                        <a:solidFill>
+                          <a:srgbClr val="000000"/>
+                        </a:solidFill>
+                        <a:effectLst/>
+                        <a:latin typeface="Calibri" panose="020F0502020204030204" pitchFamily="34" charset="0"/>
+                      </a:endParaRPr>
+                    </a:p>
+                  </a:txBody>
+                  <a:tcPr marL="503" marR="503" marT="503" marB="0" anchor="b"/>
+                </a:tc>
+                <a:extLst>
+                  <a:ext uri="{0D108BD9-81ED-4DB2-BD59-A6C34878D82A}">
+                    <a16:rowId xmlns:a16="http://schemas.microsoft.com/office/drawing/2014/main" val="127421035"/>
+                  </a:ext>
+                </a:extLst>
+              </a:tr>
+              <a:tr h="886910">
+                <a:tc>
+                  <a:txBody>
+                    <a:bodyPr/>
+                    <a:lstStyle/>
+                    <a:p>
+                      <a:pPr algn="l" fontAlgn="b"/>
+                      <a:r>
+                        <a:rPr lang="en-US" sz="2000" u="none" strike="noStrike">
+                          <a:effectLst/>
+                        </a:rPr>
+                        <a:t>GO:1902107</a:t>
+                      </a:r>
+                      <a:endParaRPr lang="en-US" sz="2000" b="0" i="0" u="none" strike="noStrike">
+                        <a:solidFill>
+                          <a:srgbClr val="000000"/>
+                        </a:solidFill>
+                        <a:effectLst/>
+                        <a:latin typeface="Calibri" panose="020F0502020204030204" pitchFamily="34" charset="0"/>
+                      </a:endParaRPr>
+                    </a:p>
+                  </a:txBody>
+                  <a:tcPr marL="503" marR="503" marT="503" marB="0" anchor="b"/>
+                </a:tc>
+                <a:tc>
+                  <a:txBody>
+                    <a:bodyPr/>
+                    <a:lstStyle/>
+                    <a:p>
+                      <a:pPr algn="l" fontAlgn="b"/>
+                      <a:r>
+                        <a:rPr lang="en-US" sz="2000" b="1" u="none" strike="noStrike" dirty="0">
+                          <a:effectLst/>
+                        </a:rPr>
+                        <a:t>positive regulation of leukocyte differentiation</a:t>
+                      </a:r>
+                      <a:endParaRPr lang="en-US" sz="2000" b="1" i="0" u="none" strike="noStrike" dirty="0">
+                        <a:solidFill>
+                          <a:srgbClr val="000000"/>
+                        </a:solidFill>
+                        <a:effectLst/>
+                        <a:latin typeface="Calibri" panose="020F0502020204030204" pitchFamily="34" charset="0"/>
+                      </a:endParaRPr>
+                    </a:p>
+                  </a:txBody>
+                  <a:tcPr marL="503" marR="503" marT="503" marB="0" anchor="b"/>
+                </a:tc>
+                <a:tc>
+                  <a:txBody>
+                    <a:bodyPr/>
+                    <a:lstStyle/>
+                    <a:p>
+                      <a:pPr algn="r" fontAlgn="b"/>
+                      <a:r>
+                        <a:rPr lang="en-US" sz="2000" u="none" strike="noStrike">
+                          <a:effectLst/>
+                        </a:rPr>
+                        <a:t>1.87E-05</a:t>
+                      </a:r>
+                      <a:endParaRPr lang="en-US" sz="2000" b="0" i="0" u="none" strike="noStrike">
+                        <a:solidFill>
+                          <a:srgbClr val="000000"/>
+                        </a:solidFill>
+                        <a:effectLst/>
+                        <a:latin typeface="Calibri" panose="020F0502020204030204" pitchFamily="34" charset="0"/>
+                      </a:endParaRPr>
+                    </a:p>
+                  </a:txBody>
+                  <a:tcPr marL="503" marR="503" marT="503" marB="0" anchor="b"/>
+                </a:tc>
+                <a:tc>
+                  <a:txBody>
+                    <a:bodyPr/>
+                    <a:lstStyle/>
+                    <a:p>
+                      <a:pPr algn="r" fontAlgn="b"/>
+                      <a:r>
+                        <a:rPr lang="en-US" sz="2000" u="none" strike="noStrike">
+                          <a:effectLst/>
+                        </a:rPr>
+                        <a:t>0.004744</a:t>
+                      </a:r>
+                      <a:endParaRPr lang="en-US" sz="2000" b="0" i="0" u="none" strike="noStrike">
+                        <a:solidFill>
+                          <a:srgbClr val="000000"/>
+                        </a:solidFill>
+                        <a:effectLst/>
+                        <a:latin typeface="Calibri" panose="020F0502020204030204" pitchFamily="34" charset="0"/>
+                      </a:endParaRPr>
+                    </a:p>
+                  </a:txBody>
+                  <a:tcPr marL="503" marR="503" marT="503" marB="0" anchor="b"/>
+                </a:tc>
+                <a:tc>
+                  <a:txBody>
+                    <a:bodyPr/>
+                    <a:lstStyle/>
+                    <a:p>
+                      <a:pPr algn="r" fontAlgn="b"/>
+                      <a:r>
+                        <a:rPr lang="en-US" sz="2000" u="none" strike="noStrike">
+                          <a:effectLst/>
+                        </a:rPr>
+                        <a:t>0.00398</a:t>
+                      </a:r>
+                      <a:endParaRPr lang="en-US" sz="2000" b="0" i="0" u="none" strike="noStrike">
+                        <a:solidFill>
+                          <a:srgbClr val="000000"/>
+                        </a:solidFill>
+                        <a:effectLst/>
+                        <a:latin typeface="Calibri" panose="020F0502020204030204" pitchFamily="34" charset="0"/>
+                      </a:endParaRPr>
+                    </a:p>
+                  </a:txBody>
+                  <a:tcPr marL="503" marR="503" marT="503" marB="0" anchor="b"/>
+                </a:tc>
+                <a:tc>
+                  <a:txBody>
+                    <a:bodyPr/>
+                    <a:lstStyle/>
+                    <a:p>
+                      <a:pPr algn="r" fontAlgn="b"/>
+                      <a:r>
+                        <a:rPr lang="en-US" sz="2000" u="none" strike="noStrike" dirty="0">
+                          <a:effectLst/>
+                        </a:rPr>
+                        <a:t>10</a:t>
+                      </a:r>
+                      <a:endParaRPr lang="en-US" sz="2000" b="0" i="0" u="none" strike="noStrike" dirty="0">
+                        <a:solidFill>
+                          <a:srgbClr val="000000"/>
+                        </a:solidFill>
+                        <a:effectLst/>
+                        <a:latin typeface="Calibri" panose="020F0502020204030204" pitchFamily="34" charset="0"/>
+                      </a:endParaRPr>
+                    </a:p>
+                  </a:txBody>
+                  <a:tcPr marL="503" marR="503" marT="503" marB="0" anchor="b"/>
+                </a:tc>
+                <a:extLst>
+                  <a:ext uri="{0D108BD9-81ED-4DB2-BD59-A6C34878D82A}">
+                    <a16:rowId xmlns:a16="http://schemas.microsoft.com/office/drawing/2014/main" val="659522868"/>
+                  </a:ext>
+                </a:extLst>
+              </a:tr>
+              <a:tr h="1108523">
+                <a:tc>
+                  <a:txBody>
+                    <a:bodyPr/>
+                    <a:lstStyle/>
+                    <a:p>
+                      <a:pPr algn="l" fontAlgn="b"/>
+                      <a:r>
+                        <a:rPr lang="en-US" sz="2000" u="none" strike="noStrike">
+                          <a:effectLst/>
+                        </a:rPr>
+                        <a:t>GO:0071383</a:t>
+                      </a:r>
+                      <a:endParaRPr lang="en-US" sz="2000" b="0" i="0" u="none" strike="noStrike">
+                        <a:solidFill>
+                          <a:srgbClr val="000000"/>
+                        </a:solidFill>
+                        <a:effectLst/>
+                        <a:latin typeface="Calibri" panose="020F0502020204030204" pitchFamily="34" charset="0"/>
+                      </a:endParaRPr>
+                    </a:p>
+                  </a:txBody>
+                  <a:tcPr marL="503" marR="503" marT="503" marB="0" anchor="b"/>
+                </a:tc>
+                <a:tc>
+                  <a:txBody>
+                    <a:bodyPr/>
+                    <a:lstStyle/>
+                    <a:p>
+                      <a:pPr algn="l" fontAlgn="b"/>
+                      <a:r>
+                        <a:rPr lang="en-US" sz="2000" u="none" strike="noStrike">
+                          <a:effectLst/>
+                        </a:rPr>
+                        <a:t>cellular response to steroid hormone stimulus</a:t>
+                      </a:r>
+                      <a:endParaRPr lang="en-US" sz="2000" b="0" i="0" u="none" strike="noStrike">
+                        <a:solidFill>
+                          <a:srgbClr val="000000"/>
+                        </a:solidFill>
+                        <a:effectLst/>
+                        <a:latin typeface="Calibri" panose="020F0502020204030204" pitchFamily="34" charset="0"/>
+                      </a:endParaRPr>
+                    </a:p>
+                  </a:txBody>
+                  <a:tcPr marL="503" marR="503" marT="503" marB="0" anchor="b"/>
+                </a:tc>
+                <a:tc>
+                  <a:txBody>
+                    <a:bodyPr/>
+                    <a:lstStyle/>
+                    <a:p>
+                      <a:pPr algn="r" fontAlgn="b"/>
+                      <a:r>
+                        <a:rPr lang="en-US" sz="2000" u="none" strike="noStrike">
+                          <a:effectLst/>
+                        </a:rPr>
+                        <a:t>0.000104</a:t>
+                      </a:r>
+                      <a:endParaRPr lang="en-US" sz="2000" b="0" i="0" u="none" strike="noStrike">
+                        <a:solidFill>
+                          <a:srgbClr val="000000"/>
+                        </a:solidFill>
+                        <a:effectLst/>
+                        <a:latin typeface="Calibri" panose="020F0502020204030204" pitchFamily="34" charset="0"/>
+                      </a:endParaRPr>
+                    </a:p>
+                  </a:txBody>
+                  <a:tcPr marL="503" marR="503" marT="503" marB="0" anchor="b"/>
+                </a:tc>
+                <a:tc>
+                  <a:txBody>
+                    <a:bodyPr/>
+                    <a:lstStyle/>
+                    <a:p>
+                      <a:pPr algn="r" fontAlgn="b"/>
+                      <a:r>
+                        <a:rPr lang="en-US" sz="2000" u="none" strike="noStrike">
+                          <a:effectLst/>
+                        </a:rPr>
+                        <a:t>0.015726</a:t>
+                      </a:r>
+                      <a:endParaRPr lang="en-US" sz="2000" b="0" i="0" u="none" strike="noStrike">
+                        <a:solidFill>
+                          <a:srgbClr val="000000"/>
+                        </a:solidFill>
+                        <a:effectLst/>
+                        <a:latin typeface="Calibri" panose="020F0502020204030204" pitchFamily="34" charset="0"/>
+                      </a:endParaRPr>
+                    </a:p>
+                  </a:txBody>
+                  <a:tcPr marL="503" marR="503" marT="503" marB="0" anchor="b"/>
+                </a:tc>
+                <a:tc>
+                  <a:txBody>
+                    <a:bodyPr/>
+                    <a:lstStyle/>
+                    <a:p>
+                      <a:pPr algn="r" fontAlgn="b"/>
+                      <a:r>
+                        <a:rPr lang="en-US" sz="2000" u="none" strike="noStrike">
+                          <a:effectLst/>
+                        </a:rPr>
+                        <a:t>0.013194</a:t>
+                      </a:r>
+                      <a:endParaRPr lang="en-US" sz="2000" b="0" i="0" u="none" strike="noStrike">
+                        <a:solidFill>
+                          <a:srgbClr val="000000"/>
+                        </a:solidFill>
+                        <a:effectLst/>
+                        <a:latin typeface="Calibri" panose="020F0502020204030204" pitchFamily="34" charset="0"/>
+                      </a:endParaRPr>
+                    </a:p>
+                  </a:txBody>
+                  <a:tcPr marL="503" marR="503" marT="503" marB="0" anchor="b"/>
+                </a:tc>
+                <a:tc>
+                  <a:txBody>
+                    <a:bodyPr/>
+                    <a:lstStyle/>
+                    <a:p>
+                      <a:pPr algn="r" fontAlgn="b"/>
+                      <a:r>
+                        <a:rPr lang="en-US" sz="2000" u="none" strike="noStrike" dirty="0">
+                          <a:effectLst/>
+                        </a:rPr>
+                        <a:t>12</a:t>
+                      </a:r>
+                      <a:endParaRPr lang="en-US" sz="2000" b="0" i="0" u="none" strike="noStrike" dirty="0">
+                        <a:solidFill>
+                          <a:srgbClr val="000000"/>
+                        </a:solidFill>
+                        <a:effectLst/>
+                        <a:latin typeface="Calibri" panose="020F0502020204030204" pitchFamily="34" charset="0"/>
+                      </a:endParaRPr>
+                    </a:p>
+                  </a:txBody>
+                  <a:tcPr marL="503" marR="503" marT="503" marB="0" anchor="b"/>
+                </a:tc>
+                <a:extLst>
+                  <a:ext uri="{0D108BD9-81ED-4DB2-BD59-A6C34878D82A}">
+                    <a16:rowId xmlns:a16="http://schemas.microsoft.com/office/drawing/2014/main" val="3468454745"/>
+                  </a:ext>
+                </a:extLst>
+              </a:tr>
+              <a:tr h="839573">
+                <a:tc>
+                  <a:txBody>
+                    <a:bodyPr/>
+                    <a:lstStyle/>
+                    <a:p>
+                      <a:pPr algn="l" fontAlgn="b"/>
+                      <a:r>
+                        <a:rPr lang="en-US" sz="2000" u="none" strike="noStrike" dirty="0">
+                          <a:effectLst/>
+                        </a:rPr>
+                        <a:t>GO:0032496</a:t>
+                      </a:r>
+                      <a:endParaRPr lang="en-US" sz="2000" b="0" i="0" u="none" strike="noStrike" dirty="0">
+                        <a:solidFill>
+                          <a:srgbClr val="000000"/>
+                        </a:solidFill>
+                        <a:effectLst/>
+                        <a:latin typeface="Calibri" panose="020F0502020204030204" pitchFamily="34" charset="0"/>
+                      </a:endParaRPr>
+                    </a:p>
+                  </a:txBody>
+                  <a:tcPr marL="503" marR="503" marT="503" marB="0" anchor="b"/>
+                </a:tc>
+                <a:tc>
+                  <a:txBody>
+                    <a:bodyPr/>
+                    <a:lstStyle/>
+                    <a:p>
+                      <a:pPr algn="l" fontAlgn="b"/>
+                      <a:r>
+                        <a:rPr lang="en-US" sz="2000" b="1" u="none" strike="noStrike" dirty="0">
+                          <a:effectLst/>
+                        </a:rPr>
+                        <a:t>response to lipopolysaccharide</a:t>
+                      </a:r>
+                      <a:endParaRPr lang="en-US" sz="2000" b="1" i="0" u="none" strike="noStrike" dirty="0">
+                        <a:solidFill>
+                          <a:srgbClr val="000000"/>
+                        </a:solidFill>
+                        <a:effectLst/>
+                        <a:latin typeface="Calibri" panose="020F0502020204030204" pitchFamily="34" charset="0"/>
+                      </a:endParaRPr>
+                    </a:p>
+                  </a:txBody>
+                  <a:tcPr marL="503" marR="503" marT="503" marB="0" anchor="b"/>
+                </a:tc>
+                <a:tc>
+                  <a:txBody>
+                    <a:bodyPr/>
+                    <a:lstStyle/>
+                    <a:p>
+                      <a:pPr algn="r" fontAlgn="b"/>
+                      <a:r>
+                        <a:rPr lang="en-US" sz="2000" u="none" strike="noStrike" dirty="0">
+                          <a:effectLst/>
+                        </a:rPr>
+                        <a:t>0.00046</a:t>
+                      </a:r>
+                      <a:endParaRPr lang="en-US" sz="2000" b="0" i="0" u="none" strike="noStrike" dirty="0">
+                        <a:solidFill>
+                          <a:srgbClr val="000000"/>
+                        </a:solidFill>
+                        <a:effectLst/>
+                        <a:latin typeface="Calibri" panose="020F0502020204030204" pitchFamily="34" charset="0"/>
+                      </a:endParaRPr>
+                    </a:p>
+                  </a:txBody>
+                  <a:tcPr marL="503" marR="503" marT="503" marB="0" anchor="b"/>
+                </a:tc>
+                <a:tc>
+                  <a:txBody>
+                    <a:bodyPr/>
+                    <a:lstStyle/>
+                    <a:p>
+                      <a:pPr algn="r" fontAlgn="b"/>
+                      <a:r>
+                        <a:rPr lang="en-US" sz="2000" u="none" strike="noStrike" dirty="0">
+                          <a:effectLst/>
+                        </a:rPr>
+                        <a:t>0.025192</a:t>
+                      </a:r>
+                      <a:endParaRPr lang="en-US" sz="2000" b="0" i="0" u="none" strike="noStrike" dirty="0">
+                        <a:solidFill>
+                          <a:srgbClr val="000000"/>
+                        </a:solidFill>
+                        <a:effectLst/>
+                        <a:latin typeface="Calibri" panose="020F0502020204030204" pitchFamily="34" charset="0"/>
+                      </a:endParaRPr>
+                    </a:p>
+                  </a:txBody>
+                  <a:tcPr marL="503" marR="503" marT="503" marB="0" anchor="b"/>
+                </a:tc>
+                <a:tc>
+                  <a:txBody>
+                    <a:bodyPr/>
+                    <a:lstStyle/>
+                    <a:p>
+                      <a:pPr algn="r" fontAlgn="b"/>
+                      <a:r>
+                        <a:rPr lang="en-US" sz="2000" u="none" strike="noStrike">
+                          <a:effectLst/>
+                        </a:rPr>
+                        <a:t>0.021136</a:t>
+                      </a:r>
+                      <a:endParaRPr lang="en-US" sz="2000" b="0" i="0" u="none" strike="noStrike">
+                        <a:solidFill>
+                          <a:srgbClr val="000000"/>
+                        </a:solidFill>
+                        <a:effectLst/>
+                        <a:latin typeface="Calibri" panose="020F0502020204030204" pitchFamily="34" charset="0"/>
+                      </a:endParaRPr>
+                    </a:p>
+                  </a:txBody>
+                  <a:tcPr marL="503" marR="503" marT="503" marB="0" anchor="b"/>
+                </a:tc>
+                <a:tc>
+                  <a:txBody>
+                    <a:bodyPr/>
+                    <a:lstStyle/>
+                    <a:p>
+                      <a:pPr algn="r" fontAlgn="b"/>
+                      <a:r>
+                        <a:rPr lang="en-US" sz="2000" u="none" strike="noStrike" dirty="0">
+                          <a:effectLst/>
+                        </a:rPr>
+                        <a:t>14</a:t>
+                      </a:r>
+                      <a:endParaRPr lang="en-US" sz="2000" b="0" i="0" u="none" strike="noStrike" dirty="0">
+                        <a:solidFill>
+                          <a:srgbClr val="000000"/>
+                        </a:solidFill>
+                        <a:effectLst/>
+                        <a:latin typeface="Calibri" panose="020F0502020204030204" pitchFamily="34" charset="0"/>
+                      </a:endParaRPr>
+                    </a:p>
+                  </a:txBody>
+                  <a:tcPr marL="503" marR="503" marT="503" marB="0" anchor="b"/>
+                </a:tc>
+                <a:extLst>
+                  <a:ext uri="{0D108BD9-81ED-4DB2-BD59-A6C34878D82A}">
+                    <a16:rowId xmlns:a16="http://schemas.microsoft.com/office/drawing/2014/main" val="1143616922"/>
+                  </a:ext>
+                </a:extLst>
+              </a:tr>
+            </a:tbl>
+          </a:graphicData>
+        </a:graphic>
+      </p:graphicFrame>
+    </p:spTree>
+    <p:extLst>
+      <p:ext uri="{BB962C8B-B14F-4D97-AF65-F5344CB8AC3E}">
+        <p14:creationId xmlns:p14="http://schemas.microsoft.com/office/powerpoint/2010/main" val="377471171"/>
+      </p:ext>
+    </p:extLst>
+  </p:cSld>
+  <p:clrMapOvr>
+    <a:masterClrMapping/>
+  </p:clrMapOvr>
+</p:sld>
+</file>
+
+<file path=ppt/slides/slide16.xml><?xml version="1.0" encoding="utf-8"?>
+<p:sld xmlns:a="http://schemas.openxmlformats.org/drawingml/2006/main" xmlns:r="http://schemas.openxmlformats.org/officeDocument/2006/relationships" xmlns:p="http://schemas.openxmlformats.org/presentationml/2006/main">
+  <p:cSld>
+    <p:spTree>
+      <p:nvGrpSpPr>
+        <p:cNvPr id="1" name=""/>
+        <p:cNvGrpSpPr/>
+        <p:nvPr/>
+      </p:nvGrpSpPr>
+      <p:grpSpPr>
+        <a:xfrm>
+          <a:off x="0" y="0"/>
+          <a:ext cx="0" cy="0"/>
+          <a:chOff x="0" y="0"/>
+          <a:chExt cx="0" cy="0"/>
+        </a:xfrm>
+      </p:grpSpPr>
+      <p:sp>
+        <p:nvSpPr>
+          <p:cNvPr id="2" name="Title 1">
+            <a:extLst>
+              <a:ext uri="{FF2B5EF4-FFF2-40B4-BE49-F238E27FC236}">
+                <a16:creationId xmlns:a16="http://schemas.microsoft.com/office/drawing/2014/main" id="{EDD06A74-42D9-4A21-A887-036B5B658AB8}"/>
+              </a:ext>
+            </a:extLst>
+          </p:cNvPr>
+          <p:cNvSpPr>
+            <a:spLocks noGrp="1"/>
+          </p:cNvSpPr>
+          <p:nvPr>
+            <p:ph type="title"/>
+          </p:nvPr>
+        </p:nvSpPr>
+        <p:spPr/>
+        <p:txBody>
+          <a:bodyPr/>
+          <a:lstStyle/>
+          <a:p>
+            <a:r>
+              <a:rPr lang="en-US" b="1" dirty="0"/>
+              <a:t>Subset</a:t>
+            </a:r>
+            <a:r>
+              <a:rPr lang="en-US" dirty="0"/>
+              <a:t> of GO Biological Processes Results (LA)</a:t>
+            </a:r>
+          </a:p>
+        </p:txBody>
+      </p:sp>
+      <p:graphicFrame>
+        <p:nvGraphicFramePr>
+          <p:cNvPr id="4" name="Content Placeholder 3">
+            <a:extLst>
+              <a:ext uri="{FF2B5EF4-FFF2-40B4-BE49-F238E27FC236}">
+                <a16:creationId xmlns:a16="http://schemas.microsoft.com/office/drawing/2014/main" id="{9AF7FB56-07C1-4268-A70B-FACE7BA95901}"/>
+              </a:ext>
+            </a:extLst>
+          </p:cNvPr>
+          <p:cNvGraphicFramePr>
+            <a:graphicFrameLocks noGrp="1"/>
+          </p:cNvGraphicFramePr>
+          <p:nvPr>
+            <p:ph idx="1"/>
+          </p:nvPr>
+        </p:nvGraphicFramePr>
+        <p:xfrm>
+          <a:off x="227859" y="2210540"/>
+          <a:ext cx="11736282" cy="4398448"/>
+        </p:xfrm>
+        <a:graphic>
+          <a:graphicData uri="http://schemas.openxmlformats.org/drawingml/2006/table">
+            <a:tbl>
+              <a:tblPr firstRow="1">
+                <a:tableStyleId>{5C22544A-7EE6-4342-B048-85BDC9FD1C3A}</a:tableStyleId>
+              </a:tblPr>
+              <a:tblGrid>
+                <a:gridCol w="1956047">
+                  <a:extLst>
+                    <a:ext uri="{9D8B030D-6E8A-4147-A177-3AD203B41FA5}">
+                      <a16:colId xmlns:a16="http://schemas.microsoft.com/office/drawing/2014/main" val="1004275978"/>
+                    </a:ext>
+                  </a:extLst>
+                </a:gridCol>
+                <a:gridCol w="1956047">
+                  <a:extLst>
+                    <a:ext uri="{9D8B030D-6E8A-4147-A177-3AD203B41FA5}">
+                      <a16:colId xmlns:a16="http://schemas.microsoft.com/office/drawing/2014/main" val="2291299790"/>
+                    </a:ext>
+                  </a:extLst>
+                </a:gridCol>
+                <a:gridCol w="1956047">
+                  <a:extLst>
+                    <a:ext uri="{9D8B030D-6E8A-4147-A177-3AD203B41FA5}">
+                      <a16:colId xmlns:a16="http://schemas.microsoft.com/office/drawing/2014/main" val="3961962579"/>
+                    </a:ext>
+                  </a:extLst>
+                </a:gridCol>
+                <a:gridCol w="1956047">
+                  <a:extLst>
+                    <a:ext uri="{9D8B030D-6E8A-4147-A177-3AD203B41FA5}">
+                      <a16:colId xmlns:a16="http://schemas.microsoft.com/office/drawing/2014/main" val="430113429"/>
+                    </a:ext>
+                  </a:extLst>
+                </a:gridCol>
+                <a:gridCol w="1956047">
+                  <a:extLst>
+                    <a:ext uri="{9D8B030D-6E8A-4147-A177-3AD203B41FA5}">
+                      <a16:colId xmlns:a16="http://schemas.microsoft.com/office/drawing/2014/main" val="2580081020"/>
+                    </a:ext>
+                  </a:extLst>
+                </a:gridCol>
+                <a:gridCol w="1956047">
+                  <a:extLst>
+                    <a:ext uri="{9D8B030D-6E8A-4147-A177-3AD203B41FA5}">
+                      <a16:colId xmlns:a16="http://schemas.microsoft.com/office/drawing/2014/main" val="1686616292"/>
+                    </a:ext>
+                  </a:extLst>
+                </a:gridCol>
+              </a:tblGrid>
+              <a:tr h="417250">
+                <a:tc>
+                  <a:txBody>
+                    <a:bodyPr/>
+                    <a:lstStyle/>
+                    <a:p>
+                      <a:pPr algn="l" fontAlgn="b"/>
+                      <a:r>
+                        <a:rPr lang="en-US" sz="1600" b="1" i="0" u="none" strike="noStrike" dirty="0">
+                          <a:solidFill>
+                            <a:schemeClr val="bg1"/>
+                          </a:solidFill>
+                          <a:effectLst/>
+                          <a:latin typeface="Calibri" panose="020F0502020204030204" pitchFamily="34" charset="0"/>
+                        </a:rPr>
+                        <a:t>ID</a:t>
+                      </a:r>
+                    </a:p>
+                  </a:txBody>
+                  <a:tcPr marL="7620" marR="7620" marT="7620" marB="0" anchor="b"/>
+                </a:tc>
+                <a:tc>
+                  <a:txBody>
+                    <a:bodyPr/>
+                    <a:lstStyle/>
+                    <a:p>
+                      <a:pPr algn="l" fontAlgn="b"/>
+                      <a:r>
+                        <a:rPr lang="en-US" sz="1600" b="1" i="0" u="none" strike="noStrike">
+                          <a:solidFill>
+                            <a:schemeClr val="bg1"/>
+                          </a:solidFill>
+                          <a:effectLst/>
+                          <a:latin typeface="Calibri" panose="020F0502020204030204" pitchFamily="34" charset="0"/>
+                        </a:rPr>
+                        <a:t>Description</a:t>
+                      </a:r>
+                    </a:p>
+                  </a:txBody>
+                  <a:tcPr marL="7620" marR="7620" marT="7620" marB="0" anchor="b"/>
+                </a:tc>
+                <a:tc>
+                  <a:txBody>
+                    <a:bodyPr/>
+                    <a:lstStyle/>
+                    <a:p>
+                      <a:pPr algn="l" fontAlgn="b"/>
+                      <a:r>
+                        <a:rPr lang="en-US" sz="1600" b="1" i="0" u="none" strike="noStrike">
+                          <a:solidFill>
+                            <a:schemeClr val="bg1"/>
+                          </a:solidFill>
+                          <a:effectLst/>
+                          <a:latin typeface="Calibri" panose="020F0502020204030204" pitchFamily="34" charset="0"/>
+                        </a:rPr>
+                        <a:t>pvalue</a:t>
+                      </a:r>
+                    </a:p>
+                  </a:txBody>
+                  <a:tcPr marL="7620" marR="7620" marT="7620" marB="0" anchor="b"/>
+                </a:tc>
+                <a:tc>
+                  <a:txBody>
+                    <a:bodyPr/>
+                    <a:lstStyle/>
+                    <a:p>
+                      <a:pPr algn="l" fontAlgn="b"/>
+                      <a:r>
+                        <a:rPr lang="en-US" sz="1600" b="1" i="0" u="none" strike="noStrike" dirty="0" err="1">
+                          <a:solidFill>
+                            <a:schemeClr val="bg1"/>
+                          </a:solidFill>
+                          <a:effectLst/>
+                          <a:latin typeface="Calibri" panose="020F0502020204030204" pitchFamily="34" charset="0"/>
+                        </a:rPr>
+                        <a:t>p.adjust</a:t>
+                      </a:r>
+                      <a:endParaRPr lang="en-US" sz="1600" b="1" i="0" u="none" strike="noStrike" dirty="0">
+                        <a:solidFill>
+                          <a:schemeClr val="bg1"/>
+                        </a:solidFill>
+                        <a:effectLst/>
+                        <a:latin typeface="Calibri" panose="020F0502020204030204" pitchFamily="34" charset="0"/>
+                      </a:endParaRPr>
+                    </a:p>
+                  </a:txBody>
+                  <a:tcPr marL="7620" marR="7620" marT="7620" marB="0" anchor="b"/>
+                </a:tc>
+                <a:tc>
+                  <a:txBody>
+                    <a:bodyPr/>
+                    <a:lstStyle/>
+                    <a:p>
+                      <a:pPr algn="l" fontAlgn="b"/>
+                      <a:r>
+                        <a:rPr lang="en-US" sz="1600" b="1" i="0" u="none" strike="noStrike">
+                          <a:solidFill>
+                            <a:schemeClr val="bg1"/>
+                          </a:solidFill>
+                          <a:effectLst/>
+                          <a:latin typeface="Calibri" panose="020F0502020204030204" pitchFamily="34" charset="0"/>
+                        </a:rPr>
+                        <a:t>qvalue</a:t>
+                      </a:r>
+                    </a:p>
+                  </a:txBody>
+                  <a:tcPr marL="7620" marR="7620" marT="7620" marB="0" anchor="b"/>
+                </a:tc>
+                <a:tc>
+                  <a:txBody>
+                    <a:bodyPr/>
+                    <a:lstStyle/>
+                    <a:p>
+                      <a:pPr algn="l" fontAlgn="b"/>
+                      <a:r>
+                        <a:rPr lang="en-US" sz="1600" b="1" i="0" u="none" strike="noStrike" dirty="0">
+                          <a:solidFill>
+                            <a:schemeClr val="bg1"/>
+                          </a:solidFill>
+                          <a:effectLst/>
+                          <a:latin typeface="Calibri" panose="020F0502020204030204" pitchFamily="34" charset="0"/>
+                        </a:rPr>
+                        <a:t>Count</a:t>
+                      </a:r>
+                    </a:p>
+                  </a:txBody>
+                  <a:tcPr marL="7620" marR="7620" marT="7620" marB="0" anchor="b"/>
+                </a:tc>
+                <a:extLst>
+                  <a:ext uri="{0D108BD9-81ED-4DB2-BD59-A6C34878D82A}">
+                    <a16:rowId xmlns:a16="http://schemas.microsoft.com/office/drawing/2014/main" val="1276705824"/>
+                  </a:ext>
+                </a:extLst>
+              </a:tr>
+              <a:tr h="989404">
+                <a:tc>
+                  <a:txBody>
+                    <a:bodyPr/>
+                    <a:lstStyle/>
+                    <a:p>
+                      <a:pPr algn="l" fontAlgn="b"/>
+                      <a:r>
+                        <a:rPr lang="en-US" sz="1600" u="none" strike="noStrike">
+                          <a:effectLst/>
+                        </a:rPr>
+                        <a:t>GO:0014074</a:t>
+                      </a:r>
+                      <a:endParaRPr lang="en-US" sz="1600" b="0" i="0" u="none" strike="noStrike">
+                        <a:solidFill>
+                          <a:srgbClr val="000000"/>
+                        </a:solidFill>
+                        <a:effectLst/>
+                        <a:latin typeface="Calibri" panose="020F0502020204030204" pitchFamily="34" charset="0"/>
+                      </a:endParaRPr>
+                    </a:p>
+                  </a:txBody>
+                  <a:tcPr marL="3512" marR="3512" marT="3512" marB="0" anchor="b"/>
+                </a:tc>
+                <a:tc>
+                  <a:txBody>
+                    <a:bodyPr/>
+                    <a:lstStyle/>
+                    <a:p>
+                      <a:pPr algn="l" fontAlgn="b"/>
+                      <a:r>
+                        <a:rPr lang="en-US" sz="1600" u="none" strike="noStrike">
+                          <a:effectLst/>
+                        </a:rPr>
+                        <a:t>response to purine-containing compound</a:t>
+                      </a:r>
+                      <a:endParaRPr lang="en-US" sz="1600" b="0" i="0" u="none" strike="noStrike">
+                        <a:solidFill>
+                          <a:srgbClr val="000000"/>
+                        </a:solidFill>
+                        <a:effectLst/>
+                        <a:latin typeface="Calibri" panose="020F0502020204030204" pitchFamily="34" charset="0"/>
+                      </a:endParaRPr>
+                    </a:p>
+                  </a:txBody>
+                  <a:tcPr marL="3512" marR="3512" marT="3512" marB="0" anchor="b"/>
+                </a:tc>
+                <a:tc>
+                  <a:txBody>
+                    <a:bodyPr/>
+                    <a:lstStyle/>
+                    <a:p>
+                      <a:pPr algn="r" fontAlgn="b"/>
+                      <a:r>
+                        <a:rPr lang="en-US" sz="1600" u="none" strike="noStrike">
+                          <a:effectLst/>
+                        </a:rPr>
+                        <a:t>3.89E-06</a:t>
+                      </a:r>
+                      <a:endParaRPr lang="en-US" sz="1600" b="0" i="0" u="none" strike="noStrike">
+                        <a:solidFill>
+                          <a:srgbClr val="000000"/>
+                        </a:solidFill>
+                        <a:effectLst/>
+                        <a:latin typeface="Calibri" panose="020F0502020204030204" pitchFamily="34" charset="0"/>
+                      </a:endParaRPr>
+                    </a:p>
+                  </a:txBody>
+                  <a:tcPr marL="3512" marR="3512" marT="3512" marB="0" anchor="b"/>
+                </a:tc>
+                <a:tc>
+                  <a:txBody>
+                    <a:bodyPr/>
+                    <a:lstStyle/>
+                    <a:p>
+                      <a:pPr algn="r" fontAlgn="b"/>
+                      <a:r>
+                        <a:rPr lang="en-US" sz="1600" u="none" strike="noStrike" dirty="0">
+                          <a:effectLst/>
+                        </a:rPr>
+                        <a:t>0.016113</a:t>
+                      </a:r>
+                      <a:endParaRPr lang="en-US" sz="1600" b="0" i="0" u="none" strike="noStrike" dirty="0">
+                        <a:solidFill>
+                          <a:srgbClr val="000000"/>
+                        </a:solidFill>
+                        <a:effectLst/>
+                        <a:latin typeface="Calibri" panose="020F0502020204030204" pitchFamily="34" charset="0"/>
+                      </a:endParaRPr>
+                    </a:p>
+                  </a:txBody>
+                  <a:tcPr marL="3512" marR="3512" marT="3512" marB="0" anchor="b"/>
+                </a:tc>
+                <a:tc>
+                  <a:txBody>
+                    <a:bodyPr/>
+                    <a:lstStyle/>
+                    <a:p>
+                      <a:pPr algn="r" fontAlgn="b"/>
+                      <a:r>
+                        <a:rPr lang="en-US" sz="1600" u="none" strike="noStrike">
+                          <a:effectLst/>
+                        </a:rPr>
+                        <a:t>0.015463</a:t>
+                      </a:r>
+                      <a:endParaRPr lang="en-US" sz="1600" b="0" i="0" u="none" strike="noStrike">
+                        <a:solidFill>
+                          <a:srgbClr val="000000"/>
+                        </a:solidFill>
+                        <a:effectLst/>
+                        <a:latin typeface="Calibri" panose="020F0502020204030204" pitchFamily="34" charset="0"/>
+                      </a:endParaRPr>
+                    </a:p>
+                  </a:txBody>
+                  <a:tcPr marL="3512" marR="3512" marT="3512" marB="0" anchor="b"/>
+                </a:tc>
+                <a:tc>
+                  <a:txBody>
+                    <a:bodyPr/>
+                    <a:lstStyle/>
+                    <a:p>
+                      <a:pPr algn="r" fontAlgn="b"/>
+                      <a:r>
+                        <a:rPr lang="en-US" sz="1600" u="none" strike="noStrike" dirty="0">
+                          <a:effectLst/>
+                        </a:rPr>
+                        <a:t>21</a:t>
+                      </a:r>
+                      <a:endParaRPr lang="en-US" sz="1600" b="0" i="0" u="none" strike="noStrike" dirty="0">
+                        <a:solidFill>
+                          <a:srgbClr val="000000"/>
+                        </a:solidFill>
+                        <a:effectLst/>
+                        <a:latin typeface="Calibri" panose="020F0502020204030204" pitchFamily="34" charset="0"/>
+                      </a:endParaRPr>
+                    </a:p>
+                  </a:txBody>
+                  <a:tcPr marL="3512" marR="3512" marT="3512" marB="0" anchor="b"/>
+                </a:tc>
+                <a:extLst>
+                  <a:ext uri="{0D108BD9-81ED-4DB2-BD59-A6C34878D82A}">
+                    <a16:rowId xmlns:a16="http://schemas.microsoft.com/office/drawing/2014/main" val="130640309"/>
+                  </a:ext>
+                </a:extLst>
+              </a:tr>
+              <a:tr h="447832">
+                <a:tc>
+                  <a:txBody>
+                    <a:bodyPr/>
+                    <a:lstStyle/>
+                    <a:p>
+                      <a:pPr algn="l" fontAlgn="b"/>
+                      <a:r>
+                        <a:rPr lang="en-US" sz="1600" u="none" strike="noStrike" dirty="0">
+                          <a:effectLst/>
+                        </a:rPr>
+                        <a:t>GO:0072012</a:t>
+                      </a:r>
+                      <a:endParaRPr lang="en-US" sz="1600" b="0" i="0" u="none" strike="noStrike" dirty="0">
+                        <a:solidFill>
+                          <a:srgbClr val="000000"/>
+                        </a:solidFill>
+                        <a:effectLst/>
+                        <a:latin typeface="Calibri" panose="020F0502020204030204" pitchFamily="34" charset="0"/>
+                      </a:endParaRPr>
+                    </a:p>
+                  </a:txBody>
+                  <a:tcPr marL="3512" marR="3512" marT="3512" marB="0" anchor="b"/>
+                </a:tc>
+                <a:tc>
+                  <a:txBody>
+                    <a:bodyPr/>
+                    <a:lstStyle/>
+                    <a:p>
+                      <a:pPr algn="l" fontAlgn="b"/>
+                      <a:r>
+                        <a:rPr lang="en-US" sz="1600" u="none" strike="noStrike" dirty="0">
+                          <a:effectLst/>
+                        </a:rPr>
+                        <a:t>glomerulus vasculature development</a:t>
+                      </a:r>
+                      <a:endParaRPr lang="en-US" sz="1600" b="0" i="0" u="none" strike="noStrike" dirty="0">
+                        <a:solidFill>
+                          <a:srgbClr val="000000"/>
+                        </a:solidFill>
+                        <a:effectLst/>
+                        <a:latin typeface="Calibri" panose="020F0502020204030204" pitchFamily="34" charset="0"/>
+                      </a:endParaRPr>
+                    </a:p>
+                  </a:txBody>
+                  <a:tcPr marL="3512" marR="3512" marT="3512" marB="0" anchor="b"/>
+                </a:tc>
+                <a:tc>
+                  <a:txBody>
+                    <a:bodyPr/>
+                    <a:lstStyle/>
+                    <a:p>
+                      <a:pPr algn="r" fontAlgn="b"/>
+                      <a:r>
+                        <a:rPr lang="en-US" sz="1600" u="none" strike="noStrike">
+                          <a:effectLst/>
+                        </a:rPr>
+                        <a:t>1.73E-05</a:t>
+                      </a:r>
+                      <a:endParaRPr lang="en-US" sz="1600" b="0" i="0" u="none" strike="noStrike">
+                        <a:solidFill>
+                          <a:srgbClr val="000000"/>
+                        </a:solidFill>
+                        <a:effectLst/>
+                        <a:latin typeface="Calibri" panose="020F0502020204030204" pitchFamily="34" charset="0"/>
+                      </a:endParaRPr>
+                    </a:p>
+                  </a:txBody>
+                  <a:tcPr marL="3512" marR="3512" marT="3512" marB="0" anchor="b"/>
+                </a:tc>
+                <a:tc>
+                  <a:txBody>
+                    <a:bodyPr/>
+                    <a:lstStyle/>
+                    <a:p>
+                      <a:pPr algn="r" fontAlgn="b"/>
+                      <a:r>
+                        <a:rPr lang="en-US" sz="1600" u="none" strike="noStrike">
+                          <a:effectLst/>
+                        </a:rPr>
+                        <a:t>0.019119</a:t>
+                      </a:r>
+                      <a:endParaRPr lang="en-US" sz="1600" b="0" i="0" u="none" strike="noStrike">
+                        <a:solidFill>
+                          <a:srgbClr val="000000"/>
+                        </a:solidFill>
+                        <a:effectLst/>
+                        <a:latin typeface="Calibri" panose="020F0502020204030204" pitchFamily="34" charset="0"/>
+                      </a:endParaRPr>
+                    </a:p>
+                  </a:txBody>
+                  <a:tcPr marL="3512" marR="3512" marT="3512" marB="0" anchor="b"/>
+                </a:tc>
+                <a:tc>
+                  <a:txBody>
+                    <a:bodyPr/>
+                    <a:lstStyle/>
+                    <a:p>
+                      <a:pPr algn="r" fontAlgn="b"/>
+                      <a:r>
+                        <a:rPr lang="en-US" sz="1600" u="none" strike="noStrike">
+                          <a:effectLst/>
+                        </a:rPr>
+                        <a:t>0.018348</a:t>
+                      </a:r>
+                      <a:endParaRPr lang="en-US" sz="1600" b="0" i="0" u="none" strike="noStrike">
+                        <a:solidFill>
+                          <a:srgbClr val="000000"/>
+                        </a:solidFill>
+                        <a:effectLst/>
+                        <a:latin typeface="Calibri" panose="020F0502020204030204" pitchFamily="34" charset="0"/>
+                      </a:endParaRPr>
+                    </a:p>
+                  </a:txBody>
+                  <a:tcPr marL="3512" marR="3512" marT="3512" marB="0" anchor="b"/>
+                </a:tc>
+                <a:tc>
+                  <a:txBody>
+                    <a:bodyPr/>
+                    <a:lstStyle/>
+                    <a:p>
+                      <a:pPr algn="r" fontAlgn="b"/>
+                      <a:r>
+                        <a:rPr lang="en-US" sz="1600" u="none" strike="noStrike">
+                          <a:effectLst/>
+                        </a:rPr>
+                        <a:t>7</a:t>
+                      </a:r>
+                      <a:endParaRPr lang="en-US" sz="1600" b="0" i="0" u="none" strike="noStrike">
+                        <a:solidFill>
+                          <a:srgbClr val="000000"/>
+                        </a:solidFill>
+                        <a:effectLst/>
+                        <a:latin typeface="Calibri" panose="020F0502020204030204" pitchFamily="34" charset="0"/>
+                      </a:endParaRPr>
+                    </a:p>
+                  </a:txBody>
+                  <a:tcPr marL="3512" marR="3512" marT="3512" marB="0" anchor="b"/>
+                </a:tc>
+                <a:extLst>
+                  <a:ext uri="{0D108BD9-81ED-4DB2-BD59-A6C34878D82A}">
+                    <a16:rowId xmlns:a16="http://schemas.microsoft.com/office/drawing/2014/main" val="1951464789"/>
+                  </a:ext>
+                </a:extLst>
+              </a:tr>
+              <a:tr h="778075">
+                <a:tc>
+                  <a:txBody>
+                    <a:bodyPr/>
+                    <a:lstStyle/>
+                    <a:p>
+                      <a:pPr algn="l" fontAlgn="b"/>
+                      <a:r>
+                        <a:rPr lang="en-US" sz="1600" u="none" strike="noStrike">
+                          <a:effectLst/>
+                        </a:rPr>
+                        <a:t>GO:0046683</a:t>
+                      </a:r>
+                      <a:endParaRPr lang="en-US" sz="1600" b="0" i="0" u="none" strike="noStrike">
+                        <a:solidFill>
+                          <a:srgbClr val="000000"/>
+                        </a:solidFill>
+                        <a:effectLst/>
+                        <a:latin typeface="Calibri" panose="020F0502020204030204" pitchFamily="34" charset="0"/>
+                      </a:endParaRPr>
+                    </a:p>
+                  </a:txBody>
+                  <a:tcPr marL="3512" marR="3512" marT="3512" marB="0" anchor="b"/>
+                </a:tc>
+                <a:tc>
+                  <a:txBody>
+                    <a:bodyPr/>
+                    <a:lstStyle/>
+                    <a:p>
+                      <a:pPr algn="l" fontAlgn="b"/>
+                      <a:r>
+                        <a:rPr lang="en-US" sz="1600" b="1" u="none" strike="noStrike" dirty="0">
+                          <a:effectLst/>
+                        </a:rPr>
+                        <a:t>response to organophosphorus</a:t>
+                      </a:r>
+                      <a:endParaRPr lang="en-US" sz="1600" b="1" i="0" u="none" strike="noStrike" dirty="0">
+                        <a:solidFill>
+                          <a:srgbClr val="000000"/>
+                        </a:solidFill>
+                        <a:effectLst/>
+                        <a:latin typeface="Calibri" panose="020F0502020204030204" pitchFamily="34" charset="0"/>
+                      </a:endParaRPr>
+                    </a:p>
+                  </a:txBody>
+                  <a:tcPr marL="3512" marR="3512" marT="3512" marB="0" anchor="b"/>
+                </a:tc>
+                <a:tc>
+                  <a:txBody>
+                    <a:bodyPr/>
+                    <a:lstStyle/>
+                    <a:p>
+                      <a:pPr algn="r" fontAlgn="b"/>
+                      <a:r>
+                        <a:rPr lang="en-US" sz="1600" u="none" strike="noStrike">
+                          <a:effectLst/>
+                        </a:rPr>
+                        <a:t>1.9E-05</a:t>
+                      </a:r>
+                      <a:endParaRPr lang="en-US" sz="1600" b="0" i="0" u="none" strike="noStrike">
+                        <a:solidFill>
+                          <a:srgbClr val="000000"/>
+                        </a:solidFill>
+                        <a:effectLst/>
+                        <a:latin typeface="Calibri" panose="020F0502020204030204" pitchFamily="34" charset="0"/>
+                      </a:endParaRPr>
+                    </a:p>
+                  </a:txBody>
+                  <a:tcPr marL="3512" marR="3512" marT="3512" marB="0" anchor="b"/>
+                </a:tc>
+                <a:tc>
+                  <a:txBody>
+                    <a:bodyPr/>
+                    <a:lstStyle/>
+                    <a:p>
+                      <a:pPr algn="r" fontAlgn="b"/>
+                      <a:r>
+                        <a:rPr lang="en-US" sz="1600" u="none" strike="noStrike">
+                          <a:effectLst/>
+                        </a:rPr>
+                        <a:t>0.019119</a:t>
+                      </a:r>
+                      <a:endParaRPr lang="en-US" sz="1600" b="0" i="0" u="none" strike="noStrike">
+                        <a:solidFill>
+                          <a:srgbClr val="000000"/>
+                        </a:solidFill>
+                        <a:effectLst/>
+                        <a:latin typeface="Calibri" panose="020F0502020204030204" pitchFamily="34" charset="0"/>
+                      </a:endParaRPr>
+                    </a:p>
+                  </a:txBody>
+                  <a:tcPr marL="3512" marR="3512" marT="3512" marB="0" anchor="b"/>
+                </a:tc>
+                <a:tc>
+                  <a:txBody>
+                    <a:bodyPr/>
+                    <a:lstStyle/>
+                    <a:p>
+                      <a:pPr algn="r" fontAlgn="b"/>
+                      <a:r>
+                        <a:rPr lang="en-US" sz="1600" u="none" strike="noStrike">
+                          <a:effectLst/>
+                        </a:rPr>
+                        <a:t>0.018348</a:t>
+                      </a:r>
+                      <a:endParaRPr lang="en-US" sz="1600" b="0" i="0" u="none" strike="noStrike">
+                        <a:solidFill>
+                          <a:srgbClr val="000000"/>
+                        </a:solidFill>
+                        <a:effectLst/>
+                        <a:latin typeface="Calibri" panose="020F0502020204030204" pitchFamily="34" charset="0"/>
+                      </a:endParaRPr>
+                    </a:p>
+                  </a:txBody>
+                  <a:tcPr marL="3512" marR="3512" marT="3512" marB="0" anchor="b"/>
+                </a:tc>
+                <a:tc>
+                  <a:txBody>
+                    <a:bodyPr/>
+                    <a:lstStyle/>
+                    <a:p>
+                      <a:pPr algn="r" fontAlgn="b"/>
+                      <a:r>
+                        <a:rPr lang="en-US" sz="1600" u="none" strike="noStrike">
+                          <a:effectLst/>
+                        </a:rPr>
+                        <a:t>18</a:t>
+                      </a:r>
+                      <a:endParaRPr lang="en-US" sz="1600" b="0" i="0" u="none" strike="noStrike">
+                        <a:solidFill>
+                          <a:srgbClr val="000000"/>
+                        </a:solidFill>
+                        <a:effectLst/>
+                        <a:latin typeface="Calibri" panose="020F0502020204030204" pitchFamily="34" charset="0"/>
+                      </a:endParaRPr>
+                    </a:p>
+                  </a:txBody>
+                  <a:tcPr marL="3512" marR="3512" marT="3512" marB="0" anchor="b"/>
+                </a:tc>
+                <a:extLst>
+                  <a:ext uri="{0D108BD9-81ED-4DB2-BD59-A6C34878D82A}">
+                    <a16:rowId xmlns:a16="http://schemas.microsoft.com/office/drawing/2014/main" val="125124944"/>
+                  </a:ext>
+                </a:extLst>
+              </a:tr>
+              <a:tr h="670147">
+                <a:tc>
+                  <a:txBody>
+                    <a:bodyPr/>
+                    <a:lstStyle/>
+                    <a:p>
+                      <a:pPr algn="l" fontAlgn="b"/>
+                      <a:r>
+                        <a:rPr lang="en-US" sz="1600" u="none" strike="noStrike">
+                          <a:effectLst/>
+                        </a:rPr>
+                        <a:t>GO:0061437</a:t>
+                      </a:r>
+                      <a:endParaRPr lang="en-US" sz="1600" b="0" i="0" u="none" strike="noStrike">
+                        <a:solidFill>
+                          <a:srgbClr val="000000"/>
+                        </a:solidFill>
+                        <a:effectLst/>
+                        <a:latin typeface="Calibri" panose="020F0502020204030204" pitchFamily="34" charset="0"/>
+                      </a:endParaRPr>
+                    </a:p>
+                  </a:txBody>
+                  <a:tcPr marL="3512" marR="3512" marT="3512" marB="0" anchor="b"/>
+                </a:tc>
+                <a:tc>
+                  <a:txBody>
+                    <a:bodyPr/>
+                    <a:lstStyle/>
+                    <a:p>
+                      <a:pPr algn="l" fontAlgn="b"/>
+                      <a:r>
+                        <a:rPr lang="en-US" sz="1600" u="none" strike="noStrike" dirty="0">
+                          <a:effectLst/>
+                        </a:rPr>
+                        <a:t>renal system vasculature development</a:t>
+                      </a:r>
+                      <a:endParaRPr lang="en-US" sz="1600" b="0" i="0" u="none" strike="noStrike" dirty="0">
+                        <a:solidFill>
+                          <a:srgbClr val="000000"/>
+                        </a:solidFill>
+                        <a:effectLst/>
+                        <a:latin typeface="Calibri" panose="020F0502020204030204" pitchFamily="34" charset="0"/>
+                      </a:endParaRPr>
+                    </a:p>
+                  </a:txBody>
+                  <a:tcPr marL="3512" marR="3512" marT="3512" marB="0" anchor="b"/>
+                </a:tc>
+                <a:tc>
+                  <a:txBody>
+                    <a:bodyPr/>
+                    <a:lstStyle/>
+                    <a:p>
+                      <a:pPr algn="r" fontAlgn="b"/>
+                      <a:r>
+                        <a:rPr lang="en-US" sz="1600" u="none" strike="noStrike">
+                          <a:effectLst/>
+                        </a:rPr>
+                        <a:t>2.83E-05</a:t>
+                      </a:r>
+                      <a:endParaRPr lang="en-US" sz="1600" b="0" i="0" u="none" strike="noStrike">
+                        <a:solidFill>
+                          <a:srgbClr val="000000"/>
+                        </a:solidFill>
+                        <a:effectLst/>
+                        <a:latin typeface="Calibri" panose="020F0502020204030204" pitchFamily="34" charset="0"/>
+                      </a:endParaRPr>
+                    </a:p>
+                  </a:txBody>
+                  <a:tcPr marL="3512" marR="3512" marT="3512" marB="0" anchor="b"/>
+                </a:tc>
+                <a:tc>
+                  <a:txBody>
+                    <a:bodyPr/>
+                    <a:lstStyle/>
+                    <a:p>
+                      <a:pPr algn="r" fontAlgn="b"/>
+                      <a:r>
+                        <a:rPr lang="en-US" sz="1600" u="none" strike="noStrike">
+                          <a:effectLst/>
+                        </a:rPr>
+                        <a:t>0.019119</a:t>
+                      </a:r>
+                      <a:endParaRPr lang="en-US" sz="1600" b="0" i="0" u="none" strike="noStrike">
+                        <a:solidFill>
+                          <a:srgbClr val="000000"/>
+                        </a:solidFill>
+                        <a:effectLst/>
+                        <a:latin typeface="Calibri" panose="020F0502020204030204" pitchFamily="34" charset="0"/>
+                      </a:endParaRPr>
+                    </a:p>
+                  </a:txBody>
+                  <a:tcPr marL="3512" marR="3512" marT="3512" marB="0" anchor="b"/>
+                </a:tc>
+                <a:tc>
+                  <a:txBody>
+                    <a:bodyPr/>
+                    <a:lstStyle/>
+                    <a:p>
+                      <a:pPr algn="r" fontAlgn="b"/>
+                      <a:r>
+                        <a:rPr lang="en-US" sz="1600" u="none" strike="noStrike">
+                          <a:effectLst/>
+                        </a:rPr>
+                        <a:t>0.018348</a:t>
+                      </a:r>
+                      <a:endParaRPr lang="en-US" sz="1600" b="0" i="0" u="none" strike="noStrike">
+                        <a:solidFill>
+                          <a:srgbClr val="000000"/>
+                        </a:solidFill>
+                        <a:effectLst/>
+                        <a:latin typeface="Calibri" panose="020F0502020204030204" pitchFamily="34" charset="0"/>
+                      </a:endParaRPr>
+                    </a:p>
+                  </a:txBody>
+                  <a:tcPr marL="3512" marR="3512" marT="3512" marB="0" anchor="b"/>
+                </a:tc>
+                <a:tc>
+                  <a:txBody>
+                    <a:bodyPr/>
+                    <a:lstStyle/>
+                    <a:p>
+                      <a:pPr algn="r" fontAlgn="b"/>
+                      <a:r>
+                        <a:rPr lang="en-US" sz="1600" u="none" strike="noStrike">
+                          <a:effectLst/>
+                        </a:rPr>
+                        <a:t>7</a:t>
+                      </a:r>
+                      <a:endParaRPr lang="en-US" sz="1600" b="0" i="0" u="none" strike="noStrike">
+                        <a:solidFill>
+                          <a:srgbClr val="000000"/>
+                        </a:solidFill>
+                        <a:effectLst/>
+                        <a:latin typeface="Calibri" panose="020F0502020204030204" pitchFamily="34" charset="0"/>
+                      </a:endParaRPr>
+                    </a:p>
+                  </a:txBody>
+                  <a:tcPr marL="3512" marR="3512" marT="3512" marB="0" anchor="b"/>
+                </a:tc>
+                <a:extLst>
+                  <a:ext uri="{0D108BD9-81ED-4DB2-BD59-A6C34878D82A}">
+                    <a16:rowId xmlns:a16="http://schemas.microsoft.com/office/drawing/2014/main" val="192863124"/>
+                  </a:ext>
+                </a:extLst>
+              </a:tr>
+              <a:tr h="447832">
+                <a:tc>
+                  <a:txBody>
+                    <a:bodyPr/>
+                    <a:lstStyle/>
+                    <a:p>
+                      <a:pPr algn="l" fontAlgn="b"/>
+                      <a:r>
+                        <a:rPr lang="en-US" sz="1600" u="none" strike="noStrike">
+                          <a:effectLst/>
+                        </a:rPr>
+                        <a:t>GO:0061440</a:t>
+                      </a:r>
+                      <a:endParaRPr lang="en-US" sz="1600" b="0" i="0" u="none" strike="noStrike">
+                        <a:solidFill>
+                          <a:srgbClr val="000000"/>
+                        </a:solidFill>
+                        <a:effectLst/>
+                        <a:latin typeface="Calibri" panose="020F0502020204030204" pitchFamily="34" charset="0"/>
+                      </a:endParaRPr>
+                    </a:p>
+                  </a:txBody>
+                  <a:tcPr marL="3512" marR="3512" marT="3512" marB="0" anchor="b"/>
+                </a:tc>
+                <a:tc>
+                  <a:txBody>
+                    <a:bodyPr/>
+                    <a:lstStyle/>
+                    <a:p>
+                      <a:pPr algn="l" fontAlgn="b"/>
+                      <a:r>
+                        <a:rPr lang="en-US" sz="1600" u="none" strike="noStrike">
+                          <a:effectLst/>
+                        </a:rPr>
+                        <a:t>kidney vasculature development</a:t>
+                      </a:r>
+                      <a:endParaRPr lang="en-US" sz="1600" b="0" i="0" u="none" strike="noStrike">
+                        <a:solidFill>
+                          <a:srgbClr val="000000"/>
+                        </a:solidFill>
+                        <a:effectLst/>
+                        <a:latin typeface="Calibri" panose="020F0502020204030204" pitchFamily="34" charset="0"/>
+                      </a:endParaRPr>
+                    </a:p>
+                  </a:txBody>
+                  <a:tcPr marL="3512" marR="3512" marT="3512" marB="0" anchor="b"/>
+                </a:tc>
+                <a:tc>
+                  <a:txBody>
+                    <a:bodyPr/>
+                    <a:lstStyle/>
+                    <a:p>
+                      <a:pPr algn="r" fontAlgn="b"/>
+                      <a:r>
+                        <a:rPr lang="en-US" sz="1600" u="none" strike="noStrike">
+                          <a:effectLst/>
+                        </a:rPr>
+                        <a:t>2.83E-05</a:t>
+                      </a:r>
+                      <a:endParaRPr lang="en-US" sz="1600" b="0" i="0" u="none" strike="noStrike">
+                        <a:solidFill>
+                          <a:srgbClr val="000000"/>
+                        </a:solidFill>
+                        <a:effectLst/>
+                        <a:latin typeface="Calibri" panose="020F0502020204030204" pitchFamily="34" charset="0"/>
+                      </a:endParaRPr>
+                    </a:p>
+                  </a:txBody>
+                  <a:tcPr marL="3512" marR="3512" marT="3512" marB="0" anchor="b"/>
+                </a:tc>
+                <a:tc>
+                  <a:txBody>
+                    <a:bodyPr/>
+                    <a:lstStyle/>
+                    <a:p>
+                      <a:pPr algn="r" fontAlgn="b"/>
+                      <a:r>
+                        <a:rPr lang="en-US" sz="1600" u="none" strike="noStrike">
+                          <a:effectLst/>
+                        </a:rPr>
+                        <a:t>0.019119</a:t>
+                      </a:r>
+                      <a:endParaRPr lang="en-US" sz="1600" b="0" i="0" u="none" strike="noStrike">
+                        <a:solidFill>
+                          <a:srgbClr val="000000"/>
+                        </a:solidFill>
+                        <a:effectLst/>
+                        <a:latin typeface="Calibri" panose="020F0502020204030204" pitchFamily="34" charset="0"/>
+                      </a:endParaRPr>
+                    </a:p>
+                  </a:txBody>
+                  <a:tcPr marL="3512" marR="3512" marT="3512" marB="0" anchor="b"/>
+                </a:tc>
+                <a:tc>
+                  <a:txBody>
+                    <a:bodyPr/>
+                    <a:lstStyle/>
+                    <a:p>
+                      <a:pPr algn="r" fontAlgn="b"/>
+                      <a:r>
+                        <a:rPr lang="en-US" sz="1600" u="none" strike="noStrike">
+                          <a:effectLst/>
+                        </a:rPr>
+                        <a:t>0.018348</a:t>
+                      </a:r>
+                      <a:endParaRPr lang="en-US" sz="1600" b="0" i="0" u="none" strike="noStrike">
+                        <a:solidFill>
+                          <a:srgbClr val="000000"/>
+                        </a:solidFill>
+                        <a:effectLst/>
+                        <a:latin typeface="Calibri" panose="020F0502020204030204" pitchFamily="34" charset="0"/>
+                      </a:endParaRPr>
+                    </a:p>
+                  </a:txBody>
+                  <a:tcPr marL="3512" marR="3512" marT="3512" marB="0" anchor="b"/>
+                </a:tc>
+                <a:tc>
+                  <a:txBody>
+                    <a:bodyPr/>
+                    <a:lstStyle/>
+                    <a:p>
+                      <a:pPr algn="r" fontAlgn="b"/>
+                      <a:r>
+                        <a:rPr lang="en-US" sz="1600" u="none" strike="noStrike">
+                          <a:effectLst/>
+                        </a:rPr>
+                        <a:t>7</a:t>
+                      </a:r>
+                      <a:endParaRPr lang="en-US" sz="1600" b="0" i="0" u="none" strike="noStrike">
+                        <a:solidFill>
+                          <a:srgbClr val="000000"/>
+                        </a:solidFill>
+                        <a:effectLst/>
+                        <a:latin typeface="Calibri" panose="020F0502020204030204" pitchFamily="34" charset="0"/>
+                      </a:endParaRPr>
+                    </a:p>
+                  </a:txBody>
+                  <a:tcPr marL="3512" marR="3512" marT="3512" marB="0" anchor="b"/>
+                </a:tc>
+                <a:extLst>
+                  <a:ext uri="{0D108BD9-81ED-4DB2-BD59-A6C34878D82A}">
+                    <a16:rowId xmlns:a16="http://schemas.microsoft.com/office/drawing/2014/main" val="831674003"/>
+                  </a:ext>
+                </a:extLst>
+              </a:tr>
+              <a:tr h="496303">
+                <a:tc>
+                  <a:txBody>
+                    <a:bodyPr/>
+                    <a:lstStyle/>
+                    <a:p>
+                      <a:pPr algn="l" fontAlgn="b"/>
+                      <a:r>
+                        <a:rPr lang="en-US" sz="1600" u="none" strike="noStrike" dirty="0">
+                          <a:effectLst/>
+                        </a:rPr>
+                        <a:t>GO:0032722</a:t>
+                      </a:r>
+                      <a:endParaRPr lang="en-US" sz="1600" b="0" i="0" u="none" strike="noStrike" dirty="0">
+                        <a:solidFill>
+                          <a:srgbClr val="000000"/>
+                        </a:solidFill>
+                        <a:effectLst/>
+                        <a:latin typeface="Calibri" panose="020F0502020204030204" pitchFamily="34" charset="0"/>
+                      </a:endParaRPr>
+                    </a:p>
+                  </a:txBody>
+                  <a:tcPr marL="3512" marR="3512" marT="3512" marB="0" anchor="b"/>
+                </a:tc>
+                <a:tc>
+                  <a:txBody>
+                    <a:bodyPr/>
+                    <a:lstStyle/>
+                    <a:p>
+                      <a:pPr algn="l" fontAlgn="b"/>
+                      <a:r>
+                        <a:rPr lang="en-US" sz="1600" b="1" u="none" strike="noStrike" dirty="0">
+                          <a:effectLst/>
+                        </a:rPr>
+                        <a:t>positive regulation of chemokine production</a:t>
+                      </a:r>
+                      <a:endParaRPr lang="en-US" sz="1600" b="1" i="0" u="none" strike="noStrike" dirty="0">
+                        <a:solidFill>
+                          <a:srgbClr val="000000"/>
+                        </a:solidFill>
+                        <a:effectLst/>
+                        <a:latin typeface="Calibri" panose="020F0502020204030204" pitchFamily="34" charset="0"/>
+                      </a:endParaRPr>
+                    </a:p>
+                  </a:txBody>
+                  <a:tcPr marL="3512" marR="3512" marT="3512" marB="0" anchor="b"/>
+                </a:tc>
+                <a:tc>
+                  <a:txBody>
+                    <a:bodyPr/>
+                    <a:lstStyle/>
+                    <a:p>
+                      <a:pPr algn="r" fontAlgn="b"/>
+                      <a:r>
+                        <a:rPr lang="en-US" sz="1600" u="none" strike="noStrike" dirty="0">
+                          <a:effectLst/>
+                        </a:rPr>
+                        <a:t>5.73E-05</a:t>
+                      </a:r>
+                      <a:endParaRPr lang="en-US" sz="1600" b="0" i="0" u="none" strike="noStrike" dirty="0">
+                        <a:solidFill>
+                          <a:srgbClr val="000000"/>
+                        </a:solidFill>
+                        <a:effectLst/>
+                        <a:latin typeface="Calibri" panose="020F0502020204030204" pitchFamily="34" charset="0"/>
+                      </a:endParaRPr>
+                    </a:p>
+                  </a:txBody>
+                  <a:tcPr marL="3512" marR="3512" marT="3512" marB="0" anchor="b"/>
+                </a:tc>
+                <a:tc>
+                  <a:txBody>
+                    <a:bodyPr/>
+                    <a:lstStyle/>
+                    <a:p>
+                      <a:pPr algn="r" fontAlgn="b"/>
+                      <a:r>
+                        <a:rPr lang="en-US" sz="1600" u="none" strike="noStrike">
+                          <a:effectLst/>
+                        </a:rPr>
+                        <a:t>0.02969</a:t>
+                      </a:r>
+                      <a:endParaRPr lang="en-US" sz="1600" b="0" i="0" u="none" strike="noStrike">
+                        <a:solidFill>
+                          <a:srgbClr val="000000"/>
+                        </a:solidFill>
+                        <a:effectLst/>
+                        <a:latin typeface="Calibri" panose="020F0502020204030204" pitchFamily="34" charset="0"/>
+                      </a:endParaRPr>
+                    </a:p>
+                  </a:txBody>
+                  <a:tcPr marL="3512" marR="3512" marT="3512" marB="0" anchor="b"/>
+                </a:tc>
+                <a:tc>
+                  <a:txBody>
+                    <a:bodyPr/>
+                    <a:lstStyle/>
+                    <a:p>
+                      <a:pPr algn="r" fontAlgn="b"/>
+                      <a:r>
+                        <a:rPr lang="en-US" sz="1600" u="none" strike="noStrike">
+                          <a:effectLst/>
+                        </a:rPr>
+                        <a:t>0.028493</a:t>
+                      </a:r>
+                      <a:endParaRPr lang="en-US" sz="1600" b="0" i="0" u="none" strike="noStrike">
+                        <a:solidFill>
+                          <a:srgbClr val="000000"/>
+                        </a:solidFill>
+                        <a:effectLst/>
+                        <a:latin typeface="Calibri" panose="020F0502020204030204" pitchFamily="34" charset="0"/>
+                      </a:endParaRPr>
+                    </a:p>
+                  </a:txBody>
+                  <a:tcPr marL="3512" marR="3512" marT="3512" marB="0" anchor="b"/>
+                </a:tc>
+                <a:tc>
+                  <a:txBody>
+                    <a:bodyPr/>
+                    <a:lstStyle/>
+                    <a:p>
+                      <a:pPr algn="r" fontAlgn="b"/>
+                      <a:r>
+                        <a:rPr lang="en-US" sz="1600" u="none" strike="noStrike" dirty="0">
+                          <a:effectLst/>
+                        </a:rPr>
+                        <a:t>9</a:t>
+                      </a:r>
+                      <a:endParaRPr lang="en-US" sz="1600" b="0" i="0" u="none" strike="noStrike" dirty="0">
+                        <a:solidFill>
+                          <a:srgbClr val="000000"/>
+                        </a:solidFill>
+                        <a:effectLst/>
+                        <a:latin typeface="Calibri" panose="020F0502020204030204" pitchFamily="34" charset="0"/>
+                      </a:endParaRPr>
+                    </a:p>
+                  </a:txBody>
+                  <a:tcPr marL="3512" marR="3512" marT="3512" marB="0" anchor="b"/>
+                </a:tc>
+                <a:extLst>
+                  <a:ext uri="{0D108BD9-81ED-4DB2-BD59-A6C34878D82A}">
+                    <a16:rowId xmlns:a16="http://schemas.microsoft.com/office/drawing/2014/main" val="4043783175"/>
+                  </a:ext>
+                </a:extLst>
+              </a:tr>
+            </a:tbl>
+          </a:graphicData>
+        </a:graphic>
+      </p:graphicFrame>
+    </p:spTree>
+    <p:extLst>
+      <p:ext uri="{BB962C8B-B14F-4D97-AF65-F5344CB8AC3E}">
+        <p14:creationId xmlns:p14="http://schemas.microsoft.com/office/powerpoint/2010/main" val="366862218"/>
+      </p:ext>
+    </p:extLst>
+  </p:cSld>
+  <p:clrMapOvr>
+    <a:masterClrMapping/>
+  </p:clrMapOvr>
+</p:sld>
+</file>
+
+<file path=ppt/slides/slide17.xml><?xml version="1.0" encoding="utf-8"?>
+<p:sld xmlns:a="http://schemas.openxmlformats.org/drawingml/2006/main" xmlns:r="http://schemas.openxmlformats.org/officeDocument/2006/relationships" xmlns:p="http://schemas.openxmlformats.org/presentationml/2006/main">
+  <p:cSld>
+    <p:spTree>
+      <p:nvGrpSpPr>
+        <p:cNvPr id="1" name=""/>
+        <p:cNvGrpSpPr/>
+        <p:nvPr/>
+      </p:nvGrpSpPr>
+      <p:grpSpPr>
+        <a:xfrm>
+          <a:off x="0" y="0"/>
+          <a:ext cx="0" cy="0"/>
+          <a:chOff x="0" y="0"/>
+          <a:chExt cx="0" cy="0"/>
+        </a:xfrm>
+      </p:grpSpPr>
+      <p:sp>
+        <p:nvSpPr>
+          <p:cNvPr id="2" name="Title 1">
+            <a:extLst>
+              <a:ext uri="{FF2B5EF4-FFF2-40B4-BE49-F238E27FC236}">
+                <a16:creationId xmlns:a16="http://schemas.microsoft.com/office/drawing/2014/main" id="{7138FFFC-6A27-4D19-9180-4C22086F279C}"/>
+              </a:ext>
+            </a:extLst>
+          </p:cNvPr>
+          <p:cNvSpPr>
+            <a:spLocks noGrp="1"/>
+          </p:cNvSpPr>
+          <p:nvPr>
+            <p:ph type="title"/>
+          </p:nvPr>
+        </p:nvSpPr>
+        <p:spPr>
+          <a:xfrm>
+            <a:off x="1006876" y="2593420"/>
+            <a:ext cx="10515600" cy="1325563"/>
+          </a:xfrm>
+        </p:spPr>
+        <p:txBody>
+          <a:bodyPr>
+            <a:normAutofit/>
+          </a:bodyPr>
+          <a:lstStyle/>
+          <a:p>
+            <a:r>
+              <a:rPr lang="en-US" b="1" dirty="0"/>
+              <a:t>Q2. How can treatment of Gulf War Illness with rosiglitazone normalize gene expression?</a:t>
+            </a:r>
+          </a:p>
+        </p:txBody>
+      </p:sp>
+    </p:spTree>
+    <p:extLst>
+      <p:ext uri="{BB962C8B-B14F-4D97-AF65-F5344CB8AC3E}">
+        <p14:creationId xmlns:p14="http://schemas.microsoft.com/office/powerpoint/2010/main" val="2238749305"/>
+      </p:ext>
+    </p:extLst>
+  </p:cSld>
+  <p:clrMapOvr>
+    <a:masterClrMapping/>
+  </p:clrMapOvr>
+</p:sld>
+</file>
+
+<file path=ppt/slides/slide18.xml><?xml version="1.0" encoding="utf-8"?>
+<p:sld xmlns:a="http://schemas.openxmlformats.org/drawingml/2006/main" xmlns:r="http://schemas.openxmlformats.org/officeDocument/2006/relationships" xmlns:p="http://schemas.openxmlformats.org/presentationml/2006/main">
+  <p:cSld>
+    <p:spTree>
+      <p:nvGrpSpPr>
+        <p:cNvPr id="1" name=""/>
+        <p:cNvGrpSpPr/>
+        <p:nvPr/>
+      </p:nvGrpSpPr>
+      <p:grpSpPr>
+        <a:xfrm>
+          <a:off x="0" y="0"/>
+          <a:ext cx="0" cy="0"/>
+          <a:chOff x="0" y="0"/>
+          <a:chExt cx="0" cy="0"/>
+        </a:xfrm>
+      </p:grpSpPr>
+      <p:sp>
+        <p:nvSpPr>
+          <p:cNvPr id="2" name="Title 1">
+            <a:extLst>
+              <a:ext uri="{FF2B5EF4-FFF2-40B4-BE49-F238E27FC236}">
+                <a16:creationId xmlns:a16="http://schemas.microsoft.com/office/drawing/2014/main" id="{670AA995-D7CC-46FF-A8E5-DC3DB6F53718}"/>
+              </a:ext>
+            </a:extLst>
+          </p:cNvPr>
+          <p:cNvSpPr>
+            <a:spLocks noGrp="1"/>
+          </p:cNvSpPr>
+          <p:nvPr>
+            <p:ph type="title"/>
+          </p:nvPr>
+        </p:nvSpPr>
+        <p:spPr>
+          <a:xfrm>
+            <a:off x="838200" y="365125"/>
+            <a:ext cx="10972060" cy="1325563"/>
+          </a:xfrm>
+        </p:spPr>
+        <p:txBody>
+          <a:bodyPr/>
+          <a:lstStyle/>
+          <a:p>
+            <a:r>
+              <a:rPr lang="en-US" dirty="0"/>
+              <a:t>Rosiglitazone normalizes expression of some genes</a:t>
+            </a:r>
+          </a:p>
+        </p:txBody>
+      </p:sp>
+      <p:sp>
+        <p:nvSpPr>
+          <p:cNvPr id="3" name="Content Placeholder 2">
+            <a:extLst>
+              <a:ext uri="{FF2B5EF4-FFF2-40B4-BE49-F238E27FC236}">
+                <a16:creationId xmlns:a16="http://schemas.microsoft.com/office/drawing/2014/main" id="{545BD05A-986B-49D1-B568-D8E7D0344D73}"/>
+              </a:ext>
+            </a:extLst>
+          </p:cNvPr>
+          <p:cNvSpPr>
+            <a:spLocks noGrp="1"/>
+          </p:cNvSpPr>
+          <p:nvPr>
+            <p:ph idx="1"/>
+          </p:nvPr>
+        </p:nvSpPr>
+        <p:spPr/>
+        <p:txBody>
+          <a:bodyPr/>
+          <a:lstStyle/>
+          <a:p>
+            <a:pPr marL="0" indent="0">
+              <a:buNone/>
+            </a:pPr>
+            <a:r>
+              <a:rPr lang="en-US" b="1" dirty="0"/>
+              <a:t>Criteria:</a:t>
+            </a:r>
+            <a:r>
+              <a:rPr lang="en-US" dirty="0"/>
+              <a:t> P&lt;1e-3, Injury LFC magnitude &gt; 1.5, </a:t>
+            </a:r>
+            <a:r>
+              <a:rPr lang="en-US" dirty="0" err="1"/>
+              <a:t>Trt</a:t>
+            </a:r>
+            <a:r>
+              <a:rPr lang="en-US" dirty="0"/>
+              <a:t> LFC magnitude &gt;1 (and opposite direction)</a:t>
+            </a:r>
+          </a:p>
+        </p:txBody>
+      </p:sp>
+      <p:pic>
+        <p:nvPicPr>
+          <p:cNvPr id="5" name="Picture 4">
+            <a:extLst>
+              <a:ext uri="{FF2B5EF4-FFF2-40B4-BE49-F238E27FC236}">
+                <a16:creationId xmlns:a16="http://schemas.microsoft.com/office/drawing/2014/main" id="{2FA40AB5-79C3-44E3-B345-8883BFC8BEEE}"/>
+              </a:ext>
+            </a:extLst>
+          </p:cNvPr>
+          <p:cNvPicPr>
+            <a:picLocks noChangeAspect="1"/>
+          </p:cNvPicPr>
+          <p:nvPr/>
+        </p:nvPicPr>
+        <p:blipFill>
+          <a:blip r:embed="rId2"/>
+          <a:stretch>
+            <a:fillRect/>
+          </a:stretch>
+        </p:blipFill>
+        <p:spPr>
+          <a:xfrm>
+            <a:off x="6363240" y="2605225"/>
+            <a:ext cx="5447020" cy="4202053"/>
+          </a:xfrm>
+          <a:prstGeom prst="rect">
+            <a:avLst/>
+          </a:prstGeom>
+        </p:spPr>
+      </p:pic>
+      <p:pic>
+        <p:nvPicPr>
+          <p:cNvPr id="4" name="Picture 3">
+            <a:extLst>
+              <a:ext uri="{FF2B5EF4-FFF2-40B4-BE49-F238E27FC236}">
+                <a16:creationId xmlns:a16="http://schemas.microsoft.com/office/drawing/2014/main" id="{E21BB6C3-A073-4180-9738-BCDDA3CD0BFD}"/>
+              </a:ext>
+            </a:extLst>
+          </p:cNvPr>
+          <p:cNvPicPr>
+            <a:picLocks noChangeAspect="1"/>
+          </p:cNvPicPr>
+          <p:nvPr/>
+        </p:nvPicPr>
+        <p:blipFill>
+          <a:blip r:embed="rId3"/>
+          <a:stretch>
+            <a:fillRect/>
+          </a:stretch>
+        </p:blipFill>
+        <p:spPr>
+          <a:xfrm>
+            <a:off x="292963" y="2605225"/>
+            <a:ext cx="5485290" cy="4202053"/>
+          </a:xfrm>
+          <a:prstGeom prst="rect">
+            <a:avLst/>
+          </a:prstGeom>
+        </p:spPr>
+      </p:pic>
+    </p:spTree>
+    <p:extLst>
+      <p:ext uri="{BB962C8B-B14F-4D97-AF65-F5344CB8AC3E}">
+        <p14:creationId xmlns:p14="http://schemas.microsoft.com/office/powerpoint/2010/main" val="2665819225"/>
+      </p:ext>
+    </p:extLst>
+  </p:cSld>
+  <p:clrMapOvr>
+    <a:masterClrMapping/>
+  </p:clrMapOvr>
+</p:sld>
+</file>
+
+<file path=ppt/slides/slide19.xml><?xml version="1.0" encoding="utf-8"?>
+<p:sld xmlns:a="http://schemas.openxmlformats.org/drawingml/2006/main" xmlns:r="http://schemas.openxmlformats.org/officeDocument/2006/relationships" xmlns:p="http://schemas.openxmlformats.org/presentationml/2006/main">
+  <p:cSld>
+    <p:spTree>
+      <p:nvGrpSpPr>
+        <p:cNvPr id="1" name=""/>
+        <p:cNvGrpSpPr/>
+        <p:nvPr/>
+      </p:nvGrpSpPr>
+      <p:grpSpPr>
+        <a:xfrm>
+          <a:off x="0" y="0"/>
+          <a:ext cx="0" cy="0"/>
+          <a:chOff x="0" y="0"/>
+          <a:chExt cx="0" cy="0"/>
+        </a:xfrm>
+      </p:grpSpPr>
+      <p:sp>
+        <p:nvSpPr>
+          <p:cNvPr id="2" name="Title 1">
+            <a:extLst>
+              <a:ext uri="{FF2B5EF4-FFF2-40B4-BE49-F238E27FC236}">
+                <a16:creationId xmlns:a16="http://schemas.microsoft.com/office/drawing/2014/main" id="{3B2C23E2-2B11-453E-AF86-5696975DDFAE}"/>
+              </a:ext>
+            </a:extLst>
+          </p:cNvPr>
+          <p:cNvSpPr>
+            <a:spLocks noGrp="1"/>
+          </p:cNvSpPr>
+          <p:nvPr>
+            <p:ph type="title"/>
+          </p:nvPr>
+        </p:nvSpPr>
+        <p:spPr/>
+        <p:txBody>
+          <a:bodyPr/>
+          <a:lstStyle/>
+          <a:p>
+            <a:r>
+              <a:rPr lang="en-US" dirty="0"/>
+              <a:t>Examples of rosiglitazone rescued genes</a:t>
+            </a:r>
+          </a:p>
+        </p:txBody>
+      </p:sp>
+      <p:sp>
+        <p:nvSpPr>
+          <p:cNvPr id="3" name="Content Placeholder 2">
+            <a:extLst>
+              <a:ext uri="{FF2B5EF4-FFF2-40B4-BE49-F238E27FC236}">
+                <a16:creationId xmlns:a16="http://schemas.microsoft.com/office/drawing/2014/main" id="{2152FF58-F831-494D-8D4A-184899519C5A}"/>
+              </a:ext>
+            </a:extLst>
+          </p:cNvPr>
+          <p:cNvSpPr>
+            <a:spLocks noGrp="1"/>
+          </p:cNvSpPr>
+          <p:nvPr>
+            <p:ph idx="1"/>
+          </p:nvPr>
+        </p:nvSpPr>
+        <p:spPr/>
+        <p:txBody>
+          <a:bodyPr/>
+          <a:lstStyle/>
+          <a:p>
+            <a:endParaRPr lang="en-US" dirty="0"/>
+          </a:p>
+        </p:txBody>
+      </p:sp>
+      <p:pic>
+        <p:nvPicPr>
+          <p:cNvPr id="5" name="Picture 4">
+            <a:extLst>
+              <a:ext uri="{FF2B5EF4-FFF2-40B4-BE49-F238E27FC236}">
+                <a16:creationId xmlns:a16="http://schemas.microsoft.com/office/drawing/2014/main" id="{4B973328-8B88-4237-B38D-8E322209768C}"/>
+              </a:ext>
+            </a:extLst>
+          </p:cNvPr>
+          <p:cNvPicPr>
+            <a:picLocks noChangeAspect="1"/>
+          </p:cNvPicPr>
+          <p:nvPr/>
+        </p:nvPicPr>
+        <p:blipFill>
+          <a:blip r:embed="rId2"/>
+          <a:stretch>
+            <a:fillRect/>
+          </a:stretch>
+        </p:blipFill>
+        <p:spPr>
+          <a:xfrm>
+            <a:off x="180251" y="1849862"/>
+            <a:ext cx="5628441" cy="4652251"/>
+          </a:xfrm>
+          <a:prstGeom prst="rect">
+            <a:avLst/>
+          </a:prstGeom>
+        </p:spPr>
+      </p:pic>
+      <p:pic>
+        <p:nvPicPr>
+          <p:cNvPr id="6" name="Picture 5">
+            <a:extLst>
+              <a:ext uri="{FF2B5EF4-FFF2-40B4-BE49-F238E27FC236}">
+                <a16:creationId xmlns:a16="http://schemas.microsoft.com/office/drawing/2014/main" id="{E03A2EF9-ECF9-4509-9ADC-F780465F24DB}"/>
+              </a:ext>
+            </a:extLst>
+          </p:cNvPr>
+          <p:cNvPicPr>
+            <a:picLocks noChangeAspect="1"/>
+          </p:cNvPicPr>
+          <p:nvPr/>
+        </p:nvPicPr>
+        <p:blipFill>
+          <a:blip r:embed="rId3"/>
+          <a:stretch>
+            <a:fillRect/>
+          </a:stretch>
+        </p:blipFill>
+        <p:spPr>
+          <a:xfrm>
+            <a:off x="5965033" y="1825625"/>
+            <a:ext cx="5979151" cy="4982201"/>
+          </a:xfrm>
+          <a:prstGeom prst="rect">
+            <a:avLst/>
+          </a:prstGeom>
+        </p:spPr>
+      </p:pic>
+    </p:spTree>
+    <p:extLst>
+      <p:ext uri="{BB962C8B-B14F-4D97-AF65-F5344CB8AC3E}">
+        <p14:creationId xmlns:p14="http://schemas.microsoft.com/office/powerpoint/2010/main" val="3059716196"/>
       </p:ext>
     </p:extLst>
   </p:cSld>
@@ -3435,7 +8648,7 @@
           <p:cNvPr id="2" name="Title 1">
             <a:extLst>
               <a:ext uri="{FF2B5EF4-FFF2-40B4-BE49-F238E27FC236}">
-                <a16:creationId xmlns:a16="http://schemas.microsoft.com/office/drawing/2014/main" id="{55B21908-1F72-4A2A-BB99-C74A22739726}"/>
+                <a16:creationId xmlns:a16="http://schemas.microsoft.com/office/drawing/2014/main" id="{586E9AF9-0B05-41FD-A07A-AAE21B73F6CC}"/>
               </a:ext>
             </a:extLst>
           </p:cNvPr>
@@ -3453,7 +8666,7 @@
           <a:p>
             <a:r>
               <a:rPr lang="en-US" dirty="0"/>
-              <a:t>Data collected</a:t>
+              <a:t>Outline</a:t>
             </a:r>
           </a:p>
         </p:txBody>
@@ -3463,7 +8676,7 @@
           <p:cNvPr id="3" name="Content Placeholder 2">
             <a:extLst>
               <a:ext uri="{FF2B5EF4-FFF2-40B4-BE49-F238E27FC236}">
-                <a16:creationId xmlns:a16="http://schemas.microsoft.com/office/drawing/2014/main" id="{F384153B-4007-4298-9EFE-A307032A7B6D}"/>
+                <a16:creationId xmlns:a16="http://schemas.microsoft.com/office/drawing/2014/main" id="{84048BB8-4B4B-4428-949E-8CAF3288A6CE}"/>
               </a:ext>
             </a:extLst>
           </p:cNvPr>
@@ -3481,16 +8694,873 @@
           <a:p>
             <a:r>
               <a:rPr lang="en-US" dirty="0"/>
-              <a:t>RNA from 16 rat brains</a:t>
-            </a:r>
-          </a:p>
-          <a:p>
+              <a:t>Data collection</a:t>
+            </a:r>
+          </a:p>
+          <a:p>
+            <a:r>
+              <a:rPr lang="en-US" dirty="0"/>
+              <a:t>Data analysis</a:t>
+            </a:r>
+          </a:p>
+          <a:p>
+            <a:pPr lvl="1"/>
+            <a:r>
+              <a:rPr lang="en-US" dirty="0"/>
+              <a:t>Quality control</a:t>
+            </a:r>
+          </a:p>
+          <a:p>
+            <a:pPr lvl="1"/>
+            <a:r>
+              <a:rPr lang="en-US" dirty="0"/>
+              <a:t>Normalization</a:t>
+            </a:r>
+          </a:p>
+          <a:p>
+            <a:pPr lvl="1"/>
+            <a:r>
+              <a:rPr lang="en-US" dirty="0"/>
+              <a:t>Differential expression and GO for three questions</a:t>
+            </a:r>
+          </a:p>
+          <a:p>
+            <a:r>
+              <a:rPr lang="en-US" dirty="0"/>
+              <a:t>Discussion</a:t>
+            </a:r>
+          </a:p>
+          <a:p>
+            <a:pPr lvl="1"/>
+            <a:r>
+              <a:rPr lang="en-US" dirty="0"/>
+              <a:t>Conclusions</a:t>
+            </a:r>
+          </a:p>
+          <a:p>
+            <a:pPr lvl="1"/>
+            <a:r>
+              <a:rPr lang="en-US" dirty="0"/>
+              <a:t>Next steps</a:t>
+            </a:r>
+          </a:p>
+          <a:p>
+            <a:pPr lvl="1"/>
+            <a:endParaRPr lang="en-US" dirty="0"/>
+          </a:p>
+          <a:p>
+            <a:pPr lvl="1"/>
+            <a:endParaRPr lang="en-US" dirty="0"/>
+          </a:p>
+          <a:p>
+            <a:pPr marL="457200" lvl="1" indent="0">
+              <a:buNone/>
+            </a:pPr>
+            <a:endParaRPr lang="en-US" dirty="0"/>
+          </a:p>
+          <a:p>
+            <a:pPr lvl="1"/>
+            <a:endParaRPr lang="en-US" dirty="0"/>
+          </a:p>
+          <a:p>
+            <a:pPr marL="457200" lvl="1" indent="0">
+              <a:buNone/>
+            </a:pPr>
+            <a:endParaRPr lang="en-US" dirty="0"/>
+          </a:p>
+          <a:p>
+            <a:endParaRPr lang="en-US" dirty="0"/>
+          </a:p>
+        </p:txBody>
+      </p:sp>
+    </p:spTree>
+    <p:extLst>
+      <p:ext uri="{BB962C8B-B14F-4D97-AF65-F5344CB8AC3E}">
+        <p14:creationId xmlns:p14="http://schemas.microsoft.com/office/powerpoint/2010/main" val="2359470571"/>
+      </p:ext>
+    </p:extLst>
+  </p:cSld>
+  <p:clrMapOvr>
+    <a:masterClrMapping/>
+  </p:clrMapOvr>
+</p:sld>
+</file>
+
+<file path=ppt/slides/slide20.xml><?xml version="1.0" encoding="utf-8"?>
+<p:sld xmlns:a="http://schemas.openxmlformats.org/drawingml/2006/main" xmlns:r="http://schemas.openxmlformats.org/officeDocument/2006/relationships" xmlns:p="http://schemas.openxmlformats.org/presentationml/2006/main">
+  <p:cSld>
+    <p:spTree>
+      <p:nvGrpSpPr>
+        <p:cNvPr id="1" name=""/>
+        <p:cNvGrpSpPr/>
+        <p:nvPr/>
+      </p:nvGrpSpPr>
+      <p:grpSpPr>
+        <a:xfrm>
+          <a:off x="0" y="0"/>
+          <a:ext cx="0" cy="0"/>
+          <a:chOff x="0" y="0"/>
+          <a:chExt cx="0" cy="0"/>
+        </a:xfrm>
+      </p:grpSpPr>
+      <p:sp>
+        <p:nvSpPr>
+          <p:cNvPr id="2" name="Title 1">
+            <a:extLst>
+              <a:ext uri="{FF2B5EF4-FFF2-40B4-BE49-F238E27FC236}">
+                <a16:creationId xmlns:a16="http://schemas.microsoft.com/office/drawing/2014/main" id="{7138FFFC-6A27-4D19-9180-4C22086F279C}"/>
+              </a:ext>
+            </a:extLst>
+          </p:cNvPr>
+          <p:cNvSpPr>
+            <a:spLocks noGrp="1"/>
+          </p:cNvSpPr>
+          <p:nvPr>
+            <p:ph type="title"/>
+          </p:nvPr>
+        </p:nvSpPr>
+        <p:spPr>
+          <a:xfrm>
+            <a:off x="1006876" y="2593420"/>
+            <a:ext cx="10515600" cy="1325563"/>
+          </a:xfrm>
+        </p:spPr>
+        <p:txBody>
+          <a:bodyPr>
+            <a:normAutofit/>
+          </a:bodyPr>
+          <a:lstStyle/>
+          <a:p>
+            <a:r>
+              <a:rPr lang="en-US" b="1" dirty="0"/>
+              <a:t>Q3. How is PPAR</a:t>
+            </a:r>
+            <a:r>
+              <a:rPr lang="el-GR" b="1" dirty="0"/>
+              <a:t>γ</a:t>
+            </a:r>
+            <a:r>
+              <a:rPr lang="en-US" b="1" dirty="0"/>
+              <a:t> signaling involved in both of these processes?</a:t>
+            </a:r>
+            <a:endParaRPr lang="en-US" dirty="0"/>
+          </a:p>
+        </p:txBody>
+      </p:sp>
+    </p:spTree>
+    <p:extLst>
+      <p:ext uri="{BB962C8B-B14F-4D97-AF65-F5344CB8AC3E}">
+        <p14:creationId xmlns:p14="http://schemas.microsoft.com/office/powerpoint/2010/main" val="1209332248"/>
+      </p:ext>
+    </p:extLst>
+  </p:cSld>
+  <p:clrMapOvr>
+    <a:masterClrMapping/>
+  </p:clrMapOvr>
+</p:sld>
+</file>
+
+<file path=ppt/slides/slide21.xml><?xml version="1.0" encoding="utf-8"?>
+<p:sld xmlns:a="http://schemas.openxmlformats.org/drawingml/2006/main" xmlns:r="http://schemas.openxmlformats.org/officeDocument/2006/relationships" xmlns:p="http://schemas.openxmlformats.org/presentationml/2006/main">
+  <p:cSld>
+    <p:spTree>
+      <p:nvGrpSpPr>
+        <p:cNvPr id="1" name=""/>
+        <p:cNvGrpSpPr/>
+        <p:nvPr/>
+      </p:nvGrpSpPr>
+      <p:grpSpPr>
+        <a:xfrm>
+          <a:off x="0" y="0"/>
+          <a:ext cx="0" cy="0"/>
+          <a:chOff x="0" y="0"/>
+          <a:chExt cx="0" cy="0"/>
+        </a:xfrm>
+      </p:grpSpPr>
+      <p:pic>
+        <p:nvPicPr>
+          <p:cNvPr id="6" name="Picture 5">
+            <a:extLst>
+              <a:ext uri="{FF2B5EF4-FFF2-40B4-BE49-F238E27FC236}">
+                <a16:creationId xmlns:a16="http://schemas.microsoft.com/office/drawing/2014/main" id="{D4DBDDEC-E8A2-4EA1-9B04-58B8B4937C7F}"/>
+              </a:ext>
+            </a:extLst>
+          </p:cNvPr>
+          <p:cNvPicPr>
+            <a:picLocks noChangeAspect="1"/>
+          </p:cNvPicPr>
+          <p:nvPr/>
+        </p:nvPicPr>
+        <p:blipFill rotWithShape="1">
+          <a:blip r:embed="rId2"/>
+          <a:srcRect l="-521" t="530" r="521" b="6278"/>
+          <a:stretch/>
+        </p:blipFill>
+        <p:spPr>
+          <a:xfrm>
+            <a:off x="7075503" y="599883"/>
+            <a:ext cx="5116497" cy="6258117"/>
+          </a:xfrm>
+          <a:prstGeom prst="rect">
+            <a:avLst/>
+          </a:prstGeom>
+        </p:spPr>
+      </p:pic>
+      <p:sp>
+        <p:nvSpPr>
+          <p:cNvPr id="2" name="Title 1">
+            <a:extLst>
+              <a:ext uri="{FF2B5EF4-FFF2-40B4-BE49-F238E27FC236}">
+                <a16:creationId xmlns:a16="http://schemas.microsoft.com/office/drawing/2014/main" id="{848CB11C-09BD-4691-9B00-C575BA7701EF}"/>
+              </a:ext>
+            </a:extLst>
+          </p:cNvPr>
+          <p:cNvSpPr>
+            <a:spLocks noGrp="1"/>
+          </p:cNvSpPr>
+          <p:nvPr>
+            <p:ph type="title"/>
+          </p:nvPr>
+        </p:nvSpPr>
+        <p:spPr>
+          <a:xfrm>
+            <a:off x="838200" y="117182"/>
+            <a:ext cx="10515600" cy="1325563"/>
+          </a:xfrm>
+        </p:spPr>
+        <p:txBody>
+          <a:bodyPr/>
+          <a:lstStyle/>
+          <a:p>
+            <a:r>
+              <a:rPr lang="en-US" dirty="0"/>
+              <a:t>PPAR</a:t>
+            </a:r>
+            <a:r>
+              <a:rPr lang="el-GR" dirty="0"/>
+              <a:t>γ</a:t>
+            </a:r>
+            <a:r>
+              <a:rPr lang="en-US" dirty="0"/>
+              <a:t> analysis</a:t>
+            </a:r>
+          </a:p>
+        </p:txBody>
+      </p:sp>
+      <p:sp>
+        <p:nvSpPr>
+          <p:cNvPr id="3" name="Content Placeholder 2">
+            <a:extLst>
+              <a:ext uri="{FF2B5EF4-FFF2-40B4-BE49-F238E27FC236}">
+                <a16:creationId xmlns:a16="http://schemas.microsoft.com/office/drawing/2014/main" id="{A7C5CD72-B072-4AC7-8D4B-054E4C7505F2}"/>
+              </a:ext>
+            </a:extLst>
+          </p:cNvPr>
+          <p:cNvSpPr>
+            <a:spLocks noGrp="1"/>
+          </p:cNvSpPr>
+          <p:nvPr>
+            <p:ph idx="1"/>
+          </p:nvPr>
+        </p:nvSpPr>
+        <p:spPr>
+          <a:xfrm>
+            <a:off x="186432" y="1580224"/>
+            <a:ext cx="7253056" cy="5160594"/>
+          </a:xfrm>
+        </p:spPr>
+        <p:txBody>
+          <a:bodyPr>
+            <a:normAutofit fontScale="92500" lnSpcReduction="10000"/>
+          </a:bodyPr>
+          <a:lstStyle/>
+          <a:p>
+            <a:r>
+              <a:rPr lang="en-US" dirty="0"/>
+              <a:t>Identified </a:t>
+            </a:r>
+            <a:r>
+              <a:rPr lang="en-US" b="1" dirty="0"/>
+              <a:t>37 genes from </a:t>
+            </a:r>
+            <a:r>
+              <a:rPr lang="en-US" b="1" dirty="0" err="1"/>
+              <a:t>Villapol</a:t>
+            </a:r>
+            <a:r>
+              <a:rPr lang="en-US" dirty="0"/>
+              <a:t>, 2018</a:t>
+            </a:r>
+          </a:p>
+          <a:p>
+            <a:pPr lvl="1"/>
+            <a:r>
+              <a:rPr lang="en-US" dirty="0"/>
+              <a:t>Included gene subunits of protein complexes</a:t>
+            </a:r>
+          </a:p>
+          <a:p>
+            <a:pPr lvl="2"/>
+            <a:r>
+              <a:rPr lang="en-US" dirty="0"/>
+              <a:t>Activator Protein-1 (AP-1)</a:t>
+            </a:r>
+          </a:p>
+          <a:p>
+            <a:pPr lvl="2"/>
+            <a:r>
+              <a:rPr lang="en-US" dirty="0"/>
+              <a:t>Nuclear factor kappa-B (NF-</a:t>
+            </a:r>
+            <a:r>
+              <a:rPr lang="el-GR" dirty="0"/>
+              <a:t>κ</a:t>
+            </a:r>
+            <a:r>
+              <a:rPr lang="en-US" dirty="0"/>
+              <a:t>B)</a:t>
+            </a:r>
+          </a:p>
+          <a:p>
+            <a:pPr lvl="2"/>
+            <a:r>
+              <a:rPr lang="en-US" dirty="0"/>
+              <a:t>Retinoic acid receptor (RXR)</a:t>
+            </a:r>
+          </a:p>
+          <a:p>
+            <a:pPr lvl="1"/>
+            <a:r>
+              <a:rPr lang="en-US" dirty="0"/>
+              <a:t>Did not include “upstream” genes in pathway</a:t>
+            </a:r>
+          </a:p>
+          <a:p>
+            <a:r>
+              <a:rPr lang="en-US" b="1" dirty="0"/>
+              <a:t>Mapped genes from human to rat orthologs</a:t>
+            </a:r>
+          </a:p>
+          <a:p>
+            <a:pPr lvl="1"/>
+            <a:r>
+              <a:rPr lang="en-US" b="1" dirty="0"/>
+              <a:t>Most</a:t>
+            </a:r>
+            <a:r>
+              <a:rPr lang="en-US" dirty="0"/>
+              <a:t> transcripts match between </a:t>
+            </a:r>
+            <a:r>
+              <a:rPr lang="en-US" dirty="0" err="1"/>
+              <a:t>Ensembl</a:t>
+            </a:r>
+            <a:r>
+              <a:rPr lang="en-US" dirty="0"/>
+              <a:t> and </a:t>
+            </a:r>
             <a:r>
               <a:rPr lang="en-US" dirty="0" err="1"/>
               <a:t>ClariomS</a:t>
             </a:r>
             <a:r>
               <a:rPr lang="en-US" dirty="0"/>
+              <a:t> array annotation</a:t>
+            </a:r>
+          </a:p>
+          <a:p>
+            <a:r>
+              <a:rPr lang="en-US" b="1" dirty="0"/>
+              <a:t>Looked for differentially expressed genes</a:t>
+            </a:r>
+          </a:p>
+          <a:p>
+            <a:pPr lvl="1"/>
+            <a:r>
+              <a:rPr lang="en-US" dirty="0"/>
+              <a:t>Either brain region</a:t>
+            </a:r>
+          </a:p>
+          <a:p>
+            <a:pPr lvl="1"/>
+            <a:r>
+              <a:rPr lang="en-US" dirty="0"/>
+              <a:t>Difference in control vs. injury</a:t>
+            </a:r>
+          </a:p>
+          <a:p>
+            <a:pPr lvl="1"/>
+            <a:r>
+              <a:rPr lang="en-US" dirty="0"/>
+              <a:t>Difference in injury vs. injury + treatment</a:t>
+            </a:r>
+          </a:p>
+          <a:p>
+            <a:pPr lvl="1"/>
+            <a:r>
+              <a:rPr lang="en-US" dirty="0"/>
+              <a:t>Nominal p&lt;0.05 as threshold</a:t>
+            </a:r>
+          </a:p>
+          <a:p>
+            <a:pPr lvl="1"/>
+            <a:endParaRPr lang="en-US" dirty="0"/>
+          </a:p>
+          <a:p>
+            <a:endParaRPr lang="en-US" b="1" dirty="0"/>
+          </a:p>
+          <a:p>
+            <a:pPr lvl="1"/>
+            <a:endParaRPr lang="en-US" dirty="0"/>
+          </a:p>
+          <a:p>
+            <a:pPr lvl="1"/>
+            <a:endParaRPr lang="en-US" dirty="0"/>
+          </a:p>
+          <a:p>
+            <a:endParaRPr lang="en-US" dirty="0"/>
+          </a:p>
+          <a:p>
+            <a:endParaRPr lang="en-US" dirty="0"/>
+          </a:p>
+        </p:txBody>
+      </p:sp>
+      <p:pic>
+        <p:nvPicPr>
+          <p:cNvPr id="7" name="Picture 6">
+            <a:extLst>
+              <a:ext uri="{FF2B5EF4-FFF2-40B4-BE49-F238E27FC236}">
+                <a16:creationId xmlns:a16="http://schemas.microsoft.com/office/drawing/2014/main" id="{9C65072D-581B-4F5A-9B5C-0FD8EEEA9D58}"/>
+              </a:ext>
+            </a:extLst>
+          </p:cNvPr>
+          <p:cNvPicPr>
+            <a:picLocks noChangeAspect="1"/>
+          </p:cNvPicPr>
+          <p:nvPr/>
+        </p:nvPicPr>
+        <p:blipFill>
+          <a:blip r:embed="rId3"/>
+          <a:stretch>
+            <a:fillRect/>
+          </a:stretch>
+        </p:blipFill>
+        <p:spPr>
+          <a:xfrm>
+            <a:off x="9242884" y="107049"/>
+            <a:ext cx="2949115" cy="842862"/>
+          </a:xfrm>
+          <a:prstGeom prst="rect">
+            <a:avLst/>
+          </a:prstGeom>
+        </p:spPr>
+      </p:pic>
+    </p:spTree>
+    <p:extLst>
+      <p:ext uri="{BB962C8B-B14F-4D97-AF65-F5344CB8AC3E}">
+        <p14:creationId xmlns:p14="http://schemas.microsoft.com/office/powerpoint/2010/main" val="2478093681"/>
+      </p:ext>
+    </p:extLst>
+  </p:cSld>
+  <p:clrMapOvr>
+    <a:masterClrMapping/>
+  </p:clrMapOvr>
+</p:sld>
+</file>
+
+<file path=ppt/slides/slide22.xml><?xml version="1.0" encoding="utf-8"?>
+<p:sld xmlns:a="http://schemas.openxmlformats.org/drawingml/2006/main" xmlns:r="http://schemas.openxmlformats.org/officeDocument/2006/relationships" xmlns:p="http://schemas.openxmlformats.org/presentationml/2006/main">
+  <p:cSld>
+    <p:spTree>
+      <p:nvGrpSpPr>
+        <p:cNvPr id="1" name=""/>
+        <p:cNvGrpSpPr/>
+        <p:nvPr/>
+      </p:nvGrpSpPr>
+      <p:grpSpPr>
+        <a:xfrm>
+          <a:off x="0" y="0"/>
+          <a:ext cx="0" cy="0"/>
+          <a:chOff x="0" y="0"/>
+          <a:chExt cx="0" cy="0"/>
+        </a:xfrm>
+      </p:grpSpPr>
+      <p:sp>
+        <p:nvSpPr>
+          <p:cNvPr id="2" name="Title 1">
+            <a:extLst>
+              <a:ext uri="{FF2B5EF4-FFF2-40B4-BE49-F238E27FC236}">
+                <a16:creationId xmlns:a16="http://schemas.microsoft.com/office/drawing/2014/main" id="{A7C45E86-C4DC-4C2F-9DED-B1C061267D84}"/>
+              </a:ext>
+            </a:extLst>
+          </p:cNvPr>
+          <p:cNvSpPr>
+            <a:spLocks noGrp="1"/>
+          </p:cNvSpPr>
+          <p:nvPr>
+            <p:ph type="title"/>
+          </p:nvPr>
+        </p:nvSpPr>
+        <p:spPr/>
+        <p:txBody>
+          <a:bodyPr/>
+          <a:lstStyle/>
+          <a:p>
+            <a:r>
+              <a:rPr lang="en-US" dirty="0"/>
+              <a:t>Examples of interesting PPAR</a:t>
+            </a:r>
+            <a:r>
+              <a:rPr lang="el-GR" dirty="0"/>
+              <a:t>γ</a:t>
+            </a:r>
+            <a:r>
+              <a:rPr lang="en-US" dirty="0"/>
+              <a:t> patterns</a:t>
+            </a:r>
+          </a:p>
+        </p:txBody>
+      </p:sp>
+      <p:pic>
+        <p:nvPicPr>
+          <p:cNvPr id="5" name="Content Placeholder 4">
+            <a:extLst>
+              <a:ext uri="{FF2B5EF4-FFF2-40B4-BE49-F238E27FC236}">
+                <a16:creationId xmlns:a16="http://schemas.microsoft.com/office/drawing/2014/main" id="{2FF7F72E-0913-4138-A55E-9C3B13F5CB83}"/>
+              </a:ext>
+            </a:extLst>
+          </p:cNvPr>
+          <p:cNvPicPr>
+            <a:picLocks noGrp="1" noChangeAspect="1"/>
+          </p:cNvPicPr>
+          <p:nvPr>
+            <p:ph idx="1"/>
+          </p:nvPr>
+        </p:nvPicPr>
+        <p:blipFill>
+          <a:blip r:embed="rId2"/>
+          <a:stretch>
+            <a:fillRect/>
+          </a:stretch>
+        </p:blipFill>
+        <p:spPr>
+          <a:xfrm>
+            <a:off x="6000650" y="1690688"/>
+            <a:ext cx="6067063" cy="5057402"/>
+          </a:xfrm>
+          <a:prstGeom prst="rect">
+            <a:avLst/>
+          </a:prstGeom>
+        </p:spPr>
+      </p:pic>
+      <p:pic>
+        <p:nvPicPr>
+          <p:cNvPr id="4" name="Picture 3">
+            <a:extLst>
+              <a:ext uri="{FF2B5EF4-FFF2-40B4-BE49-F238E27FC236}">
+                <a16:creationId xmlns:a16="http://schemas.microsoft.com/office/drawing/2014/main" id="{A7B48858-1864-4F71-83AE-6F321B4A7B8D}"/>
+              </a:ext>
+            </a:extLst>
+          </p:cNvPr>
+          <p:cNvPicPr>
+            <a:picLocks noChangeAspect="1"/>
+          </p:cNvPicPr>
+          <p:nvPr/>
+        </p:nvPicPr>
+        <p:blipFill>
+          <a:blip r:embed="rId3"/>
+          <a:stretch>
+            <a:fillRect/>
+          </a:stretch>
+        </p:blipFill>
+        <p:spPr>
+          <a:xfrm>
+            <a:off x="88775" y="1820566"/>
+            <a:ext cx="5868140" cy="4927524"/>
+          </a:xfrm>
+          <a:prstGeom prst="rect">
+            <a:avLst/>
+          </a:prstGeom>
+        </p:spPr>
+      </p:pic>
+    </p:spTree>
+    <p:extLst>
+      <p:ext uri="{BB962C8B-B14F-4D97-AF65-F5344CB8AC3E}">
+        <p14:creationId xmlns:p14="http://schemas.microsoft.com/office/powerpoint/2010/main" val="2312128833"/>
+      </p:ext>
+    </p:extLst>
+  </p:cSld>
+  <p:clrMapOvr>
+    <a:masterClrMapping/>
+  </p:clrMapOvr>
+</p:sld>
+</file>
+
+<file path=ppt/slides/slide23.xml><?xml version="1.0" encoding="utf-8"?>
+<p:sld xmlns:a="http://schemas.openxmlformats.org/drawingml/2006/main" xmlns:r="http://schemas.openxmlformats.org/officeDocument/2006/relationships" xmlns:p="http://schemas.openxmlformats.org/presentationml/2006/main">
+  <p:cSld>
+    <p:spTree>
+      <p:nvGrpSpPr>
+        <p:cNvPr id="1" name=""/>
+        <p:cNvGrpSpPr/>
+        <p:nvPr/>
+      </p:nvGrpSpPr>
+      <p:grpSpPr>
+        <a:xfrm>
+          <a:off x="0" y="0"/>
+          <a:ext cx="0" cy="0"/>
+          <a:chOff x="0" y="0"/>
+          <a:chExt cx="0" cy="0"/>
+        </a:xfrm>
+      </p:grpSpPr>
+      <p:sp>
+        <p:nvSpPr>
+          <p:cNvPr id="2" name="Title 1">
+            <a:extLst>
+              <a:ext uri="{FF2B5EF4-FFF2-40B4-BE49-F238E27FC236}">
+                <a16:creationId xmlns:a16="http://schemas.microsoft.com/office/drawing/2014/main" id="{C46D1935-C276-4D34-8297-19EA3A0F6CED}"/>
+              </a:ext>
+            </a:extLst>
+          </p:cNvPr>
+          <p:cNvSpPr>
+            <a:spLocks noGrp="1"/>
+          </p:cNvSpPr>
+          <p:nvPr>
+            <p:ph type="title"/>
+          </p:nvPr>
+        </p:nvSpPr>
+        <p:spPr/>
+        <p:txBody>
+          <a:bodyPr/>
+          <a:lstStyle/>
+          <a:p>
+            <a:r>
+              <a:rPr lang="en-US" dirty="0"/>
+              <a:t>Conclusions and Next steps</a:t>
+            </a:r>
+          </a:p>
+        </p:txBody>
+      </p:sp>
+      <p:sp>
+        <p:nvSpPr>
+          <p:cNvPr id="3" name="Content Placeholder 2">
+            <a:extLst>
+              <a:ext uri="{FF2B5EF4-FFF2-40B4-BE49-F238E27FC236}">
+                <a16:creationId xmlns:a16="http://schemas.microsoft.com/office/drawing/2014/main" id="{B93BE43A-7DB9-48BE-AF07-158D9B9FB601}"/>
+              </a:ext>
+            </a:extLst>
+          </p:cNvPr>
+          <p:cNvSpPr>
+            <a:spLocks noGrp="1"/>
+          </p:cNvSpPr>
+          <p:nvPr>
+            <p:ph idx="1"/>
+          </p:nvPr>
+        </p:nvSpPr>
+        <p:spPr>
+          <a:xfrm>
+            <a:off x="838200" y="1825625"/>
+            <a:ext cx="10267765" cy="4351338"/>
+          </a:xfrm>
+        </p:spPr>
+        <p:txBody>
+          <a:bodyPr>
+            <a:normAutofit fontScale="85000" lnSpcReduction="20000"/>
+          </a:bodyPr>
+          <a:lstStyle/>
+          <a:p>
+            <a:r>
+              <a:rPr lang="en-US" b="1" dirty="0"/>
+              <a:t>Gulf War Illness model has several gene expression correlates </a:t>
+            </a:r>
+          </a:p>
+          <a:p>
+            <a:pPr lvl="1"/>
+            <a:r>
+              <a:rPr lang="en-US" dirty="0"/>
+              <a:t>More robustly in LA than in FC</a:t>
+            </a:r>
+          </a:p>
+          <a:p>
+            <a:pPr lvl="1"/>
+            <a:r>
+              <a:rPr lang="en-US" dirty="0"/>
+              <a:t>Includes genes involved in immune processes and response to organophosphorus</a:t>
+            </a:r>
+          </a:p>
+          <a:p>
+            <a:r>
+              <a:rPr lang="en-US" b="1" dirty="0"/>
+              <a:t>Rosiglitazone normalizes </a:t>
+            </a:r>
+            <a:r>
+              <a:rPr lang="en-US" b="1" i="1" dirty="0"/>
+              <a:t>some </a:t>
+            </a:r>
+            <a:r>
+              <a:rPr lang="en-US" b="1" dirty="0"/>
+              <a:t>gene expression differences but not all</a:t>
+            </a:r>
+          </a:p>
+          <a:p>
+            <a:pPr lvl="1"/>
+            <a:r>
+              <a:rPr lang="en-US" dirty="0"/>
+              <a:t>Includes genes involved in immune processes and response to organophosphorus</a:t>
+            </a:r>
+          </a:p>
+          <a:p>
+            <a:r>
+              <a:rPr lang="en-US" b="1" dirty="0"/>
+              <a:t>Some genes PPAR</a:t>
+            </a:r>
+            <a:r>
+              <a:rPr lang="el-GR" b="1" dirty="0"/>
+              <a:t>γ</a:t>
+            </a:r>
+            <a:r>
+              <a:rPr lang="en-US" b="1" dirty="0"/>
+              <a:t> genes are differentially expressed in Gulf War Illness and may be promising targets for rosiglitazone treatment</a:t>
+            </a:r>
+          </a:p>
+          <a:p>
+            <a:pPr lvl="1"/>
+            <a:r>
+              <a:rPr lang="en-US" u="sng" dirty="0"/>
+              <a:t>Especially activator protein-1 (AP-1) gene subunits</a:t>
+            </a:r>
+          </a:p>
+          <a:p>
+            <a:endParaRPr lang="en-US" b="1" i="1" dirty="0"/>
+          </a:p>
+          <a:p>
+            <a:r>
+              <a:rPr lang="en-US" b="1" dirty="0"/>
+              <a:t>Potential Next steps</a:t>
+            </a:r>
+          </a:p>
+          <a:p>
+            <a:pPr lvl="1"/>
+            <a:r>
+              <a:rPr lang="en-US" dirty="0"/>
+              <a:t>Write-up results and prepare poster for conference?</a:t>
+            </a:r>
+          </a:p>
+          <a:p>
+            <a:pPr lvl="1"/>
+            <a:r>
+              <a:rPr lang="en-US" dirty="0"/>
+              <a:t>Study the literature to better interpret some gene-level associations</a:t>
+            </a:r>
+          </a:p>
+          <a:p>
+            <a:pPr lvl="1"/>
+            <a:r>
+              <a:rPr lang="en-US" dirty="0"/>
+              <a:t>Lab-work to better characterize and validate promising mechanisms and genes</a:t>
+            </a:r>
+          </a:p>
+          <a:p>
+            <a:pPr lvl="1"/>
+            <a:endParaRPr lang="en-US" dirty="0"/>
+          </a:p>
+          <a:p>
+            <a:pPr lvl="1"/>
+            <a:endParaRPr lang="en-US" dirty="0"/>
+          </a:p>
+        </p:txBody>
+      </p:sp>
+    </p:spTree>
+    <p:extLst>
+      <p:ext uri="{BB962C8B-B14F-4D97-AF65-F5344CB8AC3E}">
+        <p14:creationId xmlns:p14="http://schemas.microsoft.com/office/powerpoint/2010/main" val="22487405"/>
+      </p:ext>
+    </p:extLst>
+  </p:cSld>
+  <p:clrMapOvr>
+    <a:masterClrMapping/>
+  </p:clrMapOvr>
+</p:sld>
+</file>
+
+<file path=ppt/slides/slide3.xml><?xml version="1.0" encoding="utf-8"?>
+<p:sld xmlns:a="http://schemas.openxmlformats.org/drawingml/2006/main" xmlns:r="http://schemas.openxmlformats.org/officeDocument/2006/relationships" xmlns:p="http://schemas.openxmlformats.org/presentationml/2006/main">
+  <p:cSld>
+    <p:spTree>
+      <p:nvGrpSpPr>
+        <p:cNvPr id="1" name=""/>
+        <p:cNvGrpSpPr/>
+        <p:nvPr/>
+      </p:nvGrpSpPr>
+      <p:grpSpPr>
+        <a:xfrm>
+          <a:off x="0" y="0"/>
+          <a:ext cx="0" cy="0"/>
+          <a:chOff x="0" y="0"/>
+          <a:chExt cx="0" cy="0"/>
+        </a:xfrm>
+      </p:grpSpPr>
+      <p:sp>
+        <p:nvSpPr>
+          <p:cNvPr id="2" name="Title 1">
+            <a:extLst>
+              <a:ext uri="{FF2B5EF4-FFF2-40B4-BE49-F238E27FC236}">
+                <a16:creationId xmlns:a16="http://schemas.microsoft.com/office/drawing/2014/main" id="{55B21908-1F72-4A2A-BB99-C74A22739726}"/>
+              </a:ext>
+            </a:extLst>
+          </p:cNvPr>
+          <p:cNvSpPr>
+            <a:spLocks noGrp="1"/>
+          </p:cNvSpPr>
+          <p:nvPr>
+            <p:ph type="title"/>
+          </p:nvPr>
+        </p:nvSpPr>
+        <p:spPr/>
+        <p:txBody>
+          <a:bodyPr/>
+          <a:lstStyle/>
+          <a:p>
+            <a:r>
+              <a:rPr lang="en-US" dirty="0"/>
+              <a:t>Data collected</a:t>
+            </a:r>
+          </a:p>
+        </p:txBody>
+      </p:sp>
+      <p:sp>
+        <p:nvSpPr>
+          <p:cNvPr id="3" name="Content Placeholder 2">
+            <a:extLst>
+              <a:ext uri="{FF2B5EF4-FFF2-40B4-BE49-F238E27FC236}">
+                <a16:creationId xmlns:a16="http://schemas.microsoft.com/office/drawing/2014/main" id="{F384153B-4007-4298-9EFE-A307032A7B6D}"/>
+              </a:ext>
+            </a:extLst>
+          </p:cNvPr>
+          <p:cNvSpPr>
+            <a:spLocks noGrp="1"/>
+          </p:cNvSpPr>
+          <p:nvPr>
+            <p:ph idx="1"/>
+          </p:nvPr>
+        </p:nvSpPr>
+        <p:spPr/>
+        <p:txBody>
+          <a:bodyPr/>
+          <a:lstStyle/>
+          <a:p>
+            <a:r>
+              <a:rPr lang="en-US" dirty="0"/>
+              <a:t>RNA from 16 rat brains</a:t>
+            </a:r>
+          </a:p>
+          <a:p>
+            <a:r>
+              <a:rPr lang="en-US" dirty="0" err="1"/>
+              <a:t>ClariomS</a:t>
+            </a:r>
+            <a:r>
+              <a:rPr lang="en-US" dirty="0"/>
               <a:t> microarray (Affymetrix)</a:t>
             </a:r>
           </a:p>
@@ -3505,7 +9575,7 @@
             <a:pPr lvl="1"/>
             <a:r>
               <a:rPr lang="en-US" dirty="0"/>
-              <a:t>Whole transcriptome coverage</a:t>
+              <a:t>Gene-level transcriptome coverage</a:t>
             </a:r>
           </a:p>
         </p:txBody>
@@ -3525,14 +9595,14 @@
           <p:nvPr>
             <p:extLst>
               <p:ext uri="{D42A27DB-BD31-4B8C-83A1-F6EECF244321}">
-                <p14:modId xmlns:p14="http://schemas.microsoft.com/office/powerpoint/2010/main" val="3513907240"/>
+                <p14:modId xmlns:p14="http://schemas.microsoft.com/office/powerpoint/2010/main" val="3263322729"/>
               </p:ext>
             </p:extLst>
           </p:nvPr>
         </p:nvGraphicFramePr>
         <p:xfrm>
-          <a:off x="3622090" y="4567555"/>
-          <a:ext cx="8162525" cy="1925320"/>
+          <a:off x="3191275" y="4251642"/>
+          <a:ext cx="8030100" cy="2158035"/>
         </p:xfrm>
         <a:graphic>
           <a:graphicData uri="http://schemas.openxmlformats.org/drawingml/2006/table">
@@ -3541,35 +9611,28 @@
                 <a:tableStyleId>{5C22544A-7EE6-4342-B048-85BDC9FD1C3A}</a:tableStyleId>
               </a:tblPr>
               <a:tblGrid>
-                <a:gridCol w="1632505">
+                <a:gridCol w="2007525">
                   <a:extLst>
                     <a:ext uri="{9D8B030D-6E8A-4147-A177-3AD203B41FA5}">
                       <a16:colId xmlns:a16="http://schemas.microsoft.com/office/drawing/2014/main" val="2033704357"/>
                     </a:ext>
                   </a:extLst>
                 </a:gridCol>
-                <a:gridCol w="1632505">
+                <a:gridCol w="2007525">
                   <a:extLst>
                     <a:ext uri="{9D8B030D-6E8A-4147-A177-3AD203B41FA5}">
                       <a16:colId xmlns:a16="http://schemas.microsoft.com/office/drawing/2014/main" val="2408659943"/>
                     </a:ext>
                   </a:extLst>
                 </a:gridCol>
-                <a:gridCol w="1632505">
+                <a:gridCol w="2007525">
                   <a:extLst>
                     <a:ext uri="{9D8B030D-6E8A-4147-A177-3AD203B41FA5}">
                       <a16:colId xmlns:a16="http://schemas.microsoft.com/office/drawing/2014/main" val="933980585"/>
                     </a:ext>
                   </a:extLst>
                 </a:gridCol>
-                <a:gridCol w="1632505">
-                  <a:extLst>
-                    <a:ext uri="{9D8B030D-6E8A-4147-A177-3AD203B41FA5}">
-                      <a16:colId xmlns:a16="http://schemas.microsoft.com/office/drawing/2014/main" val="3529344695"/>
-                    </a:ext>
-                  </a:extLst>
-                </a:gridCol>
-                <a:gridCol w="1632505">
+                <a:gridCol w="2007525">
                   <a:extLst>
                     <a:ext uri="{9D8B030D-6E8A-4147-A177-3AD203B41FA5}">
                       <a16:colId xmlns:a16="http://schemas.microsoft.com/office/drawing/2014/main" val="1483410238"/>
@@ -3577,95 +9640,88 @@
                   </a:extLst>
                 </a:gridCol>
               </a:tblGrid>
-              <a:tr h="370840">
+              <a:tr h="1191553">
                 <a:tc>
                   <a:txBody>
                     <a:bodyPr/>
                     <a:lstStyle/>
                     <a:p>
+                      <a:pPr algn="l"/>
                       <a:r>
-                        <a:rPr lang="en-US" dirty="0"/>
+                        <a:rPr lang="en-US" sz="2000" dirty="0"/>
                         <a:t>Brain Region</a:t>
                       </a:r>
                     </a:p>
                   </a:txBody>
-                  <a:tcPr/>
+                  <a:tcPr anchor="ctr"/>
                 </a:tc>
                 <a:tc>
                   <a:txBody>
                     <a:bodyPr/>
                     <a:lstStyle/>
                     <a:p>
+                      <a:pPr algn="l"/>
                       <a:r>
-                        <a:rPr lang="en-US" dirty="0"/>
+                        <a:rPr lang="en-US" sz="2000" dirty="0"/>
                         <a:t>Control</a:t>
                       </a:r>
                     </a:p>
                   </a:txBody>
-                  <a:tcPr/>
+                  <a:tcPr anchor="ctr"/>
                 </a:tc>
                 <a:tc>
                   <a:txBody>
                     <a:bodyPr/>
                     <a:lstStyle/>
                     <a:p>
+                      <a:pPr algn="l"/>
                       <a:r>
-                        <a:rPr lang="en-US" dirty="0" err="1"/>
+                        <a:rPr lang="en-US" sz="2000" dirty="0" err="1"/>
                         <a:t>Pyridostigmin</a:t>
                       </a:r>
                       <a:r>
-                        <a:rPr lang="en-US" dirty="0"/>
-                        <a:t> + LPS</a:t>
+                        <a:rPr lang="en-US" sz="2000" dirty="0"/>
+                        <a:t> </a:t>
+                      </a:r>
+                    </a:p>
+                    <a:p>
+                      <a:pPr algn="l"/>
+                      <a:r>
+                        <a:rPr lang="en-US" sz="2000" dirty="0"/>
+                        <a:t>+ LPS</a:t>
                       </a:r>
                     </a:p>
                   </a:txBody>
-                  <a:tcPr/>
+                  <a:tcPr anchor="ctr"/>
                 </a:tc>
                 <a:tc>
                   <a:txBody>
                     <a:bodyPr/>
                     <a:lstStyle/>
                     <a:p>
+                      <a:pPr algn="l"/>
                       <a:r>
-                        <a:rPr lang="en-US" dirty="0" err="1"/>
+                        <a:rPr lang="en-US" sz="2000" dirty="0" err="1"/>
                         <a:t>Pyridostigmin</a:t>
                       </a:r>
-                      <a:endParaRPr lang="en-US" dirty="0"/>
+                      <a:endParaRPr lang="en-US" sz="2000" dirty="0"/>
                     </a:p>
                     <a:p>
+                      <a:pPr algn="l"/>
                       <a:r>
-                        <a:rPr lang="en-US" dirty="0"/>
+                        <a:rPr lang="en-US" sz="2000" dirty="0"/>
                         <a:t>+ LPS</a:t>
                       </a:r>
                     </a:p>
-                  </a:txBody>
-                  <a:tcPr/>
-                </a:tc>
-                <a:tc>
-                  <a:txBody>
-                    <a:bodyPr/>
-                    <a:lstStyle/>
                     <a:p>
+                      <a:pPr algn="l"/>
                       <a:r>
-                        <a:rPr lang="en-US" dirty="0" err="1"/>
-                        <a:t>Pyridostigmin</a:t>
-                      </a:r>
-                      <a:endParaRPr lang="en-US" dirty="0"/>
-                    </a:p>
-                    <a:p>
-                      <a:r>
-                        <a:rPr lang="en-US" dirty="0"/>
-                        <a:t>+LPS</a:t>
-                      </a:r>
-                    </a:p>
-                    <a:p>
-                      <a:r>
-                        <a:rPr lang="en-US" dirty="0"/>
-                        <a:t>+rosiglitazone</a:t>
+                        <a:rPr lang="en-US" sz="2000" dirty="0"/>
+                        <a:t>+ rosiglitazone</a:t>
                       </a:r>
                     </a:p>
                   </a:txBody>
-                  <a:tcPr/>
+                  <a:tcPr anchor="ctr"/>
                 </a:tc>
                 <a:extLst>
                   <a:ext uri="{0D108BD9-81ED-4DB2-BD59-A6C34878D82A}">
@@ -3673,14 +9729,14 @@
                   </a:ext>
                 </a:extLst>
               </a:tr>
-              <a:tr h="370840">
+              <a:tr h="483241">
                 <a:tc>
                   <a:txBody>
                     <a:bodyPr/>
                     <a:lstStyle/>
                     <a:p>
                       <a:r>
-                        <a:rPr lang="en-US" dirty="0"/>
+                        <a:rPr lang="en-US" sz="2000" dirty="0"/>
                         <a:t>Frontal Cortex</a:t>
                       </a:r>
                     </a:p>
@@ -3693,7 +9749,7 @@
                     <a:lstStyle/>
                     <a:p>
                       <a:r>
-                        <a:rPr lang="en-US" dirty="0"/>
+                        <a:rPr lang="en-US" sz="2000" dirty="0"/>
                         <a:t>3</a:t>
                       </a:r>
                     </a:p>
@@ -3705,7 +9761,10 @@
                     <a:bodyPr/>
                     <a:lstStyle/>
                     <a:p>
-                      <a:endParaRPr lang="en-US" dirty="0"/>
+                      <a:r>
+                        <a:rPr lang="en-US" sz="2000" dirty="0"/>
+                        <a:t>2</a:t>
+                      </a:r>
                     </a:p>
                   </a:txBody>
                   <a:tcPr/>
@@ -3715,17 +9774,10 @@
                     <a:bodyPr/>
                     <a:lstStyle/>
                     <a:p>
-                      <a:endParaRPr lang="en-US"/>
-                    </a:p>
-                  </a:txBody>
-                  <a:tcPr/>
-                </a:tc>
-                <a:tc>
-                  <a:txBody>
-                    <a:bodyPr/>
-                    <a:lstStyle/>
-                    <a:p>
-                      <a:endParaRPr lang="en-US" dirty="0"/>
+                      <a:r>
+                        <a:rPr lang="en-US" sz="2000" dirty="0"/>
+                        <a:t>3</a:t>
+                      </a:r>
                     </a:p>
                   </a:txBody>
                   <a:tcPr/>
@@ -3736,14 +9788,14 @@
                   </a:ext>
                 </a:extLst>
               </a:tr>
-              <a:tr h="370840">
+              <a:tr h="483241">
                 <a:tc>
                   <a:txBody>
                     <a:bodyPr/>
                     <a:lstStyle/>
                     <a:p>
                       <a:r>
-                        <a:rPr lang="en-US" dirty="0"/>
+                        <a:rPr lang="en-US" sz="2000" dirty="0"/>
                         <a:t>Lateral Amygdala</a:t>
                       </a:r>
                     </a:p>
@@ -3756,7 +9808,7 @@
                     <a:lstStyle/>
                     <a:p>
                       <a:r>
-                        <a:rPr lang="en-US" dirty="0"/>
+                        <a:rPr lang="en-US" sz="2000" dirty="0"/>
                         <a:t>3</a:t>
                       </a:r>
                     </a:p>
@@ -3768,7 +9820,10 @@
                     <a:bodyPr/>
                     <a:lstStyle/>
                     <a:p>
-                      <a:endParaRPr lang="en-US"/>
+                      <a:r>
+                        <a:rPr lang="en-US" sz="2000" dirty="0"/>
+                        <a:t>2</a:t>
+                      </a:r>
                     </a:p>
                   </a:txBody>
                   <a:tcPr/>
@@ -3778,17 +9833,10 @@
                     <a:bodyPr/>
                     <a:lstStyle/>
                     <a:p>
-                      <a:endParaRPr lang="en-US" dirty="0"/>
-                    </a:p>
-                  </a:txBody>
-                  <a:tcPr/>
-                </a:tc>
-                <a:tc>
-                  <a:txBody>
-                    <a:bodyPr/>
-                    <a:lstStyle/>
-                    <a:p>
-                      <a:endParaRPr lang="en-US" dirty="0"/>
+                      <a:r>
+                        <a:rPr lang="en-US" sz="2000" dirty="0"/>
+                        <a:t>3</a:t>
+                      </a:r>
                     </a:p>
                   </a:txBody>
                   <a:tcPr/>
@@ -3816,170 +9864,6 @@
 </p:sld>
 </file>
 
-<file path=ppt/slides/slide3.xml><?xml version="1.0" encoding="utf-8"?>
-<p:sld xmlns:a="http://schemas.openxmlformats.org/drawingml/2006/main" xmlns:r="http://schemas.openxmlformats.org/officeDocument/2006/relationships" xmlns:p="http://schemas.openxmlformats.org/presentationml/2006/main">
-  <p:cSld>
-    <p:spTree>
-      <p:nvGrpSpPr>
-        <p:cNvPr id="1" name=""/>
-        <p:cNvGrpSpPr/>
-        <p:nvPr/>
-      </p:nvGrpSpPr>
-      <p:grpSpPr>
-        <a:xfrm>
-          <a:off x="0" y="0"/>
-          <a:ext cx="0" cy="0"/>
-          <a:chOff x="0" y="0"/>
-          <a:chExt cx="0" cy="0"/>
-        </a:xfrm>
-      </p:grpSpPr>
-      <p:sp>
-        <p:nvSpPr>
-          <p:cNvPr id="2" name="Title 1">
-            <a:extLst>
-              <a:ext uri="{FF2B5EF4-FFF2-40B4-BE49-F238E27FC236}">
-                <a16:creationId xmlns:a16="http://schemas.microsoft.com/office/drawing/2014/main" id="{586E9AF9-0B05-41FD-A07A-AAE21B73F6CC}"/>
-              </a:ext>
-            </a:extLst>
-          </p:cNvPr>
-          <p:cNvSpPr>
-            <a:spLocks noGrp="1"/>
-          </p:cNvSpPr>
-          <p:nvPr>
-            <p:ph type="title"/>
-          </p:nvPr>
-        </p:nvSpPr>
-        <p:spPr/>
-        <p:txBody>
-          <a:bodyPr/>
-          <a:lstStyle/>
-          <a:p>
-            <a:r>
-              <a:rPr lang="en-US" dirty="0"/>
-              <a:t>Outline</a:t>
-            </a:r>
-          </a:p>
-        </p:txBody>
-      </p:sp>
-      <p:sp>
-        <p:nvSpPr>
-          <p:cNvPr id="3" name="Content Placeholder 2">
-            <a:extLst>
-              <a:ext uri="{FF2B5EF4-FFF2-40B4-BE49-F238E27FC236}">
-                <a16:creationId xmlns:a16="http://schemas.microsoft.com/office/drawing/2014/main" id="{84048BB8-4B4B-4428-949E-8CAF3288A6CE}"/>
-              </a:ext>
-            </a:extLst>
-          </p:cNvPr>
-          <p:cNvSpPr>
-            <a:spLocks noGrp="1"/>
-          </p:cNvSpPr>
-          <p:nvPr>
-            <p:ph idx="1"/>
-          </p:nvPr>
-        </p:nvSpPr>
-        <p:spPr/>
-        <p:txBody>
-          <a:bodyPr/>
-          <a:lstStyle/>
-          <a:p>
-            <a:r>
-              <a:rPr lang="en-US" dirty="0"/>
-              <a:t>Data collection</a:t>
-            </a:r>
-          </a:p>
-          <a:p>
-            <a:r>
-              <a:rPr lang="en-US" dirty="0"/>
-              <a:t>Data analysis</a:t>
-            </a:r>
-          </a:p>
-          <a:p>
-            <a:pPr lvl="1"/>
-            <a:r>
-              <a:rPr lang="en-US" dirty="0"/>
-              <a:t>Quality control</a:t>
-            </a:r>
-          </a:p>
-          <a:p>
-            <a:pPr lvl="1"/>
-            <a:r>
-              <a:rPr lang="en-US" dirty="0"/>
-              <a:t>Normalization</a:t>
-            </a:r>
-          </a:p>
-          <a:p>
-            <a:pPr lvl="1"/>
-            <a:r>
-              <a:rPr lang="en-US" dirty="0"/>
-              <a:t>Differential expression</a:t>
-            </a:r>
-          </a:p>
-          <a:p>
-            <a:pPr lvl="1"/>
-            <a:endParaRPr lang="en-US" dirty="0"/>
-          </a:p>
-          <a:p>
-            <a:r>
-              <a:rPr lang="en-US" dirty="0"/>
-              <a:t>Discussion</a:t>
-            </a:r>
-          </a:p>
-          <a:p>
-            <a:pPr lvl="1"/>
-            <a:r>
-              <a:rPr lang="en-US" dirty="0"/>
-              <a:t>Conclusions</a:t>
-            </a:r>
-          </a:p>
-          <a:p>
-            <a:pPr lvl="1"/>
-            <a:r>
-              <a:rPr lang="en-US" dirty="0"/>
-              <a:t>Next steps</a:t>
-            </a:r>
-          </a:p>
-          <a:p>
-            <a:pPr lvl="1"/>
-            <a:endParaRPr lang="en-US" dirty="0"/>
-          </a:p>
-          <a:p>
-            <a:pPr lvl="1"/>
-            <a:endParaRPr lang="en-US" dirty="0"/>
-          </a:p>
-          <a:p>
-            <a:pPr marL="457200" lvl="1" indent="0">
-              <a:buNone/>
-            </a:pPr>
-            <a:endParaRPr lang="en-US" dirty="0"/>
-          </a:p>
-          <a:p>
-            <a:pPr lvl="1"/>
-            <a:endParaRPr lang="en-US" dirty="0"/>
-          </a:p>
-          <a:p>
-            <a:pPr marL="457200" lvl="1" indent="0">
-              <a:buNone/>
-            </a:pPr>
-            <a:endParaRPr lang="en-US" dirty="0"/>
-          </a:p>
-          <a:p>
-            <a:endParaRPr lang="en-US" dirty="0"/>
-          </a:p>
-        </p:txBody>
-      </p:sp>
-    </p:spTree>
-    <p:extLst>
-      <p:ext uri="{BB962C8B-B14F-4D97-AF65-F5344CB8AC3E}">
-        <p14:creationId xmlns:p14="http://schemas.microsoft.com/office/powerpoint/2010/main" val="2359470571"/>
-      </p:ext>
-    </p:extLst>
-  </p:cSld>
-  <p:clrMapOvr>
-    <a:masterClrMapping/>
-  </p:clrMapOvr>
-</p:sld>
-</file>
-
 <file path=ppt/slides/slide4.xml><?xml version="1.0" encoding="utf-8"?>
 <p:sld xmlns:a="http://schemas.openxmlformats.org/drawingml/2006/main" xmlns:r="http://schemas.openxmlformats.org/officeDocument/2006/relationships" xmlns:p="http://schemas.openxmlformats.org/presentationml/2006/main">
   <p:cSld>
@@ -4073,14 +9957,22 @@
           <a:p>
             <a:pPr lvl="1"/>
             <a:r>
+              <a:rPr lang="en-US" b="1" dirty="0"/>
+              <a:t>Brain region is greatest source of variation</a:t>
+            </a:r>
+            <a:r>
               <a:rPr lang="en-US" dirty="0"/>
-              <a:t>Brain region is greatest source of variation in global gene expression</a:t>
-            </a:r>
-          </a:p>
-          <a:p>
+              <a:t> in global gene expression</a:t>
+            </a:r>
+          </a:p>
+          <a:p>
+            <a:r>
+              <a:rPr lang="en-US" b="1" dirty="0"/>
+              <a:t>No outliers</a:t>
+            </a:r>
             <a:r>
               <a:rPr lang="en-US" dirty="0"/>
-              <a:t>No outliers seen on other QC plots</a:t>
+              <a:t> seen on other QC plots</a:t>
             </a:r>
           </a:p>
           <a:p>
@@ -4194,7 +10086,7 @@
           <a:p>
             <a:r>
               <a:rPr lang="en-US" dirty="0"/>
-              <a:t>Different data analysis methods: same results</a:t>
+              <a:t>Different data analysis tools: same results</a:t>
             </a:r>
           </a:p>
         </p:txBody>
@@ -4353,7 +10245,11 @@
             </a:pPr>
             <a:r>
               <a:rPr lang="en-US" dirty="0"/>
-              <a:t>Concordant results suggests that the analysis was done “correctly”</a:t>
+              <a:t>Highly concordant results =&gt; </a:t>
+            </a:r>
+            <a:r>
+              <a:rPr lang="en-US" b="1" dirty="0"/>
+              <a:t>analysis was performed as expected</a:t>
             </a:r>
           </a:p>
         </p:txBody>
@@ -4362,6 +10258,543 @@
     <p:extLst>
       <p:ext uri="{BB962C8B-B14F-4D97-AF65-F5344CB8AC3E}">
         <p14:creationId xmlns:p14="http://schemas.microsoft.com/office/powerpoint/2010/main" val="214343"/>
+      </p:ext>
+    </p:extLst>
+  </p:cSld>
+  <p:clrMapOvr>
+    <a:masterClrMapping/>
+  </p:clrMapOvr>
+</p:sld>
+</file>
+
+<file path=ppt/slides/slide6.xml><?xml version="1.0" encoding="utf-8"?>
+<p:sld xmlns:a="http://schemas.openxmlformats.org/drawingml/2006/main" xmlns:r="http://schemas.openxmlformats.org/officeDocument/2006/relationships" xmlns:p="http://schemas.openxmlformats.org/presentationml/2006/main">
+  <p:cSld>
+    <p:spTree>
+      <p:nvGrpSpPr>
+        <p:cNvPr id="1" name=""/>
+        <p:cNvGrpSpPr/>
+        <p:nvPr/>
+      </p:nvGrpSpPr>
+      <p:grpSpPr>
+        <a:xfrm>
+          <a:off x="0" y="0"/>
+          <a:ext cx="0" cy="0"/>
+          <a:chOff x="0" y="0"/>
+          <a:chExt cx="0" cy="0"/>
+        </a:xfrm>
+      </p:grpSpPr>
+      <p:sp>
+        <p:nvSpPr>
+          <p:cNvPr id="2" name="Title 1">
+            <a:extLst>
+              <a:ext uri="{FF2B5EF4-FFF2-40B4-BE49-F238E27FC236}">
+                <a16:creationId xmlns:a16="http://schemas.microsoft.com/office/drawing/2014/main" id="{4EE96A29-4BC5-497E-BCEC-DCDF344D89DC}"/>
+              </a:ext>
+            </a:extLst>
+          </p:cNvPr>
+          <p:cNvSpPr>
+            <a:spLocks noGrp="1"/>
+          </p:cNvSpPr>
+          <p:nvPr>
+            <p:ph type="title"/>
+          </p:nvPr>
+        </p:nvSpPr>
+        <p:spPr/>
+        <p:txBody>
+          <a:bodyPr/>
+          <a:lstStyle/>
+          <a:p>
+            <a:r>
+              <a:rPr lang="en-US" dirty="0"/>
+              <a:t>Normalization: SST-RMA</a:t>
+            </a:r>
+          </a:p>
+        </p:txBody>
+      </p:sp>
+      <p:sp>
+        <p:nvSpPr>
+          <p:cNvPr id="3" name="Content Placeholder 2">
+            <a:extLst>
+              <a:ext uri="{FF2B5EF4-FFF2-40B4-BE49-F238E27FC236}">
+                <a16:creationId xmlns:a16="http://schemas.microsoft.com/office/drawing/2014/main" id="{EA68480B-829D-44C0-9A89-BC35B69CE279}"/>
+              </a:ext>
+            </a:extLst>
+          </p:cNvPr>
+          <p:cNvSpPr>
+            <a:spLocks noGrp="1"/>
+          </p:cNvSpPr>
+          <p:nvPr>
+            <p:ph idx="1"/>
+          </p:nvPr>
+        </p:nvSpPr>
+        <p:spPr/>
+        <p:txBody>
+          <a:bodyPr/>
+          <a:lstStyle/>
+          <a:p>
+            <a:r>
+              <a:rPr lang="en-US" dirty="0"/>
+              <a:t>Normalized data using Signal Space Transformation Robust Multi-Array Average (SST-RMA)</a:t>
+            </a:r>
+          </a:p>
+          <a:p>
+            <a:pPr lvl="1"/>
+            <a:r>
+              <a:rPr lang="en-US" b="1" dirty="0"/>
+              <a:t>More accurate log</a:t>
+            </a:r>
+            <a:r>
+              <a:rPr lang="en-US" b="1" baseline="-25000" dirty="0"/>
+              <a:t>2</a:t>
+            </a:r>
+            <a:r>
+              <a:rPr lang="en-US" b="1" dirty="0"/>
+              <a:t> fold change estimates =&gt; more significant results</a:t>
+            </a:r>
+          </a:p>
+          <a:p>
+            <a:pPr lvl="1"/>
+            <a:r>
+              <a:rPr lang="en-US" dirty="0"/>
+              <a:t>Proprietary Affymetrix algorithm</a:t>
+            </a:r>
+          </a:p>
+          <a:p>
+            <a:pPr lvl="1"/>
+            <a:r>
+              <a:rPr lang="en-US" dirty="0"/>
+              <a:t>Normalized all 16 samples together</a:t>
+            </a:r>
+          </a:p>
+          <a:p>
+            <a:pPr lvl="1"/>
+            <a:r>
+              <a:rPr lang="en-US" dirty="0"/>
+              <a:t>Improvisation of the well-established RMA algorithm</a:t>
+            </a:r>
+          </a:p>
+          <a:p>
+            <a:r>
+              <a:rPr lang="en-US" dirty="0"/>
+              <a:t>Normalization is important to “get all samples on a level playing field”</a:t>
+            </a:r>
+          </a:p>
+          <a:p>
+            <a:pPr lvl="1"/>
+            <a:r>
+              <a:rPr lang="en-US" dirty="0"/>
+              <a:t>Improves statistical modeling</a:t>
+            </a:r>
+          </a:p>
+          <a:p>
+            <a:pPr lvl="1"/>
+            <a:r>
+              <a:rPr lang="en-US" dirty="0"/>
+              <a:t>Necessary step for further analysis</a:t>
+            </a:r>
+          </a:p>
+          <a:p>
+            <a:pPr lvl="1"/>
+            <a:endParaRPr lang="en-US" dirty="0"/>
+          </a:p>
+          <a:p>
+            <a:pPr lvl="1"/>
+            <a:endParaRPr lang="en-US" dirty="0"/>
+          </a:p>
+        </p:txBody>
+      </p:sp>
+    </p:spTree>
+    <p:extLst>
+      <p:ext uri="{BB962C8B-B14F-4D97-AF65-F5344CB8AC3E}">
+        <p14:creationId xmlns:p14="http://schemas.microsoft.com/office/powerpoint/2010/main" val="824848471"/>
+      </p:ext>
+    </p:extLst>
+  </p:cSld>
+  <p:clrMapOvr>
+    <a:masterClrMapping/>
+  </p:clrMapOvr>
+</p:sld>
+</file>
+
+<file path=ppt/slides/slide7.xml><?xml version="1.0" encoding="utf-8"?>
+<p:sld xmlns:a="http://schemas.openxmlformats.org/drawingml/2006/main" xmlns:r="http://schemas.openxmlformats.org/officeDocument/2006/relationships" xmlns:p="http://schemas.openxmlformats.org/presentationml/2006/main">
+  <p:cSld>
+    <p:spTree>
+      <p:nvGrpSpPr>
+        <p:cNvPr id="1" name=""/>
+        <p:cNvGrpSpPr/>
+        <p:nvPr/>
+      </p:nvGrpSpPr>
+      <p:grpSpPr>
+        <a:xfrm>
+          <a:off x="0" y="0"/>
+          <a:ext cx="0" cy="0"/>
+          <a:chOff x="0" y="0"/>
+          <a:chExt cx="0" cy="0"/>
+        </a:xfrm>
+      </p:grpSpPr>
+      <p:sp>
+        <p:nvSpPr>
+          <p:cNvPr id="2" name="Title 1">
+            <a:extLst>
+              <a:ext uri="{FF2B5EF4-FFF2-40B4-BE49-F238E27FC236}">
+                <a16:creationId xmlns:a16="http://schemas.microsoft.com/office/drawing/2014/main" id="{B2135E34-5DB4-43B2-8BD4-0C0185D34BA1}"/>
+              </a:ext>
+            </a:extLst>
+          </p:cNvPr>
+          <p:cNvSpPr>
+            <a:spLocks noGrp="1"/>
+          </p:cNvSpPr>
+          <p:nvPr>
+            <p:ph type="title"/>
+          </p:nvPr>
+        </p:nvSpPr>
+        <p:spPr/>
+        <p:txBody>
+          <a:bodyPr/>
+          <a:lstStyle/>
+          <a:p>
+            <a:r>
+              <a:rPr lang="en-US" dirty="0"/>
+              <a:t>Three biological questions</a:t>
+            </a:r>
+          </a:p>
+        </p:txBody>
+      </p:sp>
+      <p:sp>
+        <p:nvSpPr>
+          <p:cNvPr id="3" name="Content Placeholder 2">
+            <a:extLst>
+              <a:ext uri="{FF2B5EF4-FFF2-40B4-BE49-F238E27FC236}">
+                <a16:creationId xmlns:a16="http://schemas.microsoft.com/office/drawing/2014/main" id="{56087E59-FE25-4312-898C-709B5303FE51}"/>
+              </a:ext>
+            </a:extLst>
+          </p:cNvPr>
+          <p:cNvSpPr>
+            <a:spLocks noGrp="1"/>
+          </p:cNvSpPr>
+          <p:nvPr>
+            <p:ph idx="1"/>
+          </p:nvPr>
+        </p:nvSpPr>
+        <p:spPr/>
+        <p:txBody>
+          <a:bodyPr/>
+          <a:lstStyle/>
+          <a:p>
+            <a:pPr marL="0" indent="0">
+              <a:buNone/>
+            </a:pPr>
+            <a:r>
+              <a:rPr lang="en-US" sz="3000" b="1" dirty="0"/>
+              <a:t>Q1. How does a Gulf War Illness (LPS + pyridostigmine) affect gene expression in the frontal cortex and lateral amygdala?</a:t>
+            </a:r>
+          </a:p>
+          <a:p>
+            <a:pPr marL="0" indent="0">
+              <a:buNone/>
+            </a:pPr>
+            <a:endParaRPr lang="en-US" sz="3000" b="1" dirty="0"/>
+          </a:p>
+          <a:p>
+            <a:pPr marL="0" indent="0">
+              <a:buNone/>
+            </a:pPr>
+            <a:r>
+              <a:rPr lang="en-US" sz="3000" b="1" dirty="0"/>
+              <a:t>Q2. How can treatment of Gulf War Illness with rosiglitazone normalize gene expression?</a:t>
+            </a:r>
+          </a:p>
+          <a:p>
+            <a:pPr marL="0" indent="0">
+              <a:buNone/>
+            </a:pPr>
+            <a:endParaRPr lang="en-US" sz="3000" b="1" dirty="0"/>
+          </a:p>
+          <a:p>
+            <a:pPr marL="0" indent="0">
+              <a:buNone/>
+            </a:pPr>
+            <a:r>
+              <a:rPr lang="en-US" sz="3000" b="1" dirty="0"/>
+              <a:t>Q3. How is PPAR</a:t>
+            </a:r>
+            <a:r>
+              <a:rPr lang="el-GR" sz="3000" b="1" dirty="0"/>
+              <a:t>γ</a:t>
+            </a:r>
+            <a:r>
+              <a:rPr lang="en-US" sz="3000" b="1" dirty="0"/>
+              <a:t> signaling involved in both of these processes?</a:t>
+            </a:r>
+            <a:endParaRPr lang="en-US" sz="3000" dirty="0"/>
+          </a:p>
+          <a:p>
+            <a:endParaRPr lang="en-US" dirty="0"/>
+          </a:p>
+        </p:txBody>
+      </p:sp>
+    </p:spTree>
+    <p:extLst>
+      <p:ext uri="{BB962C8B-B14F-4D97-AF65-F5344CB8AC3E}">
+        <p14:creationId xmlns:p14="http://schemas.microsoft.com/office/powerpoint/2010/main" val="3342369908"/>
+      </p:ext>
+    </p:extLst>
+  </p:cSld>
+  <p:clrMapOvr>
+    <a:masterClrMapping/>
+  </p:clrMapOvr>
+</p:sld>
+</file>
+
+<file path=ppt/slides/slide8.xml><?xml version="1.0" encoding="utf-8"?>
+<p:sld xmlns:a="http://schemas.openxmlformats.org/drawingml/2006/main" xmlns:r="http://schemas.openxmlformats.org/officeDocument/2006/relationships" xmlns:p="http://schemas.openxmlformats.org/presentationml/2006/main">
+  <p:cSld>
+    <p:spTree>
+      <p:nvGrpSpPr>
+        <p:cNvPr id="1" name=""/>
+        <p:cNvGrpSpPr/>
+        <p:nvPr/>
+      </p:nvGrpSpPr>
+      <p:grpSpPr>
+        <a:xfrm>
+          <a:off x="0" y="0"/>
+          <a:ext cx="0" cy="0"/>
+          <a:chOff x="0" y="0"/>
+          <a:chExt cx="0" cy="0"/>
+        </a:xfrm>
+      </p:grpSpPr>
+      <p:sp>
+        <p:nvSpPr>
+          <p:cNvPr id="2" name="Title 1">
+            <a:extLst>
+              <a:ext uri="{FF2B5EF4-FFF2-40B4-BE49-F238E27FC236}">
+                <a16:creationId xmlns:a16="http://schemas.microsoft.com/office/drawing/2014/main" id="{7138FFFC-6A27-4D19-9180-4C22086F279C}"/>
+              </a:ext>
+            </a:extLst>
+          </p:cNvPr>
+          <p:cNvSpPr>
+            <a:spLocks noGrp="1"/>
+          </p:cNvSpPr>
+          <p:nvPr>
+            <p:ph type="title"/>
+          </p:nvPr>
+        </p:nvSpPr>
+        <p:spPr>
+          <a:xfrm>
+            <a:off x="1006876" y="2593420"/>
+            <a:ext cx="10515600" cy="1325563"/>
+          </a:xfrm>
+        </p:spPr>
+        <p:txBody>
+          <a:bodyPr>
+            <a:normAutofit fontScale="90000"/>
+          </a:bodyPr>
+          <a:lstStyle/>
+          <a:p>
+            <a:r>
+              <a:rPr lang="en-US" b="1" dirty="0"/>
+              <a:t>Q1. How does a Gulf War Illness (LPS + pyridostigmine) affect gene expression in the frontal cortex and lateral amygdala?</a:t>
+            </a:r>
+            <a:br>
+              <a:rPr lang="en-US" b="1" dirty="0"/>
+            </a:br>
+            <a:endParaRPr lang="en-US" dirty="0"/>
+          </a:p>
+        </p:txBody>
+      </p:sp>
+    </p:spTree>
+    <p:extLst>
+      <p:ext uri="{BB962C8B-B14F-4D97-AF65-F5344CB8AC3E}">
+        <p14:creationId xmlns:p14="http://schemas.microsoft.com/office/powerpoint/2010/main" val="3695321156"/>
+      </p:ext>
+    </p:extLst>
+  </p:cSld>
+  <p:clrMapOvr>
+    <a:masterClrMapping/>
+  </p:clrMapOvr>
+</p:sld>
+</file>
+
+<file path=ppt/slides/slide9.xml><?xml version="1.0" encoding="utf-8"?>
+<p:sld xmlns:a="http://schemas.openxmlformats.org/drawingml/2006/main" xmlns:r="http://schemas.openxmlformats.org/officeDocument/2006/relationships" xmlns:p="http://schemas.openxmlformats.org/presentationml/2006/main">
+  <p:cSld>
+    <p:spTree>
+      <p:nvGrpSpPr>
+        <p:cNvPr id="1" name=""/>
+        <p:cNvGrpSpPr/>
+        <p:nvPr/>
+      </p:nvGrpSpPr>
+      <p:grpSpPr>
+        <a:xfrm>
+          <a:off x="0" y="0"/>
+          <a:ext cx="0" cy="0"/>
+          <a:chOff x="0" y="0"/>
+          <a:chExt cx="0" cy="0"/>
+        </a:xfrm>
+      </p:grpSpPr>
+      <p:sp>
+        <p:nvSpPr>
+          <p:cNvPr id="2" name="Title 1">
+            <a:extLst>
+              <a:ext uri="{FF2B5EF4-FFF2-40B4-BE49-F238E27FC236}">
+                <a16:creationId xmlns:a16="http://schemas.microsoft.com/office/drawing/2014/main" id="{EDC60AD7-2D00-41B2-9B55-DE76909D1313}"/>
+              </a:ext>
+            </a:extLst>
+          </p:cNvPr>
+          <p:cNvSpPr>
+            <a:spLocks noGrp="1"/>
+          </p:cNvSpPr>
+          <p:nvPr>
+            <p:ph type="title"/>
+          </p:nvPr>
+        </p:nvSpPr>
+        <p:spPr/>
+        <p:txBody>
+          <a:bodyPr/>
+          <a:lstStyle/>
+          <a:p>
+            <a:r>
+              <a:rPr lang="en-US" dirty="0"/>
+              <a:t>Testing for differential expression (DE) between groups</a:t>
+            </a:r>
+          </a:p>
+        </p:txBody>
+      </p:sp>
+      <p:sp>
+        <p:nvSpPr>
+          <p:cNvPr id="3" name="Content Placeholder 2">
+            <a:extLst>
+              <a:ext uri="{FF2B5EF4-FFF2-40B4-BE49-F238E27FC236}">
+                <a16:creationId xmlns:a16="http://schemas.microsoft.com/office/drawing/2014/main" id="{FB825FBB-3D9D-49AD-A176-DD91E2FDA1F6}"/>
+              </a:ext>
+            </a:extLst>
+          </p:cNvPr>
+          <p:cNvSpPr>
+            <a:spLocks noGrp="1"/>
+          </p:cNvSpPr>
+          <p:nvPr>
+            <p:ph idx="1"/>
+          </p:nvPr>
+        </p:nvSpPr>
+        <p:spPr/>
+        <p:txBody>
+          <a:bodyPr/>
+          <a:lstStyle/>
+          <a:p>
+            <a:r>
+              <a:rPr lang="en-US" dirty="0"/>
+              <a:t>Analysis </a:t>
+            </a:r>
+            <a:r>
+              <a:rPr lang="en-US" b="1" dirty="0"/>
+              <a:t>stratified by brain region</a:t>
+            </a:r>
+          </a:p>
+          <a:p>
+            <a:pPr lvl="1"/>
+            <a:r>
+              <a:rPr lang="en-US" dirty="0"/>
+              <a:t>Example: control frontal cortex vs. injury frontal cortex</a:t>
+            </a:r>
+          </a:p>
+          <a:p>
+            <a:r>
+              <a:rPr lang="en-US" dirty="0"/>
+              <a:t>Tested for difference between groups:</a:t>
+            </a:r>
+          </a:p>
+          <a:p>
+            <a:pPr lvl="1"/>
+            <a:r>
+              <a:rPr lang="en-US" dirty="0"/>
+              <a:t>Control vs. injury – </a:t>
+            </a:r>
+            <a:r>
+              <a:rPr lang="en-US" b="1" dirty="0"/>
+              <a:t>What the gene expression correlates of the Gulf War Illness model?</a:t>
+            </a:r>
+          </a:p>
+          <a:p>
+            <a:pPr lvl="1"/>
+            <a:r>
+              <a:rPr lang="en-US" dirty="0"/>
+              <a:t>Injury vs. injury + treatment – </a:t>
+            </a:r>
+            <a:r>
+              <a:rPr lang="en-US" b="1" dirty="0"/>
+              <a:t>How does treatment with a selective PPAR</a:t>
+            </a:r>
+            <a:r>
+              <a:rPr lang="el-GR" b="1" dirty="0"/>
+              <a:t>γ</a:t>
+            </a:r>
+            <a:r>
+              <a:rPr lang="en-US" b="1" dirty="0"/>
+              <a:t> agonist affect gene expression in a Gulf War Illness model?</a:t>
+            </a:r>
+            <a:endParaRPr lang="en-US" dirty="0"/>
+          </a:p>
+          <a:p>
+            <a:pPr lvl="1"/>
+            <a:r>
+              <a:rPr lang="en-US" dirty="0"/>
+              <a:t>Also tested control vs. injury + treatment</a:t>
+            </a:r>
+          </a:p>
+          <a:p>
+            <a:pPr lvl="1"/>
+            <a:r>
+              <a:rPr lang="en-US" dirty="0"/>
+              <a:t>Basically </a:t>
+            </a:r>
+            <a:r>
+              <a:rPr lang="en-US" b="1" dirty="0"/>
+              <a:t>three pairwise t-tests for each brain region</a:t>
+            </a:r>
+          </a:p>
+          <a:p>
+            <a:pPr lvl="2"/>
+            <a:r>
+              <a:rPr lang="en-US" dirty="0" err="1"/>
+              <a:t>Limma</a:t>
+            </a:r>
+            <a:r>
+              <a:rPr lang="en-US" dirty="0"/>
+              <a:t> with empirical Bayes to improve statistical estimates</a:t>
+            </a:r>
+          </a:p>
+          <a:p>
+            <a:pPr marL="1371600" lvl="3" indent="0">
+              <a:buNone/>
+            </a:pPr>
+            <a:r>
+              <a:rPr lang="en-US" dirty="0"/>
+              <a:t>(Essentially pools information from other genes to better estimate expression variance)</a:t>
+            </a:r>
+          </a:p>
+          <a:p>
+            <a:endParaRPr lang="en-US" b="1" dirty="0"/>
+          </a:p>
+          <a:p>
+            <a:pPr lvl="1"/>
+            <a:endParaRPr lang="en-US" dirty="0"/>
+          </a:p>
+          <a:p>
+            <a:pPr lvl="1"/>
+            <a:endParaRPr lang="en-US" dirty="0"/>
+          </a:p>
+          <a:p>
+            <a:pPr lvl="1"/>
+            <a:endParaRPr lang="en-US" dirty="0"/>
+          </a:p>
+        </p:txBody>
+      </p:sp>
+    </p:spTree>
+    <p:extLst>
+      <p:ext uri="{BB962C8B-B14F-4D97-AF65-F5344CB8AC3E}">
+        <p14:creationId xmlns:p14="http://schemas.microsoft.com/office/powerpoint/2010/main" val="1660042827"/>
       </p:ext>
     </p:extLst>
   </p:cSld>
